--- a/slides/1. Planning_Organization.pptx
+++ b/slides/1. Planning_Organization.pptx
@@ -5,7 +5,7 @@
     <p:sldMasterId id="2147483660" r:id="rId1"/>
   </p:sldMasterIdLst>
   <p:notesMasterIdLst>
-    <p:notesMasterId r:id="rId21"/>
+    <p:notesMasterId r:id="rId16"/>
   </p:notesMasterIdLst>
   <p:sldIdLst>
     <p:sldId id="257" r:id="rId2"/>
@@ -21,12 +21,7 @@
     <p:sldId id="288" r:id="rId12"/>
     <p:sldId id="297" r:id="rId13"/>
     <p:sldId id="296" r:id="rId14"/>
-    <p:sldId id="289" r:id="rId15"/>
-    <p:sldId id="290" r:id="rId16"/>
-    <p:sldId id="291" r:id="rId17"/>
-    <p:sldId id="294" r:id="rId18"/>
-    <p:sldId id="293" r:id="rId19"/>
-    <p:sldId id="300" r:id="rId20"/>
+    <p:sldId id="300" r:id="rId15"/>
   </p:sldIdLst>
   <p:sldSz cx="12192000" cy="6858000"/>
   <p:notesSz cx="6858000" cy="9144000"/>
@@ -215,7 +210,7 @@
           <a:p>
             <a:fld id="{1B6E2612-5213-4B6B-99A8-BAC5DC9C4481}" type="datetimeFigureOut">
               <a:rPr lang="en-US" smtClean="0"/>
-              <a:t>4/26/2022</a:t>
+              <a:t>4/27/2022</a:t>
             </a:fld>
             <a:endParaRPr lang="en-US"/>
           </a:p>
@@ -1032,205 +1027,6 @@
     <p:extLst>
       <p:ext uri="{BB962C8B-B14F-4D97-AF65-F5344CB8AC3E}">
         <p14:creationId xmlns:p14="http://schemas.microsoft.com/office/powerpoint/2010/main" val="2288512872"/>
-      </p:ext>
-    </p:extLst>
-  </p:cSld>
-  <p:clrMapOvr>
-    <a:masterClrMapping/>
-  </p:clrMapOvr>
-</p:notes>
-</file>
-
-<file path=ppt/notesSlides/notesSlide5.xml><?xml version="1.0" encoding="utf-8"?>
-<p:notes xmlns:a="http://schemas.openxmlformats.org/drawingml/2006/main" xmlns:r="http://schemas.openxmlformats.org/officeDocument/2006/relationships" xmlns:p="http://schemas.openxmlformats.org/presentationml/2006/main">
-  <p:cSld>
-    <p:spTree>
-      <p:nvGrpSpPr>
-        <p:cNvPr id="1" name=""/>
-        <p:cNvGrpSpPr/>
-        <p:nvPr/>
-      </p:nvGrpSpPr>
-      <p:grpSpPr>
-        <a:xfrm>
-          <a:off x="0" y="0"/>
-          <a:ext cx="0" cy="0"/>
-          <a:chOff x="0" y="0"/>
-          <a:chExt cx="0" cy="0"/>
-        </a:xfrm>
-      </p:grpSpPr>
-      <p:sp>
-        <p:nvSpPr>
-          <p:cNvPr id="2" name="Slide Image Placeholder 1"/>
-          <p:cNvSpPr>
-            <a:spLocks noGrp="1" noRot="1" noChangeAspect="1"/>
-          </p:cNvSpPr>
-          <p:nvPr>
-            <p:ph type="sldImg"/>
-          </p:nvPr>
-        </p:nvSpPr>
-        <p:spPr/>
-      </p:sp>
-      <p:sp>
-        <p:nvSpPr>
-          <p:cNvPr id="3" name="Notes Placeholder 2"/>
-          <p:cNvSpPr>
-            <a:spLocks noGrp="1"/>
-          </p:cNvSpPr>
-          <p:nvPr>
-            <p:ph type="body" idx="1"/>
-          </p:nvPr>
-        </p:nvSpPr>
-        <p:spPr/>
-        <p:txBody>
-          <a:bodyPr/>
-          <a:lstStyle/>
-          <a:p>
-            <a:endParaRPr lang="en-US" dirty="0"/>
-          </a:p>
-        </p:txBody>
-      </p:sp>
-      <p:sp>
-        <p:nvSpPr>
-          <p:cNvPr id="4" name="Slide Number Placeholder 3"/>
-          <p:cNvSpPr>
-            <a:spLocks noGrp="1"/>
-          </p:cNvSpPr>
-          <p:nvPr>
-            <p:ph type="sldNum" sz="quarter" idx="5"/>
-          </p:nvPr>
-        </p:nvSpPr>
-        <p:spPr/>
-        <p:txBody>
-          <a:bodyPr/>
-          <a:lstStyle/>
-          <a:p>
-            <a:fld id="{9271DED1-4C91-4561-A99B-E6676363E223}" type="slidenum">
-              <a:rPr lang="en-US" smtClean="0"/>
-              <a:t>14</a:t>
-            </a:fld>
-            <a:endParaRPr lang="en-US"/>
-          </a:p>
-        </p:txBody>
-      </p:sp>
-    </p:spTree>
-    <p:extLst>
-      <p:ext uri="{BB962C8B-B14F-4D97-AF65-F5344CB8AC3E}">
-        <p14:creationId xmlns:p14="http://schemas.microsoft.com/office/powerpoint/2010/main" val="2480089020"/>
-      </p:ext>
-    </p:extLst>
-  </p:cSld>
-  <p:clrMapOvr>
-    <a:masterClrMapping/>
-  </p:clrMapOvr>
-</p:notes>
-</file>
-
-<file path=ppt/notesSlides/notesSlide6.xml><?xml version="1.0" encoding="utf-8"?>
-<p:notes xmlns:a="http://schemas.openxmlformats.org/drawingml/2006/main" xmlns:r="http://schemas.openxmlformats.org/officeDocument/2006/relationships" xmlns:p="http://schemas.openxmlformats.org/presentationml/2006/main">
-  <p:cSld>
-    <p:spTree>
-      <p:nvGrpSpPr>
-        <p:cNvPr id="1" name=""/>
-        <p:cNvGrpSpPr/>
-        <p:nvPr/>
-      </p:nvGrpSpPr>
-      <p:grpSpPr>
-        <a:xfrm>
-          <a:off x="0" y="0"/>
-          <a:ext cx="0" cy="0"/>
-          <a:chOff x="0" y="0"/>
-          <a:chExt cx="0" cy="0"/>
-        </a:xfrm>
-      </p:grpSpPr>
-      <p:sp>
-        <p:nvSpPr>
-          <p:cNvPr id="2" name="Slide Image Placeholder 1"/>
-          <p:cNvSpPr>
-            <a:spLocks noGrp="1" noRot="1" noChangeAspect="1"/>
-          </p:cNvSpPr>
-          <p:nvPr>
-            <p:ph type="sldImg"/>
-          </p:nvPr>
-        </p:nvSpPr>
-        <p:spPr/>
-      </p:sp>
-      <p:sp>
-        <p:nvSpPr>
-          <p:cNvPr id="3" name="Notes Placeholder 2"/>
-          <p:cNvSpPr>
-            <a:spLocks noGrp="1"/>
-          </p:cNvSpPr>
-          <p:nvPr>
-            <p:ph type="body" idx="1"/>
-          </p:nvPr>
-        </p:nvSpPr>
-        <p:spPr/>
-        <p:txBody>
-          <a:bodyPr/>
-          <a:lstStyle/>
-          <a:p>
-            <a:pPr marL="0" marR="0" lvl="0" indent="0" algn="l" defTabSz="914400" rtl="0" eaLnBrk="1" fontAlgn="auto" latinLnBrk="0" hangingPunct="1">
-              <a:lnSpc>
-                <a:spcPct val="100000"/>
-              </a:lnSpc>
-              <a:spcBef>
-                <a:spcPts val="0"/>
-              </a:spcBef>
-              <a:spcAft>
-                <a:spcPts val="0"/>
-              </a:spcAft>
-              <a:buClrTx/>
-              <a:buSzTx/>
-              <a:buFontTx/>
-              <a:buNone/>
-              <a:tabLst/>
-              <a:defRPr/>
-            </a:pPr>
-            <a:r>
-              <a:rPr lang="en-US" dirty="0"/>
-              <a:t>Leskovec, Jure, et al. "Community structure in large networks: Natural cluster sizes and the absence of large well-defined clusters." </a:t>
-            </a:r>
-            <a:r>
-              <a:rPr lang="en-US" i="1" dirty="0"/>
-              <a:t>Internet Mathematics</a:t>
-            </a:r>
-            <a:r>
-              <a:rPr lang="en-US" dirty="0"/>
-              <a:t> 6.1 (2009): 29-123.</a:t>
-            </a:r>
-          </a:p>
-          <a:p>
-            <a:endParaRPr lang="en-US" dirty="0"/>
-          </a:p>
-        </p:txBody>
-      </p:sp>
-      <p:sp>
-        <p:nvSpPr>
-          <p:cNvPr id="4" name="Slide Number Placeholder 3"/>
-          <p:cNvSpPr>
-            <a:spLocks noGrp="1"/>
-          </p:cNvSpPr>
-          <p:nvPr>
-            <p:ph type="sldNum" sz="quarter" idx="5"/>
-          </p:nvPr>
-        </p:nvSpPr>
-        <p:spPr/>
-        <p:txBody>
-          <a:bodyPr/>
-          <a:lstStyle/>
-          <a:p>
-            <a:fld id="{9271DED1-4C91-4561-A99B-E6676363E223}" type="slidenum">
-              <a:rPr lang="en-US" smtClean="0"/>
-              <a:t>16</a:t>
-            </a:fld>
-            <a:endParaRPr lang="en-US"/>
-          </a:p>
-        </p:txBody>
-      </p:sp>
-    </p:spTree>
-    <p:extLst>
-      <p:ext uri="{BB962C8B-B14F-4D97-AF65-F5344CB8AC3E}">
-        <p14:creationId xmlns:p14="http://schemas.microsoft.com/office/powerpoint/2010/main" val="953141167"/>
       </p:ext>
     </p:extLst>
   </p:cSld>
@@ -2964,7 +2760,7 @@
           <a:p>
             <a:fld id="{4DDB5538-DA78-4C2C-BF6B-9485BBAF1D80}" type="datetimeFigureOut">
               <a:rPr lang="en-US" smtClean="0"/>
-              <a:t>4/26/2022</a:t>
+              <a:t>4/27/2022</a:t>
             </a:fld>
             <a:endParaRPr lang="en-US"/>
           </a:p>
@@ -3253,7 +3049,7 @@
           <a:p>
             <a:fld id="{4DDB5538-DA78-4C2C-BF6B-9485BBAF1D80}" type="datetimeFigureOut">
               <a:rPr lang="en-US" smtClean="0"/>
-              <a:t>4/26/2022</a:t>
+              <a:t>4/27/2022</a:t>
             </a:fld>
             <a:endParaRPr lang="en-US"/>
           </a:p>
@@ -3542,7 +3338,7 @@
           <a:p>
             <a:fld id="{4DDB5538-DA78-4C2C-BF6B-9485BBAF1D80}" type="datetimeFigureOut">
               <a:rPr lang="en-US" smtClean="0"/>
-              <a:t>4/26/2022</a:t>
+              <a:t>4/27/2022</a:t>
             </a:fld>
             <a:endParaRPr lang="en-US"/>
           </a:p>
@@ -3831,7 +3627,7 @@
           <a:p>
             <a:fld id="{4DDB5538-DA78-4C2C-BF6B-9485BBAF1D80}" type="datetimeFigureOut">
               <a:rPr lang="en-US" smtClean="0"/>
-              <a:t>4/26/2022</a:t>
+              <a:t>4/27/2022</a:t>
             </a:fld>
             <a:endParaRPr lang="en-US"/>
           </a:p>
@@ -4068,7 +3864,7 @@
           <a:p>
             <a:fld id="{4DDB5538-DA78-4C2C-BF6B-9485BBAF1D80}" type="datetimeFigureOut">
               <a:rPr lang="en-US" smtClean="0"/>
-              <a:t>4/26/2022</a:t>
+              <a:t>4/27/2022</a:t>
             </a:fld>
             <a:endParaRPr lang="en-US"/>
           </a:p>
@@ -4525,7 +4321,7 @@
           <a:p>
             <a:fld id="{4DDB5538-DA78-4C2C-BF6B-9485BBAF1D80}" type="datetimeFigureOut">
               <a:rPr lang="en-US" smtClean="0"/>
-              <a:t>4/26/2022</a:t>
+              <a:t>4/27/2022</a:t>
             </a:fld>
             <a:endParaRPr lang="en-US"/>
           </a:p>
@@ -4716,7 +4512,7 @@
           <a:p>
             <a:fld id="{4DDB5538-DA78-4C2C-BF6B-9485BBAF1D80}" type="datetimeFigureOut">
               <a:rPr lang="en-US" smtClean="0"/>
-              <a:t>4/26/2022</a:t>
+              <a:t>4/27/2022</a:t>
             </a:fld>
             <a:endParaRPr lang="en-US"/>
           </a:p>
@@ -7089,7 +6885,7 @@
           <a:p>
             <a:fld id="{4DDB5538-DA78-4C2C-BF6B-9485BBAF1D80}" type="datetimeFigureOut">
               <a:rPr lang="en-US" smtClean="0"/>
-              <a:t>4/26/2022</a:t>
+              <a:t>4/27/2022</a:t>
             </a:fld>
             <a:endParaRPr lang="en-US"/>
           </a:p>
@@ -7339,7 +7135,7 @@
           <a:p>
             <a:fld id="{4DDB5538-DA78-4C2C-BF6B-9485BBAF1D80}" type="datetimeFigureOut">
               <a:rPr lang="en-US" smtClean="0"/>
-              <a:t>4/26/2022</a:t>
+              <a:t>4/27/2022</a:t>
             </a:fld>
             <a:endParaRPr lang="en-US"/>
           </a:p>
@@ -7725,7 +7521,7 @@
           <a:p>
             <a:fld id="{4DDB5538-DA78-4C2C-BF6B-9485BBAF1D80}" type="datetimeFigureOut">
               <a:rPr lang="en-US" smtClean="0"/>
-              <a:t>4/26/2022</a:t>
+              <a:t>4/27/2022</a:t>
             </a:fld>
             <a:endParaRPr lang="en-US"/>
           </a:p>
@@ -7985,7 +7781,7 @@
           <a:p>
             <a:fld id="{4DDB5538-DA78-4C2C-BF6B-9485BBAF1D80}" type="datetimeFigureOut">
               <a:rPr lang="en-US" smtClean="0"/>
-              <a:t>4/26/2022</a:t>
+              <a:t>4/27/2022</a:t>
             </a:fld>
             <a:endParaRPr lang="en-US"/>
           </a:p>
@@ -11089,9247 +10885,6 @@
           <p:cNvPr id="4" name="Title 3">
             <a:extLst>
               <a:ext uri="{FF2B5EF4-FFF2-40B4-BE49-F238E27FC236}">
-                <a16:creationId xmlns:a16="http://schemas.microsoft.com/office/drawing/2014/main" id="{0C3F9473-7305-42B0-A304-EDF3B0B7A15F}"/>
-              </a:ext>
-            </a:extLst>
-          </p:cNvPr>
-          <p:cNvSpPr>
-            <a:spLocks noGrp="1"/>
-          </p:cNvSpPr>
-          <p:nvPr>
-            <p:ph type="ctrTitle"/>
-          </p:nvPr>
-        </p:nvSpPr>
-        <p:spPr>
-          <a:xfrm>
-            <a:off x="478368" y="3909485"/>
-            <a:ext cx="11228913" cy="2495551"/>
-          </a:xfrm>
-        </p:spPr>
-        <p:txBody>
-          <a:bodyPr anchor="ctr">
-            <a:normAutofit/>
-          </a:bodyPr>
-          <a:lstStyle/>
-          <a:p>
-            <a:r>
-              <a:rPr lang="en-US" dirty="0"/>
-              <a:t>Basic Concepts</a:t>
-            </a:r>
-          </a:p>
-        </p:txBody>
-      </p:sp>
-    </p:spTree>
-    <p:extLst>
-      <p:ext uri="{BB962C8B-B14F-4D97-AF65-F5344CB8AC3E}">
-        <p14:creationId xmlns:p14="http://schemas.microsoft.com/office/powerpoint/2010/main" val="755769428"/>
-      </p:ext>
-    </p:extLst>
-  </p:cSld>
-  <p:clrMapOvr>
-    <a:masterClrMapping/>
-  </p:clrMapOvr>
-  <p:transition spd="slow">
-    <p:wipe dir="d"/>
-  </p:transition>
-</p:sld>
-</file>
-
-<file path=ppt/slides/slide15.xml><?xml version="1.0" encoding="utf-8"?>
-<p:sld xmlns:a="http://schemas.openxmlformats.org/drawingml/2006/main" xmlns:r="http://schemas.openxmlformats.org/officeDocument/2006/relationships" xmlns:p="http://schemas.openxmlformats.org/presentationml/2006/main">
-  <p:cSld>
-    <p:spTree>
-      <p:nvGrpSpPr>
-        <p:cNvPr id="1" name=""/>
-        <p:cNvGrpSpPr/>
-        <p:nvPr/>
-      </p:nvGrpSpPr>
-      <p:grpSpPr>
-        <a:xfrm>
-          <a:off x="0" y="0"/>
-          <a:ext cx="0" cy="0"/>
-          <a:chOff x="0" y="0"/>
-          <a:chExt cx="0" cy="0"/>
-        </a:xfrm>
-      </p:grpSpPr>
-      <p:sp>
-        <p:nvSpPr>
-          <p:cNvPr id="2" name="Title 1">
-            <a:extLst>
-              <a:ext uri="{FF2B5EF4-FFF2-40B4-BE49-F238E27FC236}">
-                <a16:creationId xmlns:a16="http://schemas.microsoft.com/office/drawing/2014/main" id="{7D7A3373-5BD8-4F55-BE38-958CF33F323C}"/>
-              </a:ext>
-            </a:extLst>
-          </p:cNvPr>
-          <p:cNvSpPr>
-            <a:spLocks noGrp="1"/>
-          </p:cNvSpPr>
-          <p:nvPr>
-            <p:ph type="title"/>
-          </p:nvPr>
-        </p:nvSpPr>
-        <p:spPr/>
-        <p:txBody>
-          <a:bodyPr/>
-          <a:lstStyle/>
-          <a:p>
-            <a:r>
-              <a:rPr lang="en-US" dirty="0"/>
-              <a:t>Types of graphs</a:t>
-            </a:r>
-          </a:p>
-        </p:txBody>
-      </p:sp>
-      <p:grpSp>
-        <p:nvGrpSpPr>
-          <p:cNvPr id="181" name="Group 180">
-            <a:extLst>
-              <a:ext uri="{FF2B5EF4-FFF2-40B4-BE49-F238E27FC236}">
-                <a16:creationId xmlns:a16="http://schemas.microsoft.com/office/drawing/2014/main" id="{7AF378FC-68BD-4F7F-A2CE-65A9794E7B7C}"/>
-              </a:ext>
-            </a:extLst>
-          </p:cNvPr>
-          <p:cNvGrpSpPr/>
-          <p:nvPr/>
-        </p:nvGrpSpPr>
-        <p:grpSpPr>
-          <a:xfrm>
-            <a:off x="743752" y="1622564"/>
-            <a:ext cx="1690193" cy="1624476"/>
-            <a:chOff x="743752" y="1695011"/>
-            <a:chExt cx="1690193" cy="1624476"/>
-          </a:xfrm>
-        </p:grpSpPr>
-        <p:sp>
-          <p:nvSpPr>
-            <p:cNvPr id="7" name="Oval 6">
-              <a:extLst>
-                <a:ext uri="{FF2B5EF4-FFF2-40B4-BE49-F238E27FC236}">
-                  <a16:creationId xmlns:a16="http://schemas.microsoft.com/office/drawing/2014/main" id="{3EF6C283-3533-42FA-8DB1-0686D0C8558F}"/>
-                </a:ext>
-              </a:extLst>
-            </p:cNvPr>
-            <p:cNvSpPr/>
-            <p:nvPr/>
-          </p:nvSpPr>
-          <p:spPr bwMode="gray">
-            <a:xfrm>
-              <a:off x="743752" y="1695011"/>
-              <a:ext cx="414216" cy="414216"/>
-            </a:xfrm>
-            <a:prstGeom prst="ellipse">
-              <a:avLst/>
-            </a:prstGeom>
-            <a:ln/>
-          </p:spPr>
-          <p:style>
-            <a:lnRef idx="2">
-              <a:schemeClr val="dk1"/>
-            </a:lnRef>
-            <a:fillRef idx="1">
-              <a:schemeClr val="lt1"/>
-            </a:fillRef>
-            <a:effectRef idx="0">
-              <a:schemeClr val="dk1"/>
-            </a:effectRef>
-            <a:fontRef idx="minor">
-              <a:schemeClr val="dk1"/>
-            </a:fontRef>
-          </p:style>
-          <p:txBody>
-            <a:bodyPr rot="0" spcFirstLastPara="0" vertOverflow="overflow" horzOverflow="overflow" vert="horz" wrap="square" lIns="108000" tIns="72000" rIns="108000" bIns="72000" numCol="1" spcCol="0" rtlCol="0" fromWordArt="0" anchor="ctr" anchorCtr="0" forceAA="0" compatLnSpc="1">
-              <a:prstTxWarp prst="textNoShape">
-                <a:avLst/>
-              </a:prstTxWarp>
-              <a:noAutofit/>
-            </a:bodyPr>
-            <a:lstStyle/>
-            <a:p>
-              <a:pPr algn="ctr">
-                <a:spcBef>
-                  <a:spcPts val="300"/>
-                </a:spcBef>
-                <a:spcAft>
-                  <a:spcPts val="300"/>
-                </a:spcAft>
-              </a:pPr>
-              <a:r>
-                <a:rPr lang="en-US" sz="1200" b="1" dirty="0">
-                  <a:solidFill>
-                    <a:schemeClr val="tx1"/>
-                  </a:solidFill>
-                </a:rPr>
-                <a:t>A</a:t>
-              </a:r>
-            </a:p>
-          </p:txBody>
-        </p:sp>
-        <p:sp>
-          <p:nvSpPr>
-            <p:cNvPr id="9" name="Oval 8">
-              <a:extLst>
-                <a:ext uri="{FF2B5EF4-FFF2-40B4-BE49-F238E27FC236}">
-                  <a16:creationId xmlns:a16="http://schemas.microsoft.com/office/drawing/2014/main" id="{E6D43CB6-904A-488B-A426-7971A6E40F6C}"/>
-                </a:ext>
-              </a:extLst>
-            </p:cNvPr>
-            <p:cNvSpPr/>
-            <p:nvPr/>
-          </p:nvSpPr>
-          <p:spPr bwMode="gray">
-            <a:xfrm>
-              <a:off x="743752" y="2622694"/>
-              <a:ext cx="414216" cy="414216"/>
-            </a:xfrm>
-            <a:prstGeom prst="ellipse">
-              <a:avLst/>
-            </a:prstGeom>
-            <a:ln/>
-          </p:spPr>
-          <p:style>
-            <a:lnRef idx="2">
-              <a:schemeClr val="dk1"/>
-            </a:lnRef>
-            <a:fillRef idx="1">
-              <a:schemeClr val="lt1"/>
-            </a:fillRef>
-            <a:effectRef idx="0">
-              <a:schemeClr val="dk1"/>
-            </a:effectRef>
-            <a:fontRef idx="minor">
-              <a:schemeClr val="dk1"/>
-            </a:fontRef>
-          </p:style>
-          <p:txBody>
-            <a:bodyPr rot="0" spcFirstLastPara="0" vertOverflow="overflow" horzOverflow="overflow" vert="horz" wrap="square" lIns="108000" tIns="72000" rIns="108000" bIns="72000" numCol="1" spcCol="0" rtlCol="0" fromWordArt="0" anchor="ctr" anchorCtr="0" forceAA="0" compatLnSpc="1">
-              <a:prstTxWarp prst="textNoShape">
-                <a:avLst/>
-              </a:prstTxWarp>
-              <a:noAutofit/>
-            </a:bodyPr>
-            <a:lstStyle/>
-            <a:p>
-              <a:pPr algn="ctr">
-                <a:spcBef>
-                  <a:spcPts val="300"/>
-                </a:spcBef>
-                <a:spcAft>
-                  <a:spcPts val="300"/>
-                </a:spcAft>
-              </a:pPr>
-              <a:r>
-                <a:rPr lang="en-US" sz="1200" b="1" dirty="0">
-                  <a:solidFill>
-                    <a:schemeClr val="tx1"/>
-                  </a:solidFill>
-                </a:rPr>
-                <a:t>C</a:t>
-              </a:r>
-            </a:p>
-          </p:txBody>
-        </p:sp>
-        <p:sp>
-          <p:nvSpPr>
-            <p:cNvPr id="11" name="Oval 10">
-              <a:extLst>
-                <a:ext uri="{FF2B5EF4-FFF2-40B4-BE49-F238E27FC236}">
-                  <a16:creationId xmlns:a16="http://schemas.microsoft.com/office/drawing/2014/main" id="{57CC5E61-4DD7-4C91-984D-6BD9C75D28FD}"/>
-                </a:ext>
-              </a:extLst>
-            </p:cNvPr>
-            <p:cNvSpPr/>
-            <p:nvPr/>
-          </p:nvSpPr>
-          <p:spPr bwMode="gray">
-            <a:xfrm>
-              <a:off x="1777660" y="2081775"/>
-              <a:ext cx="414216" cy="414216"/>
-            </a:xfrm>
-            <a:prstGeom prst="ellipse">
-              <a:avLst/>
-            </a:prstGeom>
-            <a:ln/>
-          </p:spPr>
-          <p:style>
-            <a:lnRef idx="2">
-              <a:schemeClr val="dk1"/>
-            </a:lnRef>
-            <a:fillRef idx="1">
-              <a:schemeClr val="lt1"/>
-            </a:fillRef>
-            <a:effectRef idx="0">
-              <a:schemeClr val="dk1"/>
-            </a:effectRef>
-            <a:fontRef idx="minor">
-              <a:schemeClr val="dk1"/>
-            </a:fontRef>
-          </p:style>
-          <p:txBody>
-            <a:bodyPr rot="0" spcFirstLastPara="0" vertOverflow="overflow" horzOverflow="overflow" vert="horz" wrap="square" lIns="108000" tIns="72000" rIns="108000" bIns="72000" numCol="1" spcCol="0" rtlCol="0" fromWordArt="0" anchor="ctr" anchorCtr="0" forceAA="0" compatLnSpc="1">
-              <a:prstTxWarp prst="textNoShape">
-                <a:avLst/>
-              </a:prstTxWarp>
-              <a:noAutofit/>
-            </a:bodyPr>
-            <a:lstStyle/>
-            <a:p>
-              <a:pPr algn="ctr">
-                <a:spcBef>
-                  <a:spcPts val="300"/>
-                </a:spcBef>
-                <a:spcAft>
-                  <a:spcPts val="300"/>
-                </a:spcAft>
-              </a:pPr>
-              <a:r>
-                <a:rPr lang="en-US" sz="1200" b="1" dirty="0">
-                  <a:solidFill>
-                    <a:schemeClr val="tx1"/>
-                  </a:solidFill>
-                </a:rPr>
-                <a:t>B</a:t>
-              </a:r>
-            </a:p>
-          </p:txBody>
-        </p:sp>
-        <p:cxnSp>
-          <p:nvCxnSpPr>
-            <p:cNvPr id="13" name="Straight Arrow Connector 12">
-              <a:extLst>
-                <a:ext uri="{FF2B5EF4-FFF2-40B4-BE49-F238E27FC236}">
-                  <a16:creationId xmlns:a16="http://schemas.microsoft.com/office/drawing/2014/main" id="{0BC62743-056C-412C-969C-3EA0FA9DA890}"/>
-                </a:ext>
-              </a:extLst>
-            </p:cNvPr>
-            <p:cNvCxnSpPr>
-              <a:stCxn id="7" idx="6"/>
-              <a:endCxn id="11" idx="1"/>
-            </p:cNvCxnSpPr>
-            <p:nvPr/>
-          </p:nvCxnSpPr>
-          <p:spPr bwMode="gray">
-            <a:xfrm>
-              <a:off x="1157968" y="1902119"/>
-              <a:ext cx="680353" cy="240317"/>
-            </a:xfrm>
-            <a:prstGeom prst="straightConnector1">
-              <a:avLst/>
-            </a:prstGeom>
-            <a:ln>
-              <a:tailEnd type="triangle"/>
-            </a:ln>
-          </p:spPr>
-          <p:style>
-            <a:lnRef idx="1">
-              <a:schemeClr val="dk1"/>
-            </a:lnRef>
-            <a:fillRef idx="0">
-              <a:schemeClr val="dk1"/>
-            </a:fillRef>
-            <a:effectRef idx="0">
-              <a:schemeClr val="dk1"/>
-            </a:effectRef>
-            <a:fontRef idx="minor">
-              <a:schemeClr val="tx1"/>
-            </a:fontRef>
-          </p:style>
-        </p:cxnSp>
-        <p:cxnSp>
-          <p:nvCxnSpPr>
-            <p:cNvPr id="14" name="Straight Arrow Connector 13">
-              <a:extLst>
-                <a:ext uri="{FF2B5EF4-FFF2-40B4-BE49-F238E27FC236}">
-                  <a16:creationId xmlns:a16="http://schemas.microsoft.com/office/drawing/2014/main" id="{DAB73D40-E291-48AA-8DD9-5C79A078C8AC}"/>
-                </a:ext>
-              </a:extLst>
-            </p:cNvPr>
-            <p:cNvCxnSpPr>
-              <a:cxnSpLocks/>
-              <a:stCxn id="7" idx="4"/>
-              <a:endCxn id="9" idx="0"/>
-            </p:cNvCxnSpPr>
-            <p:nvPr/>
-          </p:nvCxnSpPr>
-          <p:spPr bwMode="gray">
-            <a:xfrm>
-              <a:off x="950860" y="2109227"/>
-              <a:ext cx="0" cy="513467"/>
-            </a:xfrm>
-            <a:prstGeom prst="straightConnector1">
-              <a:avLst/>
-            </a:prstGeom>
-            <a:ln>
-              <a:tailEnd type="triangle"/>
-            </a:ln>
-          </p:spPr>
-          <p:style>
-            <a:lnRef idx="1">
-              <a:schemeClr val="dk1"/>
-            </a:lnRef>
-            <a:fillRef idx="0">
-              <a:schemeClr val="dk1"/>
-            </a:fillRef>
-            <a:effectRef idx="0">
-              <a:schemeClr val="dk1"/>
-            </a:effectRef>
-            <a:fontRef idx="minor">
-              <a:schemeClr val="tx1"/>
-            </a:fontRef>
-          </p:style>
-        </p:cxnSp>
-        <p:cxnSp>
-          <p:nvCxnSpPr>
-            <p:cNvPr id="17" name="Straight Arrow Connector 16">
-              <a:extLst>
-                <a:ext uri="{FF2B5EF4-FFF2-40B4-BE49-F238E27FC236}">
-                  <a16:creationId xmlns:a16="http://schemas.microsoft.com/office/drawing/2014/main" id="{B2BEDEBE-F47B-4834-8C94-7FFD85980D55}"/>
-                </a:ext>
-              </a:extLst>
-            </p:cNvPr>
-            <p:cNvCxnSpPr>
-              <a:cxnSpLocks/>
-              <a:stCxn id="9" idx="6"/>
-              <a:endCxn id="11" idx="3"/>
-            </p:cNvCxnSpPr>
-            <p:nvPr/>
-          </p:nvCxnSpPr>
-          <p:spPr bwMode="gray">
-            <a:xfrm flipV="1">
-              <a:off x="1157968" y="2435330"/>
-              <a:ext cx="680353" cy="394472"/>
-            </a:xfrm>
-            <a:prstGeom prst="straightConnector1">
-              <a:avLst/>
-            </a:prstGeom>
-            <a:ln>
-              <a:tailEnd type="triangle"/>
-            </a:ln>
-          </p:spPr>
-          <p:style>
-            <a:lnRef idx="1">
-              <a:schemeClr val="dk1"/>
-            </a:lnRef>
-            <a:fillRef idx="0">
-              <a:schemeClr val="dk1"/>
-            </a:fillRef>
-            <a:effectRef idx="0">
-              <a:schemeClr val="dk1"/>
-            </a:effectRef>
-            <a:fontRef idx="minor">
-              <a:schemeClr val="tx1"/>
-            </a:fontRef>
-          </p:style>
-        </p:cxnSp>
-        <p:sp>
-          <p:nvSpPr>
-            <p:cNvPr id="29" name="Oval 28">
-              <a:extLst>
-                <a:ext uri="{FF2B5EF4-FFF2-40B4-BE49-F238E27FC236}">
-                  <a16:creationId xmlns:a16="http://schemas.microsoft.com/office/drawing/2014/main" id="{BD0113EC-B2BB-49DB-9775-3CDA59461552}"/>
-                </a:ext>
-              </a:extLst>
-            </p:cNvPr>
-            <p:cNvSpPr/>
-            <p:nvPr/>
-          </p:nvSpPr>
-          <p:spPr bwMode="gray">
-            <a:xfrm>
-              <a:off x="2019729" y="2905271"/>
-              <a:ext cx="414216" cy="414216"/>
-            </a:xfrm>
-            <a:prstGeom prst="ellipse">
-              <a:avLst/>
-            </a:prstGeom>
-            <a:ln/>
-          </p:spPr>
-          <p:style>
-            <a:lnRef idx="2">
-              <a:schemeClr val="dk1"/>
-            </a:lnRef>
-            <a:fillRef idx="1">
-              <a:schemeClr val="lt1"/>
-            </a:fillRef>
-            <a:effectRef idx="0">
-              <a:schemeClr val="dk1"/>
-            </a:effectRef>
-            <a:fontRef idx="minor">
-              <a:schemeClr val="dk1"/>
-            </a:fontRef>
-          </p:style>
-          <p:txBody>
-            <a:bodyPr rot="0" spcFirstLastPara="0" vertOverflow="overflow" horzOverflow="overflow" vert="horz" wrap="square" lIns="108000" tIns="72000" rIns="108000" bIns="72000" numCol="1" spcCol="0" rtlCol="0" fromWordArt="0" anchor="ctr" anchorCtr="0" forceAA="0" compatLnSpc="1">
-              <a:prstTxWarp prst="textNoShape">
-                <a:avLst/>
-              </a:prstTxWarp>
-              <a:noAutofit/>
-            </a:bodyPr>
-            <a:lstStyle/>
-            <a:p>
-              <a:pPr algn="ctr">
-                <a:spcBef>
-                  <a:spcPts val="300"/>
-                </a:spcBef>
-                <a:spcAft>
-                  <a:spcPts val="300"/>
-                </a:spcAft>
-              </a:pPr>
-              <a:r>
-                <a:rPr lang="en-US" sz="1200" b="1" dirty="0">
-                  <a:solidFill>
-                    <a:schemeClr val="tx1"/>
-                  </a:solidFill>
-                </a:rPr>
-                <a:t>D</a:t>
-              </a:r>
-            </a:p>
-          </p:txBody>
-        </p:sp>
-        <p:cxnSp>
-          <p:nvCxnSpPr>
-            <p:cNvPr id="30" name="Straight Arrow Connector 29">
-              <a:extLst>
-                <a:ext uri="{FF2B5EF4-FFF2-40B4-BE49-F238E27FC236}">
-                  <a16:creationId xmlns:a16="http://schemas.microsoft.com/office/drawing/2014/main" id="{5FFF86F9-F1B3-49D2-9104-3373BF2D16E7}"/>
-                </a:ext>
-              </a:extLst>
-            </p:cNvPr>
-            <p:cNvCxnSpPr>
-              <a:cxnSpLocks/>
-              <a:stCxn id="9" idx="5"/>
-              <a:endCxn id="29" idx="2"/>
-            </p:cNvCxnSpPr>
-            <p:nvPr/>
-          </p:nvCxnSpPr>
-          <p:spPr bwMode="gray">
-            <a:xfrm>
-              <a:off x="1097307" y="2976249"/>
-              <a:ext cx="922422" cy="136130"/>
-            </a:xfrm>
-            <a:prstGeom prst="straightConnector1">
-              <a:avLst/>
-            </a:prstGeom>
-            <a:ln>
-              <a:headEnd type="triangle" w="med" len="med"/>
-              <a:tailEnd type="none" w="med" len="med"/>
-            </a:ln>
-          </p:spPr>
-          <p:style>
-            <a:lnRef idx="1">
-              <a:schemeClr val="dk1"/>
-            </a:lnRef>
-            <a:fillRef idx="0">
-              <a:schemeClr val="dk1"/>
-            </a:fillRef>
-            <a:effectRef idx="0">
-              <a:schemeClr val="dk1"/>
-            </a:effectRef>
-            <a:fontRef idx="minor">
-              <a:schemeClr val="tx1"/>
-            </a:fontRef>
-          </p:style>
-        </p:cxnSp>
-        <p:cxnSp>
-          <p:nvCxnSpPr>
-            <p:cNvPr id="33" name="Straight Arrow Connector 32">
-              <a:extLst>
-                <a:ext uri="{FF2B5EF4-FFF2-40B4-BE49-F238E27FC236}">
-                  <a16:creationId xmlns:a16="http://schemas.microsoft.com/office/drawing/2014/main" id="{83E87CBA-5E1E-4006-97A2-3F9C1AE5FF08}"/>
-                </a:ext>
-              </a:extLst>
-            </p:cNvPr>
-            <p:cNvCxnSpPr>
-              <a:cxnSpLocks/>
-              <a:stCxn id="11" idx="4"/>
-              <a:endCxn id="29" idx="0"/>
-            </p:cNvCxnSpPr>
-            <p:nvPr/>
-          </p:nvCxnSpPr>
-          <p:spPr bwMode="gray">
-            <a:xfrm>
-              <a:off x="1984768" y="2495991"/>
-              <a:ext cx="242069" cy="409280"/>
-            </a:xfrm>
-            <a:prstGeom prst="straightConnector1">
-              <a:avLst/>
-            </a:prstGeom>
-            <a:ln>
-              <a:tailEnd type="triangle"/>
-            </a:ln>
-          </p:spPr>
-          <p:style>
-            <a:lnRef idx="1">
-              <a:schemeClr val="dk1"/>
-            </a:lnRef>
-            <a:fillRef idx="0">
-              <a:schemeClr val="dk1"/>
-            </a:fillRef>
-            <a:effectRef idx="0">
-              <a:schemeClr val="dk1"/>
-            </a:effectRef>
-            <a:fontRef idx="minor">
-              <a:schemeClr val="tx1"/>
-            </a:fontRef>
-          </p:style>
-        </p:cxnSp>
-      </p:grpSp>
-      <p:grpSp>
-        <p:nvGrpSpPr>
-          <p:cNvPr id="115" name="Group 114">
-            <a:extLst>
-              <a:ext uri="{FF2B5EF4-FFF2-40B4-BE49-F238E27FC236}">
-                <a16:creationId xmlns:a16="http://schemas.microsoft.com/office/drawing/2014/main" id="{8E9A92B2-318A-4ED4-939C-44D1ED15A475}"/>
-              </a:ext>
-            </a:extLst>
-          </p:cNvPr>
-          <p:cNvGrpSpPr/>
-          <p:nvPr/>
-        </p:nvGrpSpPr>
-        <p:grpSpPr>
-          <a:xfrm>
-            <a:off x="3736911" y="1622564"/>
-            <a:ext cx="1690193" cy="1624476"/>
-            <a:chOff x="5665264" y="1696970"/>
-            <a:chExt cx="1690193" cy="1624476"/>
-          </a:xfrm>
-        </p:grpSpPr>
-        <p:sp>
-          <p:nvSpPr>
-            <p:cNvPr id="37" name="Oval 36">
-              <a:extLst>
-                <a:ext uri="{FF2B5EF4-FFF2-40B4-BE49-F238E27FC236}">
-                  <a16:creationId xmlns:a16="http://schemas.microsoft.com/office/drawing/2014/main" id="{B29BBC11-B6AC-4543-B3FE-153FD2294C1B}"/>
-                </a:ext>
-              </a:extLst>
-            </p:cNvPr>
-            <p:cNvSpPr/>
-            <p:nvPr/>
-          </p:nvSpPr>
-          <p:spPr bwMode="gray">
-            <a:xfrm>
-              <a:off x="5665264" y="1696970"/>
-              <a:ext cx="414216" cy="414216"/>
-            </a:xfrm>
-            <a:prstGeom prst="ellipse">
-              <a:avLst/>
-            </a:prstGeom>
-            <a:ln>
-              <a:headEnd type="none" w="med" len="med"/>
-              <a:tailEnd type="none" w="med" len="med"/>
-            </a:ln>
-          </p:spPr>
-          <p:style>
-            <a:lnRef idx="2">
-              <a:schemeClr val="dk1"/>
-            </a:lnRef>
-            <a:fillRef idx="1">
-              <a:schemeClr val="lt1"/>
-            </a:fillRef>
-            <a:effectRef idx="0">
-              <a:schemeClr val="dk1"/>
-            </a:effectRef>
-            <a:fontRef idx="minor">
-              <a:schemeClr val="dk1"/>
-            </a:fontRef>
-          </p:style>
-          <p:txBody>
-            <a:bodyPr rot="0" spcFirstLastPara="0" vertOverflow="overflow" horzOverflow="overflow" vert="horz" wrap="square" lIns="108000" tIns="72000" rIns="108000" bIns="72000" numCol="1" spcCol="0" rtlCol="0" fromWordArt="0" anchor="ctr" anchorCtr="0" forceAA="0" compatLnSpc="1">
-              <a:prstTxWarp prst="textNoShape">
-                <a:avLst/>
-              </a:prstTxWarp>
-              <a:noAutofit/>
-            </a:bodyPr>
-            <a:lstStyle/>
-            <a:p>
-              <a:pPr algn="ctr">
-                <a:spcBef>
-                  <a:spcPts val="300"/>
-                </a:spcBef>
-                <a:spcAft>
-                  <a:spcPts val="300"/>
-                </a:spcAft>
-              </a:pPr>
-              <a:r>
-                <a:rPr lang="en-US" sz="1200" b="1" dirty="0">
-                  <a:solidFill>
-                    <a:schemeClr val="tx1"/>
-                  </a:solidFill>
-                </a:rPr>
-                <a:t>A</a:t>
-              </a:r>
-            </a:p>
-          </p:txBody>
-        </p:sp>
-        <p:sp>
-          <p:nvSpPr>
-            <p:cNvPr id="38" name="Oval 37">
-              <a:extLst>
-                <a:ext uri="{FF2B5EF4-FFF2-40B4-BE49-F238E27FC236}">
-                  <a16:creationId xmlns:a16="http://schemas.microsoft.com/office/drawing/2014/main" id="{608E7357-D654-4242-8B56-CBA0878FB7E5}"/>
-                </a:ext>
-              </a:extLst>
-            </p:cNvPr>
-            <p:cNvSpPr/>
-            <p:nvPr/>
-          </p:nvSpPr>
-          <p:spPr bwMode="gray">
-            <a:xfrm>
-              <a:off x="5665264" y="2624653"/>
-              <a:ext cx="414216" cy="414216"/>
-            </a:xfrm>
-            <a:prstGeom prst="ellipse">
-              <a:avLst/>
-            </a:prstGeom>
-            <a:ln>
-              <a:headEnd type="none" w="med" len="med"/>
-              <a:tailEnd type="none" w="med" len="med"/>
-            </a:ln>
-          </p:spPr>
-          <p:style>
-            <a:lnRef idx="2">
-              <a:schemeClr val="dk1"/>
-            </a:lnRef>
-            <a:fillRef idx="1">
-              <a:schemeClr val="lt1"/>
-            </a:fillRef>
-            <a:effectRef idx="0">
-              <a:schemeClr val="dk1"/>
-            </a:effectRef>
-            <a:fontRef idx="minor">
-              <a:schemeClr val="dk1"/>
-            </a:fontRef>
-          </p:style>
-          <p:txBody>
-            <a:bodyPr rot="0" spcFirstLastPara="0" vertOverflow="overflow" horzOverflow="overflow" vert="horz" wrap="square" lIns="108000" tIns="72000" rIns="108000" bIns="72000" numCol="1" spcCol="0" rtlCol="0" fromWordArt="0" anchor="ctr" anchorCtr="0" forceAA="0" compatLnSpc="1">
-              <a:prstTxWarp prst="textNoShape">
-                <a:avLst/>
-              </a:prstTxWarp>
-              <a:noAutofit/>
-            </a:bodyPr>
-            <a:lstStyle/>
-            <a:p>
-              <a:pPr algn="ctr">
-                <a:spcBef>
-                  <a:spcPts val="300"/>
-                </a:spcBef>
-                <a:spcAft>
-                  <a:spcPts val="300"/>
-                </a:spcAft>
-              </a:pPr>
-              <a:r>
-                <a:rPr lang="en-US" sz="1200" b="1" dirty="0">
-                  <a:solidFill>
-                    <a:schemeClr val="tx1"/>
-                  </a:solidFill>
-                </a:rPr>
-                <a:t>C</a:t>
-              </a:r>
-            </a:p>
-          </p:txBody>
-        </p:sp>
-        <p:sp>
-          <p:nvSpPr>
-            <p:cNvPr id="39" name="Oval 38">
-              <a:extLst>
-                <a:ext uri="{FF2B5EF4-FFF2-40B4-BE49-F238E27FC236}">
-                  <a16:creationId xmlns:a16="http://schemas.microsoft.com/office/drawing/2014/main" id="{394C4034-EB51-4541-878E-546F7A4D1232}"/>
-                </a:ext>
-              </a:extLst>
-            </p:cNvPr>
-            <p:cNvSpPr/>
-            <p:nvPr/>
-          </p:nvSpPr>
-          <p:spPr bwMode="gray">
-            <a:xfrm>
-              <a:off x="6699172" y="2083734"/>
-              <a:ext cx="414216" cy="414216"/>
-            </a:xfrm>
-            <a:prstGeom prst="ellipse">
-              <a:avLst/>
-            </a:prstGeom>
-            <a:ln>
-              <a:headEnd type="none" w="med" len="med"/>
-              <a:tailEnd type="none" w="med" len="med"/>
-            </a:ln>
-          </p:spPr>
-          <p:style>
-            <a:lnRef idx="2">
-              <a:schemeClr val="dk1"/>
-            </a:lnRef>
-            <a:fillRef idx="1">
-              <a:schemeClr val="lt1"/>
-            </a:fillRef>
-            <a:effectRef idx="0">
-              <a:schemeClr val="dk1"/>
-            </a:effectRef>
-            <a:fontRef idx="minor">
-              <a:schemeClr val="dk1"/>
-            </a:fontRef>
-          </p:style>
-          <p:txBody>
-            <a:bodyPr rot="0" spcFirstLastPara="0" vertOverflow="overflow" horzOverflow="overflow" vert="horz" wrap="square" lIns="108000" tIns="72000" rIns="108000" bIns="72000" numCol="1" spcCol="0" rtlCol="0" fromWordArt="0" anchor="ctr" anchorCtr="0" forceAA="0" compatLnSpc="1">
-              <a:prstTxWarp prst="textNoShape">
-                <a:avLst/>
-              </a:prstTxWarp>
-              <a:noAutofit/>
-            </a:bodyPr>
-            <a:lstStyle/>
-            <a:p>
-              <a:pPr algn="ctr">
-                <a:spcBef>
-                  <a:spcPts val="300"/>
-                </a:spcBef>
-                <a:spcAft>
-                  <a:spcPts val="300"/>
-                </a:spcAft>
-              </a:pPr>
-              <a:r>
-                <a:rPr lang="en-US" sz="1200" b="1" dirty="0">
-                  <a:solidFill>
-                    <a:schemeClr val="tx1"/>
-                  </a:solidFill>
-                </a:rPr>
-                <a:t>B</a:t>
-              </a:r>
-            </a:p>
-          </p:txBody>
-        </p:sp>
-        <p:cxnSp>
-          <p:nvCxnSpPr>
-            <p:cNvPr id="40" name="Straight Arrow Connector 39">
-              <a:extLst>
-                <a:ext uri="{FF2B5EF4-FFF2-40B4-BE49-F238E27FC236}">
-                  <a16:creationId xmlns:a16="http://schemas.microsoft.com/office/drawing/2014/main" id="{B6115F78-E4CA-4A6F-BA4A-65C9433733FB}"/>
-                </a:ext>
-              </a:extLst>
-            </p:cNvPr>
-            <p:cNvCxnSpPr>
-              <a:stCxn id="37" idx="6"/>
-              <a:endCxn id="39" idx="1"/>
-            </p:cNvCxnSpPr>
-            <p:nvPr/>
-          </p:nvCxnSpPr>
-          <p:spPr bwMode="gray">
-            <a:xfrm>
-              <a:off x="6079480" y="1904078"/>
-              <a:ext cx="680353" cy="240317"/>
-            </a:xfrm>
-            <a:prstGeom prst="straightConnector1">
-              <a:avLst/>
-            </a:prstGeom>
-            <a:ln>
-              <a:headEnd type="none" w="med" len="med"/>
-              <a:tailEnd type="none" w="med" len="med"/>
-            </a:ln>
-          </p:spPr>
-          <p:style>
-            <a:lnRef idx="1">
-              <a:schemeClr val="dk1"/>
-            </a:lnRef>
-            <a:fillRef idx="0">
-              <a:schemeClr val="dk1"/>
-            </a:fillRef>
-            <a:effectRef idx="0">
-              <a:schemeClr val="dk1"/>
-            </a:effectRef>
-            <a:fontRef idx="minor">
-              <a:schemeClr val="tx1"/>
-            </a:fontRef>
-          </p:style>
-        </p:cxnSp>
-        <p:cxnSp>
-          <p:nvCxnSpPr>
-            <p:cNvPr id="41" name="Straight Arrow Connector 40">
-              <a:extLst>
-                <a:ext uri="{FF2B5EF4-FFF2-40B4-BE49-F238E27FC236}">
-                  <a16:creationId xmlns:a16="http://schemas.microsoft.com/office/drawing/2014/main" id="{8E791B7E-D3D7-459D-BA29-4ABD71594C7D}"/>
-                </a:ext>
-              </a:extLst>
-            </p:cNvPr>
-            <p:cNvCxnSpPr>
-              <a:cxnSpLocks/>
-              <a:stCxn id="37" idx="4"/>
-              <a:endCxn id="38" idx="0"/>
-            </p:cNvCxnSpPr>
-            <p:nvPr/>
-          </p:nvCxnSpPr>
-          <p:spPr bwMode="gray">
-            <a:xfrm>
-              <a:off x="5872372" y="2111186"/>
-              <a:ext cx="0" cy="513467"/>
-            </a:xfrm>
-            <a:prstGeom prst="straightConnector1">
-              <a:avLst/>
-            </a:prstGeom>
-            <a:ln>
-              <a:headEnd type="none" w="med" len="med"/>
-              <a:tailEnd type="none" w="med" len="med"/>
-            </a:ln>
-          </p:spPr>
-          <p:style>
-            <a:lnRef idx="1">
-              <a:schemeClr val="dk1"/>
-            </a:lnRef>
-            <a:fillRef idx="0">
-              <a:schemeClr val="dk1"/>
-            </a:fillRef>
-            <a:effectRef idx="0">
-              <a:schemeClr val="dk1"/>
-            </a:effectRef>
-            <a:fontRef idx="minor">
-              <a:schemeClr val="tx1"/>
-            </a:fontRef>
-          </p:style>
-        </p:cxnSp>
-        <p:cxnSp>
-          <p:nvCxnSpPr>
-            <p:cNvPr id="42" name="Straight Arrow Connector 41">
-              <a:extLst>
-                <a:ext uri="{FF2B5EF4-FFF2-40B4-BE49-F238E27FC236}">
-                  <a16:creationId xmlns:a16="http://schemas.microsoft.com/office/drawing/2014/main" id="{8F5F497B-5825-4634-ABDE-34E58D9382B1}"/>
-                </a:ext>
-              </a:extLst>
-            </p:cNvPr>
-            <p:cNvCxnSpPr>
-              <a:cxnSpLocks/>
-              <a:stCxn id="38" idx="6"/>
-              <a:endCxn id="39" idx="3"/>
-            </p:cNvCxnSpPr>
-            <p:nvPr/>
-          </p:nvCxnSpPr>
-          <p:spPr bwMode="gray">
-            <a:xfrm flipV="1">
-              <a:off x="6079480" y="2437289"/>
-              <a:ext cx="680353" cy="394472"/>
-            </a:xfrm>
-            <a:prstGeom prst="straightConnector1">
-              <a:avLst/>
-            </a:prstGeom>
-            <a:ln>
-              <a:headEnd type="none" w="med" len="med"/>
-              <a:tailEnd type="none" w="med" len="med"/>
-            </a:ln>
-          </p:spPr>
-          <p:style>
-            <a:lnRef idx="1">
-              <a:schemeClr val="dk1"/>
-            </a:lnRef>
-            <a:fillRef idx="0">
-              <a:schemeClr val="dk1"/>
-            </a:fillRef>
-            <a:effectRef idx="0">
-              <a:schemeClr val="dk1"/>
-            </a:effectRef>
-            <a:fontRef idx="minor">
-              <a:schemeClr val="tx1"/>
-            </a:fontRef>
-          </p:style>
-        </p:cxnSp>
-        <p:sp>
-          <p:nvSpPr>
-            <p:cNvPr id="43" name="Oval 42">
-              <a:extLst>
-                <a:ext uri="{FF2B5EF4-FFF2-40B4-BE49-F238E27FC236}">
-                  <a16:creationId xmlns:a16="http://schemas.microsoft.com/office/drawing/2014/main" id="{A32BCDA1-EFEB-4081-B17F-700F4444B044}"/>
-                </a:ext>
-              </a:extLst>
-            </p:cNvPr>
-            <p:cNvSpPr/>
-            <p:nvPr/>
-          </p:nvSpPr>
-          <p:spPr bwMode="gray">
-            <a:xfrm>
-              <a:off x="6941241" y="2907230"/>
-              <a:ext cx="414216" cy="414216"/>
-            </a:xfrm>
-            <a:prstGeom prst="ellipse">
-              <a:avLst/>
-            </a:prstGeom>
-            <a:ln>
-              <a:headEnd type="none" w="med" len="med"/>
-              <a:tailEnd type="none" w="med" len="med"/>
-            </a:ln>
-          </p:spPr>
-          <p:style>
-            <a:lnRef idx="2">
-              <a:schemeClr val="dk1"/>
-            </a:lnRef>
-            <a:fillRef idx="1">
-              <a:schemeClr val="lt1"/>
-            </a:fillRef>
-            <a:effectRef idx="0">
-              <a:schemeClr val="dk1"/>
-            </a:effectRef>
-            <a:fontRef idx="minor">
-              <a:schemeClr val="dk1"/>
-            </a:fontRef>
-          </p:style>
-          <p:txBody>
-            <a:bodyPr rot="0" spcFirstLastPara="0" vertOverflow="overflow" horzOverflow="overflow" vert="horz" wrap="square" lIns="108000" tIns="72000" rIns="108000" bIns="72000" numCol="1" spcCol="0" rtlCol="0" fromWordArt="0" anchor="ctr" anchorCtr="0" forceAA="0" compatLnSpc="1">
-              <a:prstTxWarp prst="textNoShape">
-                <a:avLst/>
-              </a:prstTxWarp>
-              <a:noAutofit/>
-            </a:bodyPr>
-            <a:lstStyle/>
-            <a:p>
-              <a:pPr algn="ctr">
-                <a:spcBef>
-                  <a:spcPts val="300"/>
-                </a:spcBef>
-                <a:spcAft>
-                  <a:spcPts val="300"/>
-                </a:spcAft>
-              </a:pPr>
-              <a:r>
-                <a:rPr lang="en-US" sz="1200" b="1" dirty="0">
-                  <a:solidFill>
-                    <a:schemeClr val="tx1"/>
-                  </a:solidFill>
-                </a:rPr>
-                <a:t>D</a:t>
-              </a:r>
-            </a:p>
-          </p:txBody>
-        </p:sp>
-        <p:cxnSp>
-          <p:nvCxnSpPr>
-            <p:cNvPr id="44" name="Straight Arrow Connector 43">
-              <a:extLst>
-                <a:ext uri="{FF2B5EF4-FFF2-40B4-BE49-F238E27FC236}">
-                  <a16:creationId xmlns:a16="http://schemas.microsoft.com/office/drawing/2014/main" id="{94B121ED-9A56-4244-BC65-5AA4A0D0B8F4}"/>
-                </a:ext>
-              </a:extLst>
-            </p:cNvPr>
-            <p:cNvCxnSpPr>
-              <a:cxnSpLocks/>
-              <a:stCxn id="38" idx="5"/>
-              <a:endCxn id="43" idx="2"/>
-            </p:cNvCxnSpPr>
-            <p:nvPr/>
-          </p:nvCxnSpPr>
-          <p:spPr bwMode="gray">
-            <a:xfrm>
-              <a:off x="6018819" y="2978208"/>
-              <a:ext cx="922422" cy="136130"/>
-            </a:xfrm>
-            <a:prstGeom prst="straightConnector1">
-              <a:avLst/>
-            </a:prstGeom>
-            <a:ln>
-              <a:headEnd type="none" w="med" len="med"/>
-              <a:tailEnd type="none" w="med" len="med"/>
-            </a:ln>
-          </p:spPr>
-          <p:style>
-            <a:lnRef idx="1">
-              <a:schemeClr val="dk1"/>
-            </a:lnRef>
-            <a:fillRef idx="0">
-              <a:schemeClr val="dk1"/>
-            </a:fillRef>
-            <a:effectRef idx="0">
-              <a:schemeClr val="dk1"/>
-            </a:effectRef>
-            <a:fontRef idx="minor">
-              <a:schemeClr val="tx1"/>
-            </a:fontRef>
-          </p:style>
-        </p:cxnSp>
-        <p:cxnSp>
-          <p:nvCxnSpPr>
-            <p:cNvPr id="45" name="Straight Arrow Connector 44">
-              <a:extLst>
-                <a:ext uri="{FF2B5EF4-FFF2-40B4-BE49-F238E27FC236}">
-                  <a16:creationId xmlns:a16="http://schemas.microsoft.com/office/drawing/2014/main" id="{AF8BCF42-1BE1-4545-92F7-2EED4DB328F7}"/>
-                </a:ext>
-              </a:extLst>
-            </p:cNvPr>
-            <p:cNvCxnSpPr>
-              <a:cxnSpLocks/>
-              <a:stCxn id="39" idx="4"/>
-              <a:endCxn id="43" idx="0"/>
-            </p:cNvCxnSpPr>
-            <p:nvPr/>
-          </p:nvCxnSpPr>
-          <p:spPr bwMode="gray">
-            <a:xfrm>
-              <a:off x="6906280" y="2497950"/>
-              <a:ext cx="242069" cy="409280"/>
-            </a:xfrm>
-            <a:prstGeom prst="straightConnector1">
-              <a:avLst/>
-            </a:prstGeom>
-            <a:ln>
-              <a:headEnd type="none" w="med" len="med"/>
-              <a:tailEnd type="none" w="med" len="med"/>
-            </a:ln>
-          </p:spPr>
-          <p:style>
-            <a:lnRef idx="1">
-              <a:schemeClr val="dk1"/>
-            </a:lnRef>
-            <a:fillRef idx="0">
-              <a:schemeClr val="dk1"/>
-            </a:fillRef>
-            <a:effectRef idx="0">
-              <a:schemeClr val="dk1"/>
-            </a:effectRef>
-            <a:fontRef idx="minor">
-              <a:schemeClr val="tx1"/>
-            </a:fontRef>
-          </p:style>
-        </p:cxnSp>
-      </p:grpSp>
-      <p:sp>
-        <p:nvSpPr>
-          <p:cNvPr id="46" name="TextBox 45">
-            <a:extLst>
-              <a:ext uri="{FF2B5EF4-FFF2-40B4-BE49-F238E27FC236}">
-                <a16:creationId xmlns:a16="http://schemas.microsoft.com/office/drawing/2014/main" id="{B883834D-EC75-434A-A48D-D49372DE65ED}"/>
-              </a:ext>
-            </a:extLst>
-          </p:cNvPr>
-          <p:cNvSpPr txBox="1"/>
-          <p:nvPr/>
-        </p:nvSpPr>
-        <p:spPr bwMode="gray">
-          <a:xfrm>
-            <a:off x="843722" y="1156954"/>
-            <a:ext cx="1258278" cy="439091"/>
-          </a:xfrm>
-          <a:prstGeom prst="rect">
-            <a:avLst/>
-          </a:prstGeom>
-          <a:noFill/>
-        </p:spPr>
-        <p:txBody>
-          <a:bodyPr wrap="square" lIns="0" tIns="0" rIns="0" bIns="0" rtlCol="0">
-            <a:noAutofit/>
-          </a:bodyPr>
-          <a:lstStyle/>
-          <a:p>
-            <a:pPr>
-              <a:spcBef>
-                <a:spcPts val="300"/>
-              </a:spcBef>
-              <a:spcAft>
-                <a:spcPts val="300"/>
-              </a:spcAft>
-              <a:buClr>
-                <a:schemeClr val="accent1"/>
-              </a:buClr>
-              <a:buSzPct val="90000"/>
-            </a:pPr>
-            <a:r>
-              <a:rPr lang="en-US" sz="1600" b="1" dirty="0"/>
-              <a:t>Directed</a:t>
-            </a:r>
-            <a:endParaRPr lang="en-US" sz="1600" dirty="0"/>
-          </a:p>
-        </p:txBody>
-      </p:sp>
-      <p:sp>
-        <p:nvSpPr>
-          <p:cNvPr id="48" name="TextBox 47">
-            <a:extLst>
-              <a:ext uri="{FF2B5EF4-FFF2-40B4-BE49-F238E27FC236}">
-                <a16:creationId xmlns:a16="http://schemas.microsoft.com/office/drawing/2014/main" id="{360836FD-59BB-4D05-8F0C-80AB314CCC56}"/>
-              </a:ext>
-            </a:extLst>
-          </p:cNvPr>
-          <p:cNvSpPr txBox="1"/>
-          <p:nvPr/>
-        </p:nvSpPr>
-        <p:spPr bwMode="gray">
-          <a:xfrm>
-            <a:off x="3794277" y="1156954"/>
-            <a:ext cx="1582616" cy="439091"/>
-          </a:xfrm>
-          <a:prstGeom prst="rect">
-            <a:avLst/>
-          </a:prstGeom>
-          <a:noFill/>
-        </p:spPr>
-        <p:txBody>
-          <a:bodyPr wrap="square" lIns="0" tIns="0" rIns="0" bIns="0" rtlCol="0">
-            <a:noAutofit/>
-          </a:bodyPr>
-          <a:lstStyle/>
-          <a:p>
-            <a:pPr>
-              <a:spcBef>
-                <a:spcPts val="300"/>
-              </a:spcBef>
-              <a:spcAft>
-                <a:spcPts val="300"/>
-              </a:spcAft>
-              <a:buClr>
-                <a:schemeClr val="accent1"/>
-              </a:buClr>
-              <a:buSzPct val="90000"/>
-            </a:pPr>
-            <a:r>
-              <a:rPr lang="en-US" sz="1600" b="1" dirty="0"/>
-              <a:t>Undirected</a:t>
-            </a:r>
-            <a:endParaRPr lang="en-US" sz="1600" dirty="0"/>
-          </a:p>
-        </p:txBody>
-      </p:sp>
-      <p:grpSp>
-        <p:nvGrpSpPr>
-          <p:cNvPr id="117" name="Group 116">
-            <a:extLst>
-              <a:ext uri="{FF2B5EF4-FFF2-40B4-BE49-F238E27FC236}">
-                <a16:creationId xmlns:a16="http://schemas.microsoft.com/office/drawing/2014/main" id="{5CB638A2-8DCE-4357-85EC-455A06B6F3D2}"/>
-              </a:ext>
-            </a:extLst>
-          </p:cNvPr>
-          <p:cNvGrpSpPr/>
-          <p:nvPr/>
-        </p:nvGrpSpPr>
-        <p:grpSpPr>
-          <a:xfrm>
-            <a:off x="622615" y="4619415"/>
-            <a:ext cx="1690193" cy="1624476"/>
-            <a:chOff x="1184032" y="4686565"/>
-            <a:chExt cx="1690193" cy="1624476"/>
-          </a:xfrm>
-        </p:grpSpPr>
-        <p:sp>
-          <p:nvSpPr>
-            <p:cNvPr id="49" name="Oval 48">
-              <a:extLst>
-                <a:ext uri="{FF2B5EF4-FFF2-40B4-BE49-F238E27FC236}">
-                  <a16:creationId xmlns:a16="http://schemas.microsoft.com/office/drawing/2014/main" id="{B6F79F02-9338-47D1-A0C4-B13677EB1083}"/>
-                </a:ext>
-              </a:extLst>
-            </p:cNvPr>
-            <p:cNvSpPr/>
-            <p:nvPr/>
-          </p:nvSpPr>
-          <p:spPr bwMode="gray">
-            <a:xfrm>
-              <a:off x="1184032" y="4686565"/>
-              <a:ext cx="414216" cy="414216"/>
-            </a:xfrm>
-            <a:prstGeom prst="ellipse">
-              <a:avLst/>
-            </a:prstGeom>
-            <a:ln/>
-          </p:spPr>
-          <p:style>
-            <a:lnRef idx="2">
-              <a:schemeClr val="dk1"/>
-            </a:lnRef>
-            <a:fillRef idx="1">
-              <a:schemeClr val="lt1"/>
-            </a:fillRef>
-            <a:effectRef idx="0">
-              <a:schemeClr val="dk1"/>
-            </a:effectRef>
-            <a:fontRef idx="minor">
-              <a:schemeClr val="dk1"/>
-            </a:fontRef>
-          </p:style>
-          <p:txBody>
-            <a:bodyPr rot="0" spcFirstLastPara="0" vertOverflow="overflow" horzOverflow="overflow" vert="horz" wrap="square" lIns="108000" tIns="72000" rIns="108000" bIns="72000" numCol="1" spcCol="0" rtlCol="0" fromWordArt="0" anchor="ctr" anchorCtr="0" forceAA="0" compatLnSpc="1">
-              <a:prstTxWarp prst="textNoShape">
-                <a:avLst/>
-              </a:prstTxWarp>
-              <a:noAutofit/>
-            </a:bodyPr>
-            <a:lstStyle/>
-            <a:p>
-              <a:pPr algn="ctr">
-                <a:spcBef>
-                  <a:spcPts val="300"/>
-                </a:spcBef>
-                <a:spcAft>
-                  <a:spcPts val="300"/>
-                </a:spcAft>
-              </a:pPr>
-              <a:r>
-                <a:rPr lang="en-US" sz="1200" b="1" dirty="0">
-                  <a:solidFill>
-                    <a:schemeClr val="tx1"/>
-                  </a:solidFill>
-                </a:rPr>
-                <a:t>A</a:t>
-              </a:r>
-            </a:p>
-          </p:txBody>
-        </p:sp>
-        <p:sp>
-          <p:nvSpPr>
-            <p:cNvPr id="50" name="Oval 49">
-              <a:extLst>
-                <a:ext uri="{FF2B5EF4-FFF2-40B4-BE49-F238E27FC236}">
-                  <a16:creationId xmlns:a16="http://schemas.microsoft.com/office/drawing/2014/main" id="{5C992AFC-A4A8-4CE9-8AD6-E249E099D601}"/>
-                </a:ext>
-              </a:extLst>
-            </p:cNvPr>
-            <p:cNvSpPr/>
-            <p:nvPr/>
-          </p:nvSpPr>
-          <p:spPr bwMode="gray">
-            <a:xfrm>
-              <a:off x="1184032" y="5614248"/>
-              <a:ext cx="414216" cy="414216"/>
-            </a:xfrm>
-            <a:prstGeom prst="ellipse">
-              <a:avLst/>
-            </a:prstGeom>
-            <a:ln/>
-          </p:spPr>
-          <p:style>
-            <a:lnRef idx="2">
-              <a:schemeClr val="dk1"/>
-            </a:lnRef>
-            <a:fillRef idx="1">
-              <a:schemeClr val="lt1"/>
-            </a:fillRef>
-            <a:effectRef idx="0">
-              <a:schemeClr val="dk1"/>
-            </a:effectRef>
-            <a:fontRef idx="minor">
-              <a:schemeClr val="dk1"/>
-            </a:fontRef>
-          </p:style>
-          <p:txBody>
-            <a:bodyPr rot="0" spcFirstLastPara="0" vertOverflow="overflow" horzOverflow="overflow" vert="horz" wrap="square" lIns="108000" tIns="72000" rIns="108000" bIns="72000" numCol="1" spcCol="0" rtlCol="0" fromWordArt="0" anchor="ctr" anchorCtr="0" forceAA="0" compatLnSpc="1">
-              <a:prstTxWarp prst="textNoShape">
-                <a:avLst/>
-              </a:prstTxWarp>
-              <a:noAutofit/>
-            </a:bodyPr>
-            <a:lstStyle/>
-            <a:p>
-              <a:pPr algn="ctr">
-                <a:spcBef>
-                  <a:spcPts val="300"/>
-                </a:spcBef>
-                <a:spcAft>
-                  <a:spcPts val="300"/>
-                </a:spcAft>
-              </a:pPr>
-              <a:r>
-                <a:rPr lang="en-US" sz="1200" b="1" dirty="0">
-                  <a:solidFill>
-                    <a:schemeClr val="tx1"/>
-                  </a:solidFill>
-                </a:rPr>
-                <a:t>C</a:t>
-              </a:r>
-            </a:p>
-          </p:txBody>
-        </p:sp>
-        <p:sp>
-          <p:nvSpPr>
-            <p:cNvPr id="51" name="Oval 50">
-              <a:extLst>
-                <a:ext uri="{FF2B5EF4-FFF2-40B4-BE49-F238E27FC236}">
-                  <a16:creationId xmlns:a16="http://schemas.microsoft.com/office/drawing/2014/main" id="{A5795350-AE57-4A98-8B5B-8B2369BEB1CA}"/>
-                </a:ext>
-              </a:extLst>
-            </p:cNvPr>
-            <p:cNvSpPr/>
-            <p:nvPr/>
-          </p:nvSpPr>
-          <p:spPr bwMode="gray">
-            <a:xfrm>
-              <a:off x="2217940" y="5073329"/>
-              <a:ext cx="414216" cy="414216"/>
-            </a:xfrm>
-            <a:prstGeom prst="ellipse">
-              <a:avLst/>
-            </a:prstGeom>
-            <a:ln/>
-          </p:spPr>
-          <p:style>
-            <a:lnRef idx="2">
-              <a:schemeClr val="dk1"/>
-            </a:lnRef>
-            <a:fillRef idx="1">
-              <a:schemeClr val="lt1"/>
-            </a:fillRef>
-            <a:effectRef idx="0">
-              <a:schemeClr val="dk1"/>
-            </a:effectRef>
-            <a:fontRef idx="minor">
-              <a:schemeClr val="dk1"/>
-            </a:fontRef>
-          </p:style>
-          <p:txBody>
-            <a:bodyPr rot="0" spcFirstLastPara="0" vertOverflow="overflow" horzOverflow="overflow" vert="horz" wrap="square" lIns="108000" tIns="72000" rIns="108000" bIns="72000" numCol="1" spcCol="0" rtlCol="0" fromWordArt="0" anchor="ctr" anchorCtr="0" forceAA="0" compatLnSpc="1">
-              <a:prstTxWarp prst="textNoShape">
-                <a:avLst/>
-              </a:prstTxWarp>
-              <a:noAutofit/>
-            </a:bodyPr>
-            <a:lstStyle/>
-            <a:p>
-              <a:pPr algn="ctr">
-                <a:spcBef>
-                  <a:spcPts val="300"/>
-                </a:spcBef>
-                <a:spcAft>
-                  <a:spcPts val="300"/>
-                </a:spcAft>
-              </a:pPr>
-              <a:r>
-                <a:rPr lang="en-US" sz="1200" b="1" dirty="0">
-                  <a:solidFill>
-                    <a:schemeClr val="tx1"/>
-                  </a:solidFill>
-                </a:rPr>
-                <a:t>B</a:t>
-              </a:r>
-            </a:p>
-          </p:txBody>
-        </p:sp>
-        <p:cxnSp>
-          <p:nvCxnSpPr>
-            <p:cNvPr id="52" name="Straight Arrow Connector 51">
-              <a:extLst>
-                <a:ext uri="{FF2B5EF4-FFF2-40B4-BE49-F238E27FC236}">
-                  <a16:creationId xmlns:a16="http://schemas.microsoft.com/office/drawing/2014/main" id="{A7202F18-6278-49C6-8750-98EFE3CA7075}"/>
-                </a:ext>
-              </a:extLst>
-            </p:cNvPr>
-            <p:cNvCxnSpPr>
-              <a:cxnSpLocks/>
-              <a:stCxn id="49" idx="6"/>
-              <a:endCxn id="51" idx="1"/>
-            </p:cNvCxnSpPr>
-            <p:nvPr/>
-          </p:nvCxnSpPr>
-          <p:spPr bwMode="gray">
-            <a:xfrm>
-              <a:off x="1598248" y="4893673"/>
-              <a:ext cx="680353" cy="240317"/>
-            </a:xfrm>
-            <a:prstGeom prst="straightConnector1">
-              <a:avLst/>
-            </a:prstGeom>
-            <a:ln>
-              <a:tailEnd type="triangle"/>
-            </a:ln>
-          </p:spPr>
-          <p:style>
-            <a:lnRef idx="1">
-              <a:schemeClr val="dk1"/>
-            </a:lnRef>
-            <a:fillRef idx="0">
-              <a:schemeClr val="dk1"/>
-            </a:fillRef>
-            <a:effectRef idx="0">
-              <a:schemeClr val="dk1"/>
-            </a:effectRef>
-            <a:fontRef idx="minor">
-              <a:schemeClr val="tx1"/>
-            </a:fontRef>
-          </p:style>
-        </p:cxnSp>
-        <p:cxnSp>
-          <p:nvCxnSpPr>
-            <p:cNvPr id="53" name="Straight Arrow Connector 52">
-              <a:extLst>
-                <a:ext uri="{FF2B5EF4-FFF2-40B4-BE49-F238E27FC236}">
-                  <a16:creationId xmlns:a16="http://schemas.microsoft.com/office/drawing/2014/main" id="{A1733557-0EE3-402C-93A1-5B03EAAA4745}"/>
-                </a:ext>
-              </a:extLst>
-            </p:cNvPr>
-            <p:cNvCxnSpPr>
-              <a:cxnSpLocks/>
-              <a:stCxn id="49" idx="4"/>
-              <a:endCxn id="50" idx="0"/>
-            </p:cNvCxnSpPr>
-            <p:nvPr/>
-          </p:nvCxnSpPr>
-          <p:spPr bwMode="gray">
-            <a:xfrm>
-              <a:off x="1391140" y="5100781"/>
-              <a:ext cx="0" cy="513467"/>
-            </a:xfrm>
-            <a:prstGeom prst="straightConnector1">
-              <a:avLst/>
-            </a:prstGeom>
-            <a:ln>
-              <a:tailEnd type="triangle"/>
-            </a:ln>
-          </p:spPr>
-          <p:style>
-            <a:lnRef idx="1">
-              <a:schemeClr val="dk1"/>
-            </a:lnRef>
-            <a:fillRef idx="0">
-              <a:schemeClr val="dk1"/>
-            </a:fillRef>
-            <a:effectRef idx="0">
-              <a:schemeClr val="dk1"/>
-            </a:effectRef>
-            <a:fontRef idx="minor">
-              <a:schemeClr val="tx1"/>
-            </a:fontRef>
-          </p:style>
-        </p:cxnSp>
-        <p:cxnSp>
-          <p:nvCxnSpPr>
-            <p:cNvPr id="54" name="Straight Arrow Connector 53">
-              <a:extLst>
-                <a:ext uri="{FF2B5EF4-FFF2-40B4-BE49-F238E27FC236}">
-                  <a16:creationId xmlns:a16="http://schemas.microsoft.com/office/drawing/2014/main" id="{26AA4C02-5FCB-422C-882A-2999BF0F4454}"/>
-                </a:ext>
-              </a:extLst>
-            </p:cNvPr>
-            <p:cNvCxnSpPr>
-              <a:cxnSpLocks/>
-              <a:stCxn id="50" idx="6"/>
-              <a:endCxn id="51" idx="3"/>
-            </p:cNvCxnSpPr>
-            <p:nvPr/>
-          </p:nvCxnSpPr>
-          <p:spPr bwMode="gray">
-            <a:xfrm flipV="1">
-              <a:off x="1598248" y="5426884"/>
-              <a:ext cx="680353" cy="394472"/>
-            </a:xfrm>
-            <a:prstGeom prst="straightConnector1">
-              <a:avLst/>
-            </a:prstGeom>
-            <a:ln>
-              <a:tailEnd type="triangle"/>
-            </a:ln>
-          </p:spPr>
-          <p:style>
-            <a:lnRef idx="1">
-              <a:schemeClr val="dk1"/>
-            </a:lnRef>
-            <a:fillRef idx="0">
-              <a:schemeClr val="dk1"/>
-            </a:fillRef>
-            <a:effectRef idx="0">
-              <a:schemeClr val="dk1"/>
-            </a:effectRef>
-            <a:fontRef idx="minor">
-              <a:schemeClr val="tx1"/>
-            </a:fontRef>
-          </p:style>
-        </p:cxnSp>
-        <p:sp>
-          <p:nvSpPr>
-            <p:cNvPr id="55" name="Oval 54">
-              <a:extLst>
-                <a:ext uri="{FF2B5EF4-FFF2-40B4-BE49-F238E27FC236}">
-                  <a16:creationId xmlns:a16="http://schemas.microsoft.com/office/drawing/2014/main" id="{C2730B71-BE06-47FA-9169-D034E2BA12D6}"/>
-                </a:ext>
-              </a:extLst>
-            </p:cNvPr>
-            <p:cNvSpPr/>
-            <p:nvPr/>
-          </p:nvSpPr>
-          <p:spPr bwMode="gray">
-            <a:xfrm>
-              <a:off x="2460009" y="5896825"/>
-              <a:ext cx="414216" cy="414216"/>
-            </a:xfrm>
-            <a:prstGeom prst="ellipse">
-              <a:avLst/>
-            </a:prstGeom>
-            <a:ln/>
-          </p:spPr>
-          <p:style>
-            <a:lnRef idx="2">
-              <a:schemeClr val="dk1"/>
-            </a:lnRef>
-            <a:fillRef idx="1">
-              <a:schemeClr val="lt1"/>
-            </a:fillRef>
-            <a:effectRef idx="0">
-              <a:schemeClr val="dk1"/>
-            </a:effectRef>
-            <a:fontRef idx="minor">
-              <a:schemeClr val="dk1"/>
-            </a:fontRef>
-          </p:style>
-          <p:txBody>
-            <a:bodyPr rot="0" spcFirstLastPara="0" vertOverflow="overflow" horzOverflow="overflow" vert="horz" wrap="square" lIns="108000" tIns="72000" rIns="108000" bIns="72000" numCol="1" spcCol="0" rtlCol="0" fromWordArt="0" anchor="ctr" anchorCtr="0" forceAA="0" compatLnSpc="1">
-              <a:prstTxWarp prst="textNoShape">
-                <a:avLst/>
-              </a:prstTxWarp>
-              <a:noAutofit/>
-            </a:bodyPr>
-            <a:lstStyle/>
-            <a:p>
-              <a:pPr algn="ctr">
-                <a:spcBef>
-                  <a:spcPts val="300"/>
-                </a:spcBef>
-                <a:spcAft>
-                  <a:spcPts val="300"/>
-                </a:spcAft>
-              </a:pPr>
-              <a:r>
-                <a:rPr lang="en-US" sz="1200" b="1" dirty="0">
-                  <a:solidFill>
-                    <a:schemeClr val="tx1"/>
-                  </a:solidFill>
-                </a:rPr>
-                <a:t>D</a:t>
-              </a:r>
-            </a:p>
-          </p:txBody>
-        </p:sp>
-        <p:cxnSp>
-          <p:nvCxnSpPr>
-            <p:cNvPr id="56" name="Straight Arrow Connector 55">
-              <a:extLst>
-                <a:ext uri="{FF2B5EF4-FFF2-40B4-BE49-F238E27FC236}">
-                  <a16:creationId xmlns:a16="http://schemas.microsoft.com/office/drawing/2014/main" id="{D4A4D8B0-0869-42C0-AF1F-5C23BF3246E9}"/>
-                </a:ext>
-              </a:extLst>
-            </p:cNvPr>
-            <p:cNvCxnSpPr>
-              <a:cxnSpLocks/>
-              <a:stCxn id="50" idx="5"/>
-              <a:endCxn id="55" idx="2"/>
-            </p:cNvCxnSpPr>
-            <p:nvPr/>
-          </p:nvCxnSpPr>
-          <p:spPr bwMode="gray">
-            <a:xfrm>
-              <a:off x="1537587" y="5967803"/>
-              <a:ext cx="922422" cy="136130"/>
-            </a:xfrm>
-            <a:prstGeom prst="straightConnector1">
-              <a:avLst/>
-            </a:prstGeom>
-            <a:ln>
-              <a:tailEnd type="triangle"/>
-            </a:ln>
-          </p:spPr>
-          <p:style>
-            <a:lnRef idx="1">
-              <a:schemeClr val="dk1"/>
-            </a:lnRef>
-            <a:fillRef idx="0">
-              <a:schemeClr val="dk1"/>
-            </a:fillRef>
-            <a:effectRef idx="0">
-              <a:schemeClr val="dk1"/>
-            </a:effectRef>
-            <a:fontRef idx="minor">
-              <a:schemeClr val="tx1"/>
-            </a:fontRef>
-          </p:style>
-        </p:cxnSp>
-        <p:cxnSp>
-          <p:nvCxnSpPr>
-            <p:cNvPr id="57" name="Straight Arrow Connector 56">
-              <a:extLst>
-                <a:ext uri="{FF2B5EF4-FFF2-40B4-BE49-F238E27FC236}">
-                  <a16:creationId xmlns:a16="http://schemas.microsoft.com/office/drawing/2014/main" id="{A961AA75-A89E-4E5C-B7E8-F3A1075C7C4E}"/>
-                </a:ext>
-              </a:extLst>
-            </p:cNvPr>
-            <p:cNvCxnSpPr>
-              <a:cxnSpLocks/>
-              <a:stCxn id="51" idx="4"/>
-              <a:endCxn id="55" idx="0"/>
-            </p:cNvCxnSpPr>
-            <p:nvPr/>
-          </p:nvCxnSpPr>
-          <p:spPr bwMode="gray">
-            <a:xfrm>
-              <a:off x="2425048" y="5487545"/>
-              <a:ext cx="242069" cy="409280"/>
-            </a:xfrm>
-            <a:prstGeom prst="straightConnector1">
-              <a:avLst/>
-            </a:prstGeom>
-            <a:ln>
-              <a:tailEnd type="triangle"/>
-            </a:ln>
-          </p:spPr>
-          <p:style>
-            <a:lnRef idx="1">
-              <a:schemeClr val="dk1"/>
-            </a:lnRef>
-            <a:fillRef idx="0">
-              <a:schemeClr val="dk1"/>
-            </a:fillRef>
-            <a:effectRef idx="0">
-              <a:schemeClr val="dk1"/>
-            </a:effectRef>
-            <a:fontRef idx="minor">
-              <a:schemeClr val="tx1"/>
-            </a:fontRef>
-          </p:style>
-        </p:cxnSp>
-      </p:grpSp>
-      <p:sp>
-        <p:nvSpPr>
-          <p:cNvPr id="58" name="TextBox 57">
-            <a:extLst>
-              <a:ext uri="{FF2B5EF4-FFF2-40B4-BE49-F238E27FC236}">
-                <a16:creationId xmlns:a16="http://schemas.microsoft.com/office/drawing/2014/main" id="{2236691B-1968-4794-B939-53E4DD06C5DF}"/>
-              </a:ext>
-            </a:extLst>
-          </p:cNvPr>
-          <p:cNvSpPr txBox="1"/>
-          <p:nvPr/>
-        </p:nvSpPr>
-        <p:spPr bwMode="gray">
-          <a:xfrm>
-            <a:off x="562451" y="4136198"/>
-            <a:ext cx="2714906" cy="439091"/>
-          </a:xfrm>
-          <a:prstGeom prst="rect">
-            <a:avLst/>
-          </a:prstGeom>
-          <a:noFill/>
-        </p:spPr>
-        <p:txBody>
-          <a:bodyPr wrap="square" lIns="0" tIns="0" rIns="0" bIns="0" rtlCol="0">
-            <a:noAutofit/>
-          </a:bodyPr>
-          <a:lstStyle/>
-          <a:p>
-            <a:pPr>
-              <a:spcBef>
-                <a:spcPts val="300"/>
-              </a:spcBef>
-              <a:spcAft>
-                <a:spcPts val="300"/>
-              </a:spcAft>
-              <a:buClr>
-                <a:schemeClr val="accent1"/>
-              </a:buClr>
-              <a:buSzPct val="90000"/>
-            </a:pPr>
-            <a:r>
-              <a:rPr lang="en-US" sz="1600" b="1" dirty="0"/>
-              <a:t>Directed Acyclic Graph</a:t>
-            </a:r>
-            <a:endParaRPr lang="en-US" sz="1600" dirty="0"/>
-          </a:p>
-        </p:txBody>
-      </p:sp>
-      <p:sp>
-        <p:nvSpPr>
-          <p:cNvPr id="68" name="TextBox 67">
-            <a:extLst>
-              <a:ext uri="{FF2B5EF4-FFF2-40B4-BE49-F238E27FC236}">
-                <a16:creationId xmlns:a16="http://schemas.microsoft.com/office/drawing/2014/main" id="{8F2A6CC3-724B-4AAA-AF3C-41E8E72E58B3}"/>
-              </a:ext>
-            </a:extLst>
-          </p:cNvPr>
-          <p:cNvSpPr txBox="1"/>
-          <p:nvPr/>
-        </p:nvSpPr>
-        <p:spPr bwMode="gray">
-          <a:xfrm>
-            <a:off x="3713397" y="4136198"/>
-            <a:ext cx="1785816" cy="439091"/>
-          </a:xfrm>
-          <a:prstGeom prst="rect">
-            <a:avLst/>
-          </a:prstGeom>
-          <a:noFill/>
-        </p:spPr>
-        <p:txBody>
-          <a:bodyPr wrap="square" lIns="0" tIns="0" rIns="0" bIns="0" rtlCol="0">
-            <a:noAutofit/>
-          </a:bodyPr>
-          <a:lstStyle/>
-          <a:p>
-            <a:pPr>
-              <a:spcBef>
-                <a:spcPts val="300"/>
-              </a:spcBef>
-              <a:spcAft>
-                <a:spcPts val="300"/>
-              </a:spcAft>
-              <a:buClr>
-                <a:schemeClr val="accent1"/>
-              </a:buClr>
-              <a:buSzPct val="90000"/>
-            </a:pPr>
-            <a:r>
-              <a:rPr lang="en-US" sz="1600" b="1" dirty="0"/>
-              <a:t>Multigraph</a:t>
-            </a:r>
-            <a:endParaRPr lang="en-US" sz="1600" dirty="0"/>
-          </a:p>
-        </p:txBody>
-      </p:sp>
-      <p:grpSp>
-        <p:nvGrpSpPr>
-          <p:cNvPr id="118" name="Group 117">
-            <a:extLst>
-              <a:ext uri="{FF2B5EF4-FFF2-40B4-BE49-F238E27FC236}">
-                <a16:creationId xmlns:a16="http://schemas.microsoft.com/office/drawing/2014/main" id="{F387D096-3C46-45E4-9D0D-8CAC9A275EFD}"/>
-              </a:ext>
-            </a:extLst>
-          </p:cNvPr>
-          <p:cNvGrpSpPr/>
-          <p:nvPr/>
-        </p:nvGrpSpPr>
-        <p:grpSpPr>
-          <a:xfrm>
-            <a:off x="3699864" y="4619415"/>
-            <a:ext cx="1690193" cy="1624476"/>
-            <a:chOff x="5638923" y="4686565"/>
-            <a:chExt cx="1690193" cy="1624476"/>
-          </a:xfrm>
-        </p:grpSpPr>
-        <p:sp>
-          <p:nvSpPr>
-            <p:cNvPr id="59" name="Oval 58">
-              <a:extLst>
-                <a:ext uri="{FF2B5EF4-FFF2-40B4-BE49-F238E27FC236}">
-                  <a16:creationId xmlns:a16="http://schemas.microsoft.com/office/drawing/2014/main" id="{CCEED0E2-E48B-4EA5-B492-1598BF3BED25}"/>
-                </a:ext>
-              </a:extLst>
-            </p:cNvPr>
-            <p:cNvSpPr/>
-            <p:nvPr/>
-          </p:nvSpPr>
-          <p:spPr bwMode="gray">
-            <a:xfrm>
-              <a:off x="5638923" y="4686565"/>
-              <a:ext cx="414216" cy="414216"/>
-            </a:xfrm>
-            <a:prstGeom prst="ellipse">
-              <a:avLst/>
-            </a:prstGeom>
-            <a:ln/>
-          </p:spPr>
-          <p:style>
-            <a:lnRef idx="2">
-              <a:schemeClr val="dk1"/>
-            </a:lnRef>
-            <a:fillRef idx="1">
-              <a:schemeClr val="lt1"/>
-            </a:fillRef>
-            <a:effectRef idx="0">
-              <a:schemeClr val="dk1"/>
-            </a:effectRef>
-            <a:fontRef idx="minor">
-              <a:schemeClr val="dk1"/>
-            </a:fontRef>
-          </p:style>
-          <p:txBody>
-            <a:bodyPr rot="0" spcFirstLastPara="0" vertOverflow="overflow" horzOverflow="overflow" vert="horz" wrap="square" lIns="108000" tIns="72000" rIns="108000" bIns="72000" numCol="1" spcCol="0" rtlCol="0" fromWordArt="0" anchor="ctr" anchorCtr="0" forceAA="0" compatLnSpc="1">
-              <a:prstTxWarp prst="textNoShape">
-                <a:avLst/>
-              </a:prstTxWarp>
-              <a:noAutofit/>
-            </a:bodyPr>
-            <a:lstStyle/>
-            <a:p>
-              <a:pPr algn="ctr">
-                <a:spcBef>
-                  <a:spcPts val="300"/>
-                </a:spcBef>
-                <a:spcAft>
-                  <a:spcPts val="300"/>
-                </a:spcAft>
-              </a:pPr>
-              <a:r>
-                <a:rPr lang="en-US" sz="1200" b="1" dirty="0">
-                  <a:solidFill>
-                    <a:schemeClr val="tx1"/>
-                  </a:solidFill>
-                </a:rPr>
-                <a:t>A</a:t>
-              </a:r>
-            </a:p>
-          </p:txBody>
-        </p:sp>
-        <p:sp>
-          <p:nvSpPr>
-            <p:cNvPr id="60" name="Oval 59">
-              <a:extLst>
-                <a:ext uri="{FF2B5EF4-FFF2-40B4-BE49-F238E27FC236}">
-                  <a16:creationId xmlns:a16="http://schemas.microsoft.com/office/drawing/2014/main" id="{E2CD7D4C-EB33-4556-9684-37B2982EA021}"/>
-                </a:ext>
-              </a:extLst>
-            </p:cNvPr>
-            <p:cNvSpPr/>
-            <p:nvPr/>
-          </p:nvSpPr>
-          <p:spPr bwMode="gray">
-            <a:xfrm>
-              <a:off x="5638923" y="5614248"/>
-              <a:ext cx="414216" cy="414216"/>
-            </a:xfrm>
-            <a:prstGeom prst="ellipse">
-              <a:avLst/>
-            </a:prstGeom>
-            <a:ln/>
-          </p:spPr>
-          <p:style>
-            <a:lnRef idx="2">
-              <a:schemeClr val="dk1"/>
-            </a:lnRef>
-            <a:fillRef idx="1">
-              <a:schemeClr val="lt1"/>
-            </a:fillRef>
-            <a:effectRef idx="0">
-              <a:schemeClr val="dk1"/>
-            </a:effectRef>
-            <a:fontRef idx="minor">
-              <a:schemeClr val="dk1"/>
-            </a:fontRef>
-          </p:style>
-          <p:txBody>
-            <a:bodyPr rot="0" spcFirstLastPara="0" vertOverflow="overflow" horzOverflow="overflow" vert="horz" wrap="square" lIns="108000" tIns="72000" rIns="108000" bIns="72000" numCol="1" spcCol="0" rtlCol="0" fromWordArt="0" anchor="ctr" anchorCtr="0" forceAA="0" compatLnSpc="1">
-              <a:prstTxWarp prst="textNoShape">
-                <a:avLst/>
-              </a:prstTxWarp>
-              <a:noAutofit/>
-            </a:bodyPr>
-            <a:lstStyle/>
-            <a:p>
-              <a:pPr algn="ctr">
-                <a:spcBef>
-                  <a:spcPts val="300"/>
-                </a:spcBef>
-                <a:spcAft>
-                  <a:spcPts val="300"/>
-                </a:spcAft>
-              </a:pPr>
-              <a:r>
-                <a:rPr lang="en-US" sz="1200" b="1" dirty="0">
-                  <a:solidFill>
-                    <a:schemeClr val="tx1"/>
-                  </a:solidFill>
-                </a:rPr>
-                <a:t>C</a:t>
-              </a:r>
-            </a:p>
-          </p:txBody>
-        </p:sp>
-        <p:sp>
-          <p:nvSpPr>
-            <p:cNvPr id="61" name="Oval 60">
-              <a:extLst>
-                <a:ext uri="{FF2B5EF4-FFF2-40B4-BE49-F238E27FC236}">
-                  <a16:creationId xmlns:a16="http://schemas.microsoft.com/office/drawing/2014/main" id="{F064018A-7404-4897-B40E-29A078FEBEB3}"/>
-                </a:ext>
-              </a:extLst>
-            </p:cNvPr>
-            <p:cNvSpPr/>
-            <p:nvPr/>
-          </p:nvSpPr>
-          <p:spPr bwMode="gray">
-            <a:xfrm>
-              <a:off x="6672831" y="5073329"/>
-              <a:ext cx="414216" cy="414216"/>
-            </a:xfrm>
-            <a:prstGeom prst="ellipse">
-              <a:avLst/>
-            </a:prstGeom>
-            <a:ln/>
-          </p:spPr>
-          <p:style>
-            <a:lnRef idx="2">
-              <a:schemeClr val="dk1"/>
-            </a:lnRef>
-            <a:fillRef idx="1">
-              <a:schemeClr val="lt1"/>
-            </a:fillRef>
-            <a:effectRef idx="0">
-              <a:schemeClr val="dk1"/>
-            </a:effectRef>
-            <a:fontRef idx="minor">
-              <a:schemeClr val="dk1"/>
-            </a:fontRef>
-          </p:style>
-          <p:txBody>
-            <a:bodyPr rot="0" spcFirstLastPara="0" vertOverflow="overflow" horzOverflow="overflow" vert="horz" wrap="square" lIns="108000" tIns="72000" rIns="108000" bIns="72000" numCol="1" spcCol="0" rtlCol="0" fromWordArt="0" anchor="ctr" anchorCtr="0" forceAA="0" compatLnSpc="1">
-              <a:prstTxWarp prst="textNoShape">
-                <a:avLst/>
-              </a:prstTxWarp>
-              <a:noAutofit/>
-            </a:bodyPr>
-            <a:lstStyle/>
-            <a:p>
-              <a:pPr algn="ctr">
-                <a:spcBef>
-                  <a:spcPts val="300"/>
-                </a:spcBef>
-                <a:spcAft>
-                  <a:spcPts val="300"/>
-                </a:spcAft>
-              </a:pPr>
-              <a:r>
-                <a:rPr lang="en-US" sz="1200" b="1" dirty="0">
-                  <a:solidFill>
-                    <a:schemeClr val="tx1"/>
-                  </a:solidFill>
-                </a:rPr>
-                <a:t>B</a:t>
-              </a:r>
-            </a:p>
-          </p:txBody>
-        </p:sp>
-        <p:cxnSp>
-          <p:nvCxnSpPr>
-            <p:cNvPr id="62" name="Straight Arrow Connector 61">
-              <a:extLst>
-                <a:ext uri="{FF2B5EF4-FFF2-40B4-BE49-F238E27FC236}">
-                  <a16:creationId xmlns:a16="http://schemas.microsoft.com/office/drawing/2014/main" id="{6E042C11-33B4-4241-B4C8-B0DF41C4C211}"/>
-                </a:ext>
-              </a:extLst>
-            </p:cNvPr>
-            <p:cNvCxnSpPr>
-              <a:cxnSpLocks/>
-              <a:stCxn id="59" idx="6"/>
-              <a:endCxn id="61" idx="1"/>
-            </p:cNvCxnSpPr>
-            <p:nvPr/>
-          </p:nvCxnSpPr>
-          <p:spPr bwMode="gray">
-            <a:xfrm>
-              <a:off x="6053139" y="4893673"/>
-              <a:ext cx="680353" cy="240317"/>
-            </a:xfrm>
-            <a:prstGeom prst="straightConnector1">
-              <a:avLst/>
-            </a:prstGeom>
-            <a:ln>
-              <a:tailEnd type="triangle"/>
-            </a:ln>
-          </p:spPr>
-          <p:style>
-            <a:lnRef idx="1">
-              <a:schemeClr val="dk1"/>
-            </a:lnRef>
-            <a:fillRef idx="0">
-              <a:schemeClr val="dk1"/>
-            </a:fillRef>
-            <a:effectRef idx="0">
-              <a:schemeClr val="dk1"/>
-            </a:effectRef>
-            <a:fontRef idx="minor">
-              <a:schemeClr val="tx1"/>
-            </a:fontRef>
-          </p:style>
-        </p:cxnSp>
-        <p:cxnSp>
-          <p:nvCxnSpPr>
-            <p:cNvPr id="63" name="Straight Arrow Connector 62">
-              <a:extLst>
-                <a:ext uri="{FF2B5EF4-FFF2-40B4-BE49-F238E27FC236}">
-                  <a16:creationId xmlns:a16="http://schemas.microsoft.com/office/drawing/2014/main" id="{340D7572-5C0C-44C5-A39B-C09CAC2D259E}"/>
-                </a:ext>
-              </a:extLst>
-            </p:cNvPr>
-            <p:cNvCxnSpPr>
-              <a:cxnSpLocks/>
-              <a:stCxn id="59" idx="4"/>
-              <a:endCxn id="60" idx="0"/>
-            </p:cNvCxnSpPr>
-            <p:nvPr/>
-          </p:nvCxnSpPr>
-          <p:spPr bwMode="gray">
-            <a:xfrm>
-              <a:off x="5846031" y="5100781"/>
-              <a:ext cx="0" cy="513467"/>
-            </a:xfrm>
-            <a:prstGeom prst="straightConnector1">
-              <a:avLst/>
-            </a:prstGeom>
-            <a:ln>
-              <a:tailEnd type="triangle"/>
-            </a:ln>
-          </p:spPr>
-          <p:style>
-            <a:lnRef idx="1">
-              <a:schemeClr val="dk1"/>
-            </a:lnRef>
-            <a:fillRef idx="0">
-              <a:schemeClr val="dk1"/>
-            </a:fillRef>
-            <a:effectRef idx="0">
-              <a:schemeClr val="dk1"/>
-            </a:effectRef>
-            <a:fontRef idx="minor">
-              <a:schemeClr val="tx1"/>
-            </a:fontRef>
-          </p:style>
-        </p:cxnSp>
-        <p:cxnSp>
-          <p:nvCxnSpPr>
-            <p:cNvPr id="64" name="Straight Arrow Connector 63">
-              <a:extLst>
-                <a:ext uri="{FF2B5EF4-FFF2-40B4-BE49-F238E27FC236}">
-                  <a16:creationId xmlns:a16="http://schemas.microsoft.com/office/drawing/2014/main" id="{8C3E22E2-7DB0-4857-B004-7FB4CEFCFBED}"/>
-                </a:ext>
-              </a:extLst>
-            </p:cNvPr>
-            <p:cNvCxnSpPr>
-              <a:cxnSpLocks/>
-              <a:stCxn id="60" idx="6"/>
-              <a:endCxn id="61" idx="3"/>
-            </p:cNvCxnSpPr>
-            <p:nvPr/>
-          </p:nvCxnSpPr>
-          <p:spPr bwMode="gray">
-            <a:xfrm flipV="1">
-              <a:off x="6053139" y="5426884"/>
-              <a:ext cx="680353" cy="394472"/>
-            </a:xfrm>
-            <a:prstGeom prst="straightConnector1">
-              <a:avLst/>
-            </a:prstGeom>
-            <a:ln>
-              <a:tailEnd type="triangle"/>
-            </a:ln>
-          </p:spPr>
-          <p:style>
-            <a:lnRef idx="1">
-              <a:schemeClr val="dk1"/>
-            </a:lnRef>
-            <a:fillRef idx="0">
-              <a:schemeClr val="dk1"/>
-            </a:fillRef>
-            <a:effectRef idx="0">
-              <a:schemeClr val="dk1"/>
-            </a:effectRef>
-            <a:fontRef idx="minor">
-              <a:schemeClr val="tx1"/>
-            </a:fontRef>
-          </p:style>
-        </p:cxnSp>
-        <p:sp>
-          <p:nvSpPr>
-            <p:cNvPr id="65" name="Oval 64">
-              <a:extLst>
-                <a:ext uri="{FF2B5EF4-FFF2-40B4-BE49-F238E27FC236}">
-                  <a16:creationId xmlns:a16="http://schemas.microsoft.com/office/drawing/2014/main" id="{8F83E4DF-5A47-4D5C-AA0C-14E6000DAD0E}"/>
-                </a:ext>
-              </a:extLst>
-            </p:cNvPr>
-            <p:cNvSpPr/>
-            <p:nvPr/>
-          </p:nvSpPr>
-          <p:spPr bwMode="gray">
-            <a:xfrm>
-              <a:off x="6914900" y="5896825"/>
-              <a:ext cx="414216" cy="414216"/>
-            </a:xfrm>
-            <a:prstGeom prst="ellipse">
-              <a:avLst/>
-            </a:prstGeom>
-            <a:ln/>
-          </p:spPr>
-          <p:style>
-            <a:lnRef idx="2">
-              <a:schemeClr val="dk1"/>
-            </a:lnRef>
-            <a:fillRef idx="1">
-              <a:schemeClr val="lt1"/>
-            </a:fillRef>
-            <a:effectRef idx="0">
-              <a:schemeClr val="dk1"/>
-            </a:effectRef>
-            <a:fontRef idx="minor">
-              <a:schemeClr val="dk1"/>
-            </a:fontRef>
-          </p:style>
-          <p:txBody>
-            <a:bodyPr rot="0" spcFirstLastPara="0" vertOverflow="overflow" horzOverflow="overflow" vert="horz" wrap="square" lIns="108000" tIns="72000" rIns="108000" bIns="72000" numCol="1" spcCol="0" rtlCol="0" fromWordArt="0" anchor="ctr" anchorCtr="0" forceAA="0" compatLnSpc="1">
-              <a:prstTxWarp prst="textNoShape">
-                <a:avLst/>
-              </a:prstTxWarp>
-              <a:noAutofit/>
-            </a:bodyPr>
-            <a:lstStyle/>
-            <a:p>
-              <a:pPr algn="ctr">
-                <a:spcBef>
-                  <a:spcPts val="300"/>
-                </a:spcBef>
-                <a:spcAft>
-                  <a:spcPts val="300"/>
-                </a:spcAft>
-              </a:pPr>
-              <a:r>
-                <a:rPr lang="en-US" sz="1200" b="1" dirty="0">
-                  <a:solidFill>
-                    <a:schemeClr val="tx1"/>
-                  </a:solidFill>
-                </a:rPr>
-                <a:t>D</a:t>
-              </a:r>
-            </a:p>
-          </p:txBody>
-        </p:sp>
-        <p:cxnSp>
-          <p:nvCxnSpPr>
-            <p:cNvPr id="66" name="Straight Arrow Connector 65">
-              <a:extLst>
-                <a:ext uri="{FF2B5EF4-FFF2-40B4-BE49-F238E27FC236}">
-                  <a16:creationId xmlns:a16="http://schemas.microsoft.com/office/drawing/2014/main" id="{72A78E9C-1D79-4286-8B77-563971E12BC3}"/>
-                </a:ext>
-              </a:extLst>
-            </p:cNvPr>
-            <p:cNvCxnSpPr>
-              <a:cxnSpLocks/>
-              <a:stCxn id="60" idx="5"/>
-              <a:endCxn id="65" idx="2"/>
-            </p:cNvCxnSpPr>
-            <p:nvPr/>
-          </p:nvCxnSpPr>
-          <p:spPr bwMode="gray">
-            <a:xfrm>
-              <a:off x="5992478" y="5967803"/>
-              <a:ext cx="922422" cy="136130"/>
-            </a:xfrm>
-            <a:prstGeom prst="straightConnector1">
-              <a:avLst/>
-            </a:prstGeom>
-            <a:ln>
-              <a:tailEnd type="triangle"/>
-            </a:ln>
-          </p:spPr>
-          <p:style>
-            <a:lnRef idx="1">
-              <a:schemeClr val="dk1"/>
-            </a:lnRef>
-            <a:fillRef idx="0">
-              <a:schemeClr val="dk1"/>
-            </a:fillRef>
-            <a:effectRef idx="0">
-              <a:schemeClr val="dk1"/>
-            </a:effectRef>
-            <a:fontRef idx="minor">
-              <a:schemeClr val="tx1"/>
-            </a:fontRef>
-          </p:style>
-        </p:cxnSp>
-        <p:cxnSp>
-          <p:nvCxnSpPr>
-            <p:cNvPr id="67" name="Straight Arrow Connector 66">
-              <a:extLst>
-                <a:ext uri="{FF2B5EF4-FFF2-40B4-BE49-F238E27FC236}">
-                  <a16:creationId xmlns:a16="http://schemas.microsoft.com/office/drawing/2014/main" id="{FB367B40-58E0-4D33-958A-6795193ED981}"/>
-                </a:ext>
-              </a:extLst>
-            </p:cNvPr>
-            <p:cNvCxnSpPr>
-              <a:cxnSpLocks/>
-              <a:stCxn id="61" idx="4"/>
-              <a:endCxn id="65" idx="1"/>
-            </p:cNvCxnSpPr>
-            <p:nvPr/>
-          </p:nvCxnSpPr>
-          <p:spPr bwMode="gray">
-            <a:xfrm>
-              <a:off x="6879939" y="5487545"/>
-              <a:ext cx="95622" cy="469941"/>
-            </a:xfrm>
-            <a:prstGeom prst="straightConnector1">
-              <a:avLst/>
-            </a:prstGeom>
-            <a:ln>
-              <a:tailEnd type="triangle"/>
-            </a:ln>
-          </p:spPr>
-          <p:style>
-            <a:lnRef idx="1">
-              <a:schemeClr val="dk1"/>
-            </a:lnRef>
-            <a:fillRef idx="0">
-              <a:schemeClr val="dk1"/>
-            </a:fillRef>
-            <a:effectRef idx="0">
-              <a:schemeClr val="dk1"/>
-            </a:effectRef>
-            <a:fontRef idx="minor">
-              <a:schemeClr val="tx1"/>
-            </a:fontRef>
-          </p:style>
-        </p:cxnSp>
-        <p:cxnSp>
-          <p:nvCxnSpPr>
-            <p:cNvPr id="70" name="Straight Arrow Connector 69">
-              <a:extLst>
-                <a:ext uri="{FF2B5EF4-FFF2-40B4-BE49-F238E27FC236}">
-                  <a16:creationId xmlns:a16="http://schemas.microsoft.com/office/drawing/2014/main" id="{0F8D1CD8-C7E8-4E60-9044-D90EF4CE6BD5}"/>
-                </a:ext>
-              </a:extLst>
-            </p:cNvPr>
-            <p:cNvCxnSpPr>
-              <a:cxnSpLocks/>
-              <a:stCxn id="61" idx="5"/>
-              <a:endCxn id="65" idx="0"/>
-            </p:cNvCxnSpPr>
-            <p:nvPr/>
-          </p:nvCxnSpPr>
-          <p:spPr bwMode="gray">
-            <a:xfrm>
-              <a:off x="7026386" y="5426884"/>
-              <a:ext cx="95622" cy="469941"/>
-            </a:xfrm>
-            <a:prstGeom prst="straightConnector1">
-              <a:avLst/>
-            </a:prstGeom>
-            <a:ln>
-              <a:tailEnd type="triangle"/>
-            </a:ln>
-          </p:spPr>
-          <p:style>
-            <a:lnRef idx="1">
-              <a:schemeClr val="dk1"/>
-            </a:lnRef>
-            <a:fillRef idx="0">
-              <a:schemeClr val="dk1"/>
-            </a:fillRef>
-            <a:effectRef idx="0">
-              <a:schemeClr val="dk1"/>
-            </a:effectRef>
-            <a:fontRef idx="minor">
-              <a:schemeClr val="tx1"/>
-            </a:fontRef>
-          </p:style>
-        </p:cxnSp>
-        <p:cxnSp>
-          <p:nvCxnSpPr>
-            <p:cNvPr id="79" name="Straight Arrow Connector 78">
-              <a:extLst>
-                <a:ext uri="{FF2B5EF4-FFF2-40B4-BE49-F238E27FC236}">
-                  <a16:creationId xmlns:a16="http://schemas.microsoft.com/office/drawing/2014/main" id="{A1EAAD98-030B-4995-9C1C-A1945971F90C}"/>
-                </a:ext>
-              </a:extLst>
-            </p:cNvPr>
-            <p:cNvCxnSpPr>
-              <a:cxnSpLocks/>
-              <a:stCxn id="59" idx="5"/>
-              <a:endCxn id="60" idx="7"/>
-            </p:cNvCxnSpPr>
-            <p:nvPr/>
-          </p:nvCxnSpPr>
-          <p:spPr bwMode="gray">
-            <a:xfrm>
-              <a:off x="5992478" y="5040120"/>
-              <a:ext cx="0" cy="634789"/>
-            </a:xfrm>
-            <a:prstGeom prst="straightConnector1">
-              <a:avLst/>
-            </a:prstGeom>
-            <a:ln>
-              <a:headEnd type="triangle" w="med" len="med"/>
-              <a:tailEnd type="none" w="med" len="med"/>
-            </a:ln>
-          </p:spPr>
-          <p:style>
-            <a:lnRef idx="1">
-              <a:schemeClr val="dk1"/>
-            </a:lnRef>
-            <a:fillRef idx="0">
-              <a:schemeClr val="dk1"/>
-            </a:fillRef>
-            <a:effectRef idx="0">
-              <a:schemeClr val="dk1"/>
-            </a:effectRef>
-            <a:fontRef idx="minor">
-              <a:schemeClr val="tx1"/>
-            </a:fontRef>
-          </p:style>
-        </p:cxnSp>
-        <p:cxnSp>
-          <p:nvCxnSpPr>
-            <p:cNvPr id="82" name="Straight Arrow Connector 81">
-              <a:extLst>
-                <a:ext uri="{FF2B5EF4-FFF2-40B4-BE49-F238E27FC236}">
-                  <a16:creationId xmlns:a16="http://schemas.microsoft.com/office/drawing/2014/main" id="{4479BE53-08FB-472C-9571-027195924C94}"/>
-                </a:ext>
-              </a:extLst>
-            </p:cNvPr>
-            <p:cNvCxnSpPr>
-              <a:cxnSpLocks/>
-              <a:stCxn id="59" idx="3"/>
-              <a:endCxn id="60" idx="1"/>
-            </p:cNvCxnSpPr>
-            <p:nvPr/>
-          </p:nvCxnSpPr>
-          <p:spPr bwMode="gray">
-            <a:xfrm>
-              <a:off x="5699584" y="5040120"/>
-              <a:ext cx="0" cy="634789"/>
-            </a:xfrm>
-            <a:prstGeom prst="straightConnector1">
-              <a:avLst/>
-            </a:prstGeom>
-            <a:ln>
-              <a:headEnd type="triangle" w="med" len="med"/>
-              <a:tailEnd type="none" w="med" len="med"/>
-            </a:ln>
-          </p:spPr>
-          <p:style>
-            <a:lnRef idx="1">
-              <a:schemeClr val="dk1"/>
-            </a:lnRef>
-            <a:fillRef idx="0">
-              <a:schemeClr val="dk1"/>
-            </a:fillRef>
-            <a:effectRef idx="0">
-              <a:schemeClr val="dk1"/>
-            </a:effectRef>
-            <a:fontRef idx="minor">
-              <a:schemeClr val="tx1"/>
-            </a:fontRef>
-          </p:style>
-        </p:cxnSp>
-      </p:grpSp>
-      <p:grpSp>
-        <p:nvGrpSpPr>
-          <p:cNvPr id="116" name="Group 115">
-            <a:extLst>
-              <a:ext uri="{FF2B5EF4-FFF2-40B4-BE49-F238E27FC236}">
-                <a16:creationId xmlns:a16="http://schemas.microsoft.com/office/drawing/2014/main" id="{D928AB48-467C-48F5-BD11-7850432E88B6}"/>
-              </a:ext>
-            </a:extLst>
-          </p:cNvPr>
-          <p:cNvGrpSpPr/>
-          <p:nvPr/>
-        </p:nvGrpSpPr>
-        <p:grpSpPr>
-          <a:xfrm>
-            <a:off x="6730070" y="1622564"/>
-            <a:ext cx="1690193" cy="1624476"/>
-            <a:chOff x="9096668" y="1690242"/>
-            <a:chExt cx="1690193" cy="1624476"/>
-          </a:xfrm>
-        </p:grpSpPr>
-        <p:sp>
-          <p:nvSpPr>
-            <p:cNvPr id="85" name="Oval 84">
-              <a:extLst>
-                <a:ext uri="{FF2B5EF4-FFF2-40B4-BE49-F238E27FC236}">
-                  <a16:creationId xmlns:a16="http://schemas.microsoft.com/office/drawing/2014/main" id="{9BB0AEFE-DD9C-44AF-BC33-03444B2D9709}"/>
-                </a:ext>
-              </a:extLst>
-            </p:cNvPr>
-            <p:cNvSpPr/>
-            <p:nvPr/>
-          </p:nvSpPr>
-          <p:spPr bwMode="gray">
-            <a:xfrm>
-              <a:off x="9096668" y="1690242"/>
-              <a:ext cx="414216" cy="414216"/>
-            </a:xfrm>
-            <a:prstGeom prst="ellipse">
-              <a:avLst/>
-            </a:prstGeom>
-            <a:ln/>
-          </p:spPr>
-          <p:style>
-            <a:lnRef idx="2">
-              <a:schemeClr val="dk1"/>
-            </a:lnRef>
-            <a:fillRef idx="1">
-              <a:schemeClr val="lt1"/>
-            </a:fillRef>
-            <a:effectRef idx="0">
-              <a:schemeClr val="dk1"/>
-            </a:effectRef>
-            <a:fontRef idx="minor">
-              <a:schemeClr val="dk1"/>
-            </a:fontRef>
-          </p:style>
-          <p:txBody>
-            <a:bodyPr rot="0" spcFirstLastPara="0" vertOverflow="overflow" horzOverflow="overflow" vert="horz" wrap="square" lIns="108000" tIns="72000" rIns="108000" bIns="72000" numCol="1" spcCol="0" rtlCol="0" fromWordArt="0" anchor="ctr" anchorCtr="0" forceAA="0" compatLnSpc="1">
-              <a:prstTxWarp prst="textNoShape">
-                <a:avLst/>
-              </a:prstTxWarp>
-              <a:noAutofit/>
-            </a:bodyPr>
-            <a:lstStyle/>
-            <a:p>
-              <a:pPr algn="ctr">
-                <a:spcBef>
-                  <a:spcPts val="300"/>
-                </a:spcBef>
-                <a:spcAft>
-                  <a:spcPts val="300"/>
-                </a:spcAft>
-              </a:pPr>
-              <a:r>
-                <a:rPr lang="en-US" sz="1200" b="1" dirty="0">
-                  <a:solidFill>
-                    <a:schemeClr val="tx1"/>
-                  </a:solidFill>
-                </a:rPr>
-                <a:t>A</a:t>
-              </a:r>
-            </a:p>
-          </p:txBody>
-        </p:sp>
-        <p:sp>
-          <p:nvSpPr>
-            <p:cNvPr id="86" name="Oval 85">
-              <a:extLst>
-                <a:ext uri="{FF2B5EF4-FFF2-40B4-BE49-F238E27FC236}">
-                  <a16:creationId xmlns:a16="http://schemas.microsoft.com/office/drawing/2014/main" id="{913FA824-6313-41E6-8856-F3A6C59DF4FB}"/>
-                </a:ext>
-              </a:extLst>
-            </p:cNvPr>
-            <p:cNvSpPr/>
-            <p:nvPr/>
-          </p:nvSpPr>
-          <p:spPr bwMode="gray">
-            <a:xfrm>
-              <a:off x="9096668" y="2617925"/>
-              <a:ext cx="414216" cy="414216"/>
-            </a:xfrm>
-            <a:prstGeom prst="ellipse">
-              <a:avLst/>
-            </a:prstGeom>
-            <a:ln/>
-          </p:spPr>
-          <p:style>
-            <a:lnRef idx="2">
-              <a:schemeClr val="dk1"/>
-            </a:lnRef>
-            <a:fillRef idx="1">
-              <a:schemeClr val="lt1"/>
-            </a:fillRef>
-            <a:effectRef idx="0">
-              <a:schemeClr val="dk1"/>
-            </a:effectRef>
-            <a:fontRef idx="minor">
-              <a:schemeClr val="dk1"/>
-            </a:fontRef>
-          </p:style>
-          <p:txBody>
-            <a:bodyPr rot="0" spcFirstLastPara="0" vertOverflow="overflow" horzOverflow="overflow" vert="horz" wrap="square" lIns="108000" tIns="72000" rIns="108000" bIns="72000" numCol="1" spcCol="0" rtlCol="0" fromWordArt="0" anchor="ctr" anchorCtr="0" forceAA="0" compatLnSpc="1">
-              <a:prstTxWarp prst="textNoShape">
-                <a:avLst/>
-              </a:prstTxWarp>
-              <a:noAutofit/>
-            </a:bodyPr>
-            <a:lstStyle/>
-            <a:p>
-              <a:pPr algn="ctr">
-                <a:spcBef>
-                  <a:spcPts val="300"/>
-                </a:spcBef>
-                <a:spcAft>
-                  <a:spcPts val="300"/>
-                </a:spcAft>
-              </a:pPr>
-              <a:r>
-                <a:rPr lang="en-US" sz="1200" b="1" dirty="0">
-                  <a:solidFill>
-                    <a:schemeClr val="tx1"/>
-                  </a:solidFill>
-                </a:rPr>
-                <a:t>C</a:t>
-              </a:r>
-            </a:p>
-          </p:txBody>
-        </p:sp>
-        <p:sp>
-          <p:nvSpPr>
-            <p:cNvPr id="87" name="Oval 86">
-              <a:extLst>
-                <a:ext uri="{FF2B5EF4-FFF2-40B4-BE49-F238E27FC236}">
-                  <a16:creationId xmlns:a16="http://schemas.microsoft.com/office/drawing/2014/main" id="{00F620A4-B5EF-4C95-BCBF-B9A548C452D5}"/>
-                </a:ext>
-              </a:extLst>
-            </p:cNvPr>
-            <p:cNvSpPr/>
-            <p:nvPr/>
-          </p:nvSpPr>
-          <p:spPr bwMode="gray">
-            <a:xfrm>
-              <a:off x="10130576" y="2077006"/>
-              <a:ext cx="414216" cy="414216"/>
-            </a:xfrm>
-            <a:prstGeom prst="ellipse">
-              <a:avLst/>
-            </a:prstGeom>
-            <a:ln/>
-          </p:spPr>
-          <p:style>
-            <a:lnRef idx="2">
-              <a:schemeClr val="dk1"/>
-            </a:lnRef>
-            <a:fillRef idx="1">
-              <a:schemeClr val="lt1"/>
-            </a:fillRef>
-            <a:effectRef idx="0">
-              <a:schemeClr val="dk1"/>
-            </a:effectRef>
-            <a:fontRef idx="minor">
-              <a:schemeClr val="dk1"/>
-            </a:fontRef>
-          </p:style>
-          <p:txBody>
-            <a:bodyPr rot="0" spcFirstLastPara="0" vertOverflow="overflow" horzOverflow="overflow" vert="horz" wrap="square" lIns="108000" tIns="72000" rIns="108000" bIns="72000" numCol="1" spcCol="0" rtlCol="0" fromWordArt="0" anchor="ctr" anchorCtr="0" forceAA="0" compatLnSpc="1">
-              <a:prstTxWarp prst="textNoShape">
-                <a:avLst/>
-              </a:prstTxWarp>
-              <a:noAutofit/>
-            </a:bodyPr>
-            <a:lstStyle/>
-            <a:p>
-              <a:pPr algn="ctr">
-                <a:spcBef>
-                  <a:spcPts val="300"/>
-                </a:spcBef>
-                <a:spcAft>
-                  <a:spcPts val="300"/>
-                </a:spcAft>
-              </a:pPr>
-              <a:r>
-                <a:rPr lang="en-US" sz="1200" b="1" dirty="0">
-                  <a:solidFill>
-                    <a:schemeClr val="tx1"/>
-                  </a:solidFill>
-                </a:rPr>
-                <a:t>B</a:t>
-              </a:r>
-            </a:p>
-          </p:txBody>
-        </p:sp>
-        <p:cxnSp>
-          <p:nvCxnSpPr>
-            <p:cNvPr id="88" name="Straight Arrow Connector 87">
-              <a:extLst>
-                <a:ext uri="{FF2B5EF4-FFF2-40B4-BE49-F238E27FC236}">
-                  <a16:creationId xmlns:a16="http://schemas.microsoft.com/office/drawing/2014/main" id="{E1051D7E-EAEB-47BF-BBA7-CDF2E57F7425}"/>
-                </a:ext>
-              </a:extLst>
-            </p:cNvPr>
-            <p:cNvCxnSpPr>
-              <a:stCxn id="85" idx="6"/>
-              <a:endCxn id="87" idx="1"/>
-            </p:cNvCxnSpPr>
-            <p:nvPr/>
-          </p:nvCxnSpPr>
-          <p:spPr bwMode="gray">
-            <a:xfrm>
-              <a:off x="9510884" y="1897350"/>
-              <a:ext cx="680353" cy="240317"/>
-            </a:xfrm>
-            <a:prstGeom prst="straightConnector1">
-              <a:avLst/>
-            </a:prstGeom>
-            <a:ln>
-              <a:tailEnd type="triangle"/>
-            </a:ln>
-          </p:spPr>
-          <p:style>
-            <a:lnRef idx="1">
-              <a:schemeClr val="dk1"/>
-            </a:lnRef>
-            <a:fillRef idx="0">
-              <a:schemeClr val="dk1"/>
-            </a:fillRef>
-            <a:effectRef idx="0">
-              <a:schemeClr val="dk1"/>
-            </a:effectRef>
-            <a:fontRef idx="minor">
-              <a:schemeClr val="tx1"/>
-            </a:fontRef>
-          </p:style>
-        </p:cxnSp>
-        <p:cxnSp>
-          <p:nvCxnSpPr>
-            <p:cNvPr id="89" name="Straight Arrow Connector 88">
-              <a:extLst>
-                <a:ext uri="{FF2B5EF4-FFF2-40B4-BE49-F238E27FC236}">
-                  <a16:creationId xmlns:a16="http://schemas.microsoft.com/office/drawing/2014/main" id="{ED967C49-A361-4275-BF93-AB0B3967CA0A}"/>
-                </a:ext>
-              </a:extLst>
-            </p:cNvPr>
-            <p:cNvCxnSpPr>
-              <a:cxnSpLocks/>
-              <a:stCxn id="85" idx="4"/>
-              <a:endCxn id="86" idx="0"/>
-            </p:cNvCxnSpPr>
-            <p:nvPr/>
-          </p:nvCxnSpPr>
-          <p:spPr bwMode="gray">
-            <a:xfrm>
-              <a:off x="9303776" y="2104458"/>
-              <a:ext cx="0" cy="513467"/>
-            </a:xfrm>
-            <a:prstGeom prst="straightConnector1">
-              <a:avLst/>
-            </a:prstGeom>
-            <a:ln>
-              <a:tailEnd type="triangle"/>
-            </a:ln>
-          </p:spPr>
-          <p:style>
-            <a:lnRef idx="1">
-              <a:schemeClr val="dk1"/>
-            </a:lnRef>
-            <a:fillRef idx="0">
-              <a:schemeClr val="dk1"/>
-            </a:fillRef>
-            <a:effectRef idx="0">
-              <a:schemeClr val="dk1"/>
-            </a:effectRef>
-            <a:fontRef idx="minor">
-              <a:schemeClr val="tx1"/>
-            </a:fontRef>
-          </p:style>
-        </p:cxnSp>
-        <p:cxnSp>
-          <p:nvCxnSpPr>
-            <p:cNvPr id="90" name="Straight Arrow Connector 89">
-              <a:extLst>
-                <a:ext uri="{FF2B5EF4-FFF2-40B4-BE49-F238E27FC236}">
-                  <a16:creationId xmlns:a16="http://schemas.microsoft.com/office/drawing/2014/main" id="{5C5FCEBA-45DF-44ED-8069-D52ACECB57D8}"/>
-                </a:ext>
-              </a:extLst>
-            </p:cNvPr>
-            <p:cNvCxnSpPr>
-              <a:cxnSpLocks/>
-              <a:stCxn id="86" idx="6"/>
-              <a:endCxn id="87" idx="3"/>
-            </p:cNvCxnSpPr>
-            <p:nvPr/>
-          </p:nvCxnSpPr>
-          <p:spPr bwMode="gray">
-            <a:xfrm flipV="1">
-              <a:off x="9510884" y="2430561"/>
-              <a:ext cx="680353" cy="394472"/>
-            </a:xfrm>
-            <a:prstGeom prst="straightConnector1">
-              <a:avLst/>
-            </a:prstGeom>
-            <a:ln>
-              <a:tailEnd type="triangle"/>
-            </a:ln>
-          </p:spPr>
-          <p:style>
-            <a:lnRef idx="1">
-              <a:schemeClr val="dk1"/>
-            </a:lnRef>
-            <a:fillRef idx="0">
-              <a:schemeClr val="dk1"/>
-            </a:fillRef>
-            <a:effectRef idx="0">
-              <a:schemeClr val="dk1"/>
-            </a:effectRef>
-            <a:fontRef idx="minor">
-              <a:schemeClr val="tx1"/>
-            </a:fontRef>
-          </p:style>
-        </p:cxnSp>
-        <p:sp>
-          <p:nvSpPr>
-            <p:cNvPr id="91" name="Oval 90">
-              <a:extLst>
-                <a:ext uri="{FF2B5EF4-FFF2-40B4-BE49-F238E27FC236}">
-                  <a16:creationId xmlns:a16="http://schemas.microsoft.com/office/drawing/2014/main" id="{769E7512-CE63-4C0C-A23F-AC827C10D610}"/>
-                </a:ext>
-              </a:extLst>
-            </p:cNvPr>
-            <p:cNvSpPr/>
-            <p:nvPr/>
-          </p:nvSpPr>
-          <p:spPr bwMode="gray">
-            <a:xfrm>
-              <a:off x="10372645" y="2900502"/>
-              <a:ext cx="414216" cy="414216"/>
-            </a:xfrm>
-            <a:prstGeom prst="ellipse">
-              <a:avLst/>
-            </a:prstGeom>
-            <a:ln/>
-          </p:spPr>
-          <p:style>
-            <a:lnRef idx="2">
-              <a:schemeClr val="dk1"/>
-            </a:lnRef>
-            <a:fillRef idx="1">
-              <a:schemeClr val="lt1"/>
-            </a:fillRef>
-            <a:effectRef idx="0">
-              <a:schemeClr val="dk1"/>
-            </a:effectRef>
-            <a:fontRef idx="minor">
-              <a:schemeClr val="dk1"/>
-            </a:fontRef>
-          </p:style>
-          <p:txBody>
-            <a:bodyPr rot="0" spcFirstLastPara="0" vertOverflow="overflow" horzOverflow="overflow" vert="horz" wrap="square" lIns="108000" tIns="72000" rIns="108000" bIns="72000" numCol="1" spcCol="0" rtlCol="0" fromWordArt="0" anchor="ctr" anchorCtr="0" forceAA="0" compatLnSpc="1">
-              <a:prstTxWarp prst="textNoShape">
-                <a:avLst/>
-              </a:prstTxWarp>
-              <a:noAutofit/>
-            </a:bodyPr>
-            <a:lstStyle/>
-            <a:p>
-              <a:pPr algn="ctr">
-                <a:spcBef>
-                  <a:spcPts val="300"/>
-                </a:spcBef>
-                <a:spcAft>
-                  <a:spcPts val="300"/>
-                </a:spcAft>
-              </a:pPr>
-              <a:r>
-                <a:rPr lang="en-US" sz="1200" b="1" dirty="0">
-                  <a:solidFill>
-                    <a:schemeClr val="tx1"/>
-                  </a:solidFill>
-                </a:rPr>
-                <a:t>D</a:t>
-              </a:r>
-            </a:p>
-          </p:txBody>
-        </p:sp>
-      </p:grpSp>
-      <p:sp>
-        <p:nvSpPr>
-          <p:cNvPr id="94" name="TextBox 93">
-            <a:extLst>
-              <a:ext uri="{FF2B5EF4-FFF2-40B4-BE49-F238E27FC236}">
-                <a16:creationId xmlns:a16="http://schemas.microsoft.com/office/drawing/2014/main" id="{16A1D0D0-3FF6-4E04-BDC6-ECFB092DA18D}"/>
-              </a:ext>
-            </a:extLst>
-          </p:cNvPr>
-          <p:cNvSpPr txBox="1"/>
-          <p:nvPr/>
-        </p:nvSpPr>
-        <p:spPr bwMode="gray">
-          <a:xfrm>
-            <a:off x="6770501" y="1165877"/>
-            <a:ext cx="1963731" cy="439091"/>
-          </a:xfrm>
-          <a:prstGeom prst="rect">
-            <a:avLst/>
-          </a:prstGeom>
-          <a:noFill/>
-        </p:spPr>
-        <p:txBody>
-          <a:bodyPr wrap="square" lIns="0" tIns="0" rIns="0" bIns="0" rtlCol="0">
-            <a:noAutofit/>
-          </a:bodyPr>
-          <a:lstStyle/>
-          <a:p>
-            <a:pPr>
-              <a:spcBef>
-                <a:spcPts val="300"/>
-              </a:spcBef>
-              <a:spcAft>
-                <a:spcPts val="300"/>
-              </a:spcAft>
-              <a:buClr>
-                <a:schemeClr val="accent1"/>
-              </a:buClr>
-              <a:buSzPct val="90000"/>
-            </a:pPr>
-            <a:r>
-              <a:rPr lang="en-US" sz="1600" b="1" dirty="0"/>
-              <a:t>Disconnected</a:t>
-            </a:r>
-            <a:endParaRPr lang="en-US" sz="1600" dirty="0"/>
-          </a:p>
-        </p:txBody>
-      </p:sp>
-      <p:sp>
-        <p:nvSpPr>
-          <p:cNvPr id="102" name="TextBox 101">
-            <a:extLst>
-              <a:ext uri="{FF2B5EF4-FFF2-40B4-BE49-F238E27FC236}">
-                <a16:creationId xmlns:a16="http://schemas.microsoft.com/office/drawing/2014/main" id="{05D1F199-6CC3-4CA2-AE0D-B420F952840D}"/>
-              </a:ext>
-            </a:extLst>
-          </p:cNvPr>
-          <p:cNvSpPr txBox="1"/>
-          <p:nvPr/>
-        </p:nvSpPr>
-        <p:spPr bwMode="gray">
-          <a:xfrm>
-            <a:off x="9717591" y="1154834"/>
-            <a:ext cx="1963731" cy="439091"/>
-          </a:xfrm>
-          <a:prstGeom prst="rect">
-            <a:avLst/>
-          </a:prstGeom>
-          <a:noFill/>
-        </p:spPr>
-        <p:txBody>
-          <a:bodyPr wrap="square" lIns="0" tIns="0" rIns="0" bIns="0" rtlCol="0">
-            <a:noAutofit/>
-          </a:bodyPr>
-          <a:lstStyle/>
-          <a:p>
-            <a:pPr>
-              <a:spcBef>
-                <a:spcPts val="300"/>
-              </a:spcBef>
-              <a:spcAft>
-                <a:spcPts val="300"/>
-              </a:spcAft>
-              <a:buClr>
-                <a:schemeClr val="accent1"/>
-              </a:buClr>
-              <a:buSzPct val="90000"/>
-            </a:pPr>
-            <a:r>
-              <a:rPr lang="en-US" sz="1600" b="1" dirty="0"/>
-              <a:t>Fully connected </a:t>
-            </a:r>
-            <a:endParaRPr lang="en-US" sz="1600" dirty="0"/>
-          </a:p>
-        </p:txBody>
-      </p:sp>
-      <p:grpSp>
-        <p:nvGrpSpPr>
-          <p:cNvPr id="119" name="Group 118">
-            <a:extLst>
-              <a:ext uri="{FF2B5EF4-FFF2-40B4-BE49-F238E27FC236}">
-                <a16:creationId xmlns:a16="http://schemas.microsoft.com/office/drawing/2014/main" id="{0C73EAA7-93DB-47C0-92C0-89B84C4B9D35}"/>
-              </a:ext>
-            </a:extLst>
-          </p:cNvPr>
-          <p:cNvGrpSpPr/>
-          <p:nvPr/>
-        </p:nvGrpSpPr>
-        <p:grpSpPr>
-          <a:xfrm>
-            <a:off x="9723229" y="1622564"/>
-            <a:ext cx="1690193" cy="1624476"/>
-            <a:chOff x="9242891" y="4638958"/>
-            <a:chExt cx="1690193" cy="1624476"/>
-          </a:xfrm>
-        </p:grpSpPr>
-        <p:sp>
-          <p:nvSpPr>
-            <p:cNvPr id="103" name="Oval 102">
-              <a:extLst>
-                <a:ext uri="{FF2B5EF4-FFF2-40B4-BE49-F238E27FC236}">
-                  <a16:creationId xmlns:a16="http://schemas.microsoft.com/office/drawing/2014/main" id="{A3110B73-4DF2-409A-AC51-AAD41E8959AA}"/>
-                </a:ext>
-              </a:extLst>
-            </p:cNvPr>
-            <p:cNvSpPr/>
-            <p:nvPr/>
-          </p:nvSpPr>
-          <p:spPr bwMode="gray">
-            <a:xfrm>
-              <a:off x="9242891" y="4638958"/>
-              <a:ext cx="414216" cy="414216"/>
-            </a:xfrm>
-            <a:prstGeom prst="ellipse">
-              <a:avLst/>
-            </a:prstGeom>
-            <a:ln/>
-          </p:spPr>
-          <p:style>
-            <a:lnRef idx="2">
-              <a:schemeClr val="dk1"/>
-            </a:lnRef>
-            <a:fillRef idx="1">
-              <a:schemeClr val="lt1"/>
-            </a:fillRef>
-            <a:effectRef idx="0">
-              <a:schemeClr val="dk1"/>
-            </a:effectRef>
-            <a:fontRef idx="minor">
-              <a:schemeClr val="dk1"/>
-            </a:fontRef>
-          </p:style>
-          <p:txBody>
-            <a:bodyPr rot="0" spcFirstLastPara="0" vertOverflow="overflow" horzOverflow="overflow" vert="horz" wrap="square" lIns="108000" tIns="72000" rIns="108000" bIns="72000" numCol="1" spcCol="0" rtlCol="0" fromWordArt="0" anchor="ctr" anchorCtr="0" forceAA="0" compatLnSpc="1">
-              <a:prstTxWarp prst="textNoShape">
-                <a:avLst/>
-              </a:prstTxWarp>
-              <a:noAutofit/>
-            </a:bodyPr>
-            <a:lstStyle/>
-            <a:p>
-              <a:pPr algn="ctr">
-                <a:spcBef>
-                  <a:spcPts val="300"/>
-                </a:spcBef>
-                <a:spcAft>
-                  <a:spcPts val="300"/>
-                </a:spcAft>
-              </a:pPr>
-              <a:r>
-                <a:rPr lang="en-US" sz="1200" b="1" dirty="0">
-                  <a:solidFill>
-                    <a:schemeClr val="tx1"/>
-                  </a:solidFill>
-                </a:rPr>
-                <a:t>A</a:t>
-              </a:r>
-            </a:p>
-          </p:txBody>
-        </p:sp>
-        <p:sp>
-          <p:nvSpPr>
-            <p:cNvPr id="104" name="Oval 103">
-              <a:extLst>
-                <a:ext uri="{FF2B5EF4-FFF2-40B4-BE49-F238E27FC236}">
-                  <a16:creationId xmlns:a16="http://schemas.microsoft.com/office/drawing/2014/main" id="{BAA5A86B-7D01-4BF5-B87D-9B1CF47D30DC}"/>
-                </a:ext>
-              </a:extLst>
-            </p:cNvPr>
-            <p:cNvSpPr/>
-            <p:nvPr/>
-          </p:nvSpPr>
-          <p:spPr bwMode="gray">
-            <a:xfrm>
-              <a:off x="9242891" y="5566641"/>
-              <a:ext cx="414216" cy="414216"/>
-            </a:xfrm>
-            <a:prstGeom prst="ellipse">
-              <a:avLst/>
-            </a:prstGeom>
-            <a:ln/>
-          </p:spPr>
-          <p:style>
-            <a:lnRef idx="2">
-              <a:schemeClr val="dk1"/>
-            </a:lnRef>
-            <a:fillRef idx="1">
-              <a:schemeClr val="lt1"/>
-            </a:fillRef>
-            <a:effectRef idx="0">
-              <a:schemeClr val="dk1"/>
-            </a:effectRef>
-            <a:fontRef idx="minor">
-              <a:schemeClr val="dk1"/>
-            </a:fontRef>
-          </p:style>
-          <p:txBody>
-            <a:bodyPr rot="0" spcFirstLastPara="0" vertOverflow="overflow" horzOverflow="overflow" vert="horz" wrap="square" lIns="108000" tIns="72000" rIns="108000" bIns="72000" numCol="1" spcCol="0" rtlCol="0" fromWordArt="0" anchor="ctr" anchorCtr="0" forceAA="0" compatLnSpc="1">
-              <a:prstTxWarp prst="textNoShape">
-                <a:avLst/>
-              </a:prstTxWarp>
-              <a:noAutofit/>
-            </a:bodyPr>
-            <a:lstStyle/>
-            <a:p>
-              <a:pPr algn="ctr">
-                <a:spcBef>
-                  <a:spcPts val="300"/>
-                </a:spcBef>
-                <a:spcAft>
-                  <a:spcPts val="300"/>
-                </a:spcAft>
-              </a:pPr>
-              <a:r>
-                <a:rPr lang="en-US" sz="1200" b="1" dirty="0">
-                  <a:solidFill>
-                    <a:schemeClr val="tx1"/>
-                  </a:solidFill>
-                </a:rPr>
-                <a:t>C</a:t>
-              </a:r>
-            </a:p>
-          </p:txBody>
-        </p:sp>
-        <p:sp>
-          <p:nvSpPr>
-            <p:cNvPr id="105" name="Oval 104">
-              <a:extLst>
-                <a:ext uri="{FF2B5EF4-FFF2-40B4-BE49-F238E27FC236}">
-                  <a16:creationId xmlns:a16="http://schemas.microsoft.com/office/drawing/2014/main" id="{6852BC26-2255-4EB9-B543-A1F927B4AA99}"/>
-                </a:ext>
-              </a:extLst>
-            </p:cNvPr>
-            <p:cNvSpPr/>
-            <p:nvPr/>
-          </p:nvSpPr>
-          <p:spPr bwMode="gray">
-            <a:xfrm>
-              <a:off x="10276799" y="5025722"/>
-              <a:ext cx="414216" cy="414216"/>
-            </a:xfrm>
-            <a:prstGeom prst="ellipse">
-              <a:avLst/>
-            </a:prstGeom>
-            <a:ln/>
-          </p:spPr>
-          <p:style>
-            <a:lnRef idx="2">
-              <a:schemeClr val="dk1"/>
-            </a:lnRef>
-            <a:fillRef idx="1">
-              <a:schemeClr val="lt1"/>
-            </a:fillRef>
-            <a:effectRef idx="0">
-              <a:schemeClr val="dk1"/>
-            </a:effectRef>
-            <a:fontRef idx="minor">
-              <a:schemeClr val="dk1"/>
-            </a:fontRef>
-          </p:style>
-          <p:txBody>
-            <a:bodyPr rot="0" spcFirstLastPara="0" vertOverflow="overflow" horzOverflow="overflow" vert="horz" wrap="square" lIns="108000" tIns="72000" rIns="108000" bIns="72000" numCol="1" spcCol="0" rtlCol="0" fromWordArt="0" anchor="ctr" anchorCtr="0" forceAA="0" compatLnSpc="1">
-              <a:prstTxWarp prst="textNoShape">
-                <a:avLst/>
-              </a:prstTxWarp>
-              <a:noAutofit/>
-            </a:bodyPr>
-            <a:lstStyle/>
-            <a:p>
-              <a:pPr algn="ctr">
-                <a:spcBef>
-                  <a:spcPts val="300"/>
-                </a:spcBef>
-                <a:spcAft>
-                  <a:spcPts val="300"/>
-                </a:spcAft>
-              </a:pPr>
-              <a:r>
-                <a:rPr lang="en-US" sz="1200" b="1" dirty="0">
-                  <a:solidFill>
-                    <a:schemeClr val="tx1"/>
-                  </a:solidFill>
-                </a:rPr>
-                <a:t>B</a:t>
-              </a:r>
-            </a:p>
-          </p:txBody>
-        </p:sp>
-        <p:cxnSp>
-          <p:nvCxnSpPr>
-            <p:cNvPr id="106" name="Straight Arrow Connector 105">
-              <a:extLst>
-                <a:ext uri="{FF2B5EF4-FFF2-40B4-BE49-F238E27FC236}">
-                  <a16:creationId xmlns:a16="http://schemas.microsoft.com/office/drawing/2014/main" id="{5AD0D13F-56FD-4DAF-ADEE-A08A7F7C9BB5}"/>
-                </a:ext>
-              </a:extLst>
-            </p:cNvPr>
-            <p:cNvCxnSpPr>
-              <a:cxnSpLocks/>
-              <a:stCxn id="103" idx="6"/>
-              <a:endCxn id="105" idx="1"/>
-            </p:cNvCxnSpPr>
-            <p:nvPr/>
-          </p:nvCxnSpPr>
-          <p:spPr bwMode="gray">
-            <a:xfrm>
-              <a:off x="9657107" y="4846066"/>
-              <a:ext cx="680353" cy="240317"/>
-            </a:xfrm>
-            <a:prstGeom prst="straightConnector1">
-              <a:avLst/>
-            </a:prstGeom>
-            <a:ln>
-              <a:tailEnd type="triangle"/>
-            </a:ln>
-          </p:spPr>
-          <p:style>
-            <a:lnRef idx="1">
-              <a:schemeClr val="dk1"/>
-            </a:lnRef>
-            <a:fillRef idx="0">
-              <a:schemeClr val="dk1"/>
-            </a:fillRef>
-            <a:effectRef idx="0">
-              <a:schemeClr val="dk1"/>
-            </a:effectRef>
-            <a:fontRef idx="minor">
-              <a:schemeClr val="tx1"/>
-            </a:fontRef>
-          </p:style>
-        </p:cxnSp>
-        <p:cxnSp>
-          <p:nvCxnSpPr>
-            <p:cNvPr id="107" name="Straight Arrow Connector 106">
-              <a:extLst>
-                <a:ext uri="{FF2B5EF4-FFF2-40B4-BE49-F238E27FC236}">
-                  <a16:creationId xmlns:a16="http://schemas.microsoft.com/office/drawing/2014/main" id="{FF8B7FBB-E4DB-4C88-9809-06E2E6C5F01E}"/>
-                </a:ext>
-              </a:extLst>
-            </p:cNvPr>
-            <p:cNvCxnSpPr>
-              <a:cxnSpLocks/>
-              <a:stCxn id="103" idx="4"/>
-              <a:endCxn id="104" idx="0"/>
-            </p:cNvCxnSpPr>
-            <p:nvPr/>
-          </p:nvCxnSpPr>
-          <p:spPr bwMode="gray">
-            <a:xfrm>
-              <a:off x="9449999" y="5053174"/>
-              <a:ext cx="0" cy="513467"/>
-            </a:xfrm>
-            <a:prstGeom prst="straightConnector1">
-              <a:avLst/>
-            </a:prstGeom>
-            <a:ln>
-              <a:tailEnd type="triangle"/>
-            </a:ln>
-          </p:spPr>
-          <p:style>
-            <a:lnRef idx="1">
-              <a:schemeClr val="dk1"/>
-            </a:lnRef>
-            <a:fillRef idx="0">
-              <a:schemeClr val="dk1"/>
-            </a:fillRef>
-            <a:effectRef idx="0">
-              <a:schemeClr val="dk1"/>
-            </a:effectRef>
-            <a:fontRef idx="minor">
-              <a:schemeClr val="tx1"/>
-            </a:fontRef>
-          </p:style>
-        </p:cxnSp>
-        <p:cxnSp>
-          <p:nvCxnSpPr>
-            <p:cNvPr id="108" name="Straight Arrow Connector 107">
-              <a:extLst>
-                <a:ext uri="{FF2B5EF4-FFF2-40B4-BE49-F238E27FC236}">
-                  <a16:creationId xmlns:a16="http://schemas.microsoft.com/office/drawing/2014/main" id="{2A916CDB-6D36-44FA-A627-627992EE4921}"/>
-                </a:ext>
-              </a:extLst>
-            </p:cNvPr>
-            <p:cNvCxnSpPr>
-              <a:cxnSpLocks/>
-              <a:stCxn id="104" idx="6"/>
-              <a:endCxn id="105" idx="3"/>
-            </p:cNvCxnSpPr>
-            <p:nvPr/>
-          </p:nvCxnSpPr>
-          <p:spPr bwMode="gray">
-            <a:xfrm flipV="1">
-              <a:off x="9657107" y="5379277"/>
-              <a:ext cx="680353" cy="394472"/>
-            </a:xfrm>
-            <a:prstGeom prst="straightConnector1">
-              <a:avLst/>
-            </a:prstGeom>
-            <a:ln>
-              <a:tailEnd type="triangle"/>
-            </a:ln>
-          </p:spPr>
-          <p:style>
-            <a:lnRef idx="1">
-              <a:schemeClr val="dk1"/>
-            </a:lnRef>
-            <a:fillRef idx="0">
-              <a:schemeClr val="dk1"/>
-            </a:fillRef>
-            <a:effectRef idx="0">
-              <a:schemeClr val="dk1"/>
-            </a:effectRef>
-            <a:fontRef idx="minor">
-              <a:schemeClr val="tx1"/>
-            </a:fontRef>
-          </p:style>
-        </p:cxnSp>
-        <p:sp>
-          <p:nvSpPr>
-            <p:cNvPr id="109" name="Oval 108">
-              <a:extLst>
-                <a:ext uri="{FF2B5EF4-FFF2-40B4-BE49-F238E27FC236}">
-                  <a16:creationId xmlns:a16="http://schemas.microsoft.com/office/drawing/2014/main" id="{53CA8386-0099-4DA5-9059-FFA8EB5CF75A}"/>
-                </a:ext>
-              </a:extLst>
-            </p:cNvPr>
-            <p:cNvSpPr/>
-            <p:nvPr/>
-          </p:nvSpPr>
-          <p:spPr bwMode="gray">
-            <a:xfrm>
-              <a:off x="10518868" y="5849218"/>
-              <a:ext cx="414216" cy="414216"/>
-            </a:xfrm>
-            <a:prstGeom prst="ellipse">
-              <a:avLst/>
-            </a:prstGeom>
-            <a:ln/>
-          </p:spPr>
-          <p:style>
-            <a:lnRef idx="2">
-              <a:schemeClr val="dk1"/>
-            </a:lnRef>
-            <a:fillRef idx="1">
-              <a:schemeClr val="lt1"/>
-            </a:fillRef>
-            <a:effectRef idx="0">
-              <a:schemeClr val="dk1"/>
-            </a:effectRef>
-            <a:fontRef idx="minor">
-              <a:schemeClr val="dk1"/>
-            </a:fontRef>
-          </p:style>
-          <p:txBody>
-            <a:bodyPr rot="0" spcFirstLastPara="0" vertOverflow="overflow" horzOverflow="overflow" vert="horz" wrap="square" lIns="108000" tIns="72000" rIns="108000" bIns="72000" numCol="1" spcCol="0" rtlCol="0" fromWordArt="0" anchor="ctr" anchorCtr="0" forceAA="0" compatLnSpc="1">
-              <a:prstTxWarp prst="textNoShape">
-                <a:avLst/>
-              </a:prstTxWarp>
-              <a:noAutofit/>
-            </a:bodyPr>
-            <a:lstStyle/>
-            <a:p>
-              <a:pPr algn="ctr">
-                <a:spcBef>
-                  <a:spcPts val="300"/>
-                </a:spcBef>
-                <a:spcAft>
-                  <a:spcPts val="300"/>
-                </a:spcAft>
-              </a:pPr>
-              <a:r>
-                <a:rPr lang="en-US" sz="1200" b="1" dirty="0">
-                  <a:solidFill>
-                    <a:schemeClr val="tx1"/>
-                  </a:solidFill>
-                </a:rPr>
-                <a:t>D</a:t>
-              </a:r>
-            </a:p>
-          </p:txBody>
-        </p:sp>
-        <p:cxnSp>
-          <p:nvCxnSpPr>
-            <p:cNvPr id="110" name="Straight Arrow Connector 109">
-              <a:extLst>
-                <a:ext uri="{FF2B5EF4-FFF2-40B4-BE49-F238E27FC236}">
-                  <a16:creationId xmlns:a16="http://schemas.microsoft.com/office/drawing/2014/main" id="{ED08FE0F-F356-4FC7-AC5F-2E5D0DB5B181}"/>
-                </a:ext>
-              </a:extLst>
-            </p:cNvPr>
-            <p:cNvCxnSpPr>
-              <a:cxnSpLocks/>
-              <a:stCxn id="104" idx="5"/>
-              <a:endCxn id="109" idx="2"/>
-            </p:cNvCxnSpPr>
-            <p:nvPr/>
-          </p:nvCxnSpPr>
-          <p:spPr bwMode="gray">
-            <a:xfrm>
-              <a:off x="9596446" y="5920196"/>
-              <a:ext cx="922422" cy="136130"/>
-            </a:xfrm>
-            <a:prstGeom prst="straightConnector1">
-              <a:avLst/>
-            </a:prstGeom>
-            <a:ln>
-              <a:headEnd type="triangle" w="med" len="med"/>
-              <a:tailEnd type="none" w="med" len="med"/>
-            </a:ln>
-          </p:spPr>
-          <p:style>
-            <a:lnRef idx="1">
-              <a:schemeClr val="dk1"/>
-            </a:lnRef>
-            <a:fillRef idx="0">
-              <a:schemeClr val="dk1"/>
-            </a:fillRef>
-            <a:effectRef idx="0">
-              <a:schemeClr val="dk1"/>
-            </a:effectRef>
-            <a:fontRef idx="minor">
-              <a:schemeClr val="tx1"/>
-            </a:fontRef>
-          </p:style>
-        </p:cxnSp>
-        <p:cxnSp>
-          <p:nvCxnSpPr>
-            <p:cNvPr id="111" name="Straight Arrow Connector 110">
-              <a:extLst>
-                <a:ext uri="{FF2B5EF4-FFF2-40B4-BE49-F238E27FC236}">
-                  <a16:creationId xmlns:a16="http://schemas.microsoft.com/office/drawing/2014/main" id="{C3E8DDB7-3475-4A11-AE60-2B3584B91550}"/>
-                </a:ext>
-              </a:extLst>
-            </p:cNvPr>
-            <p:cNvCxnSpPr>
-              <a:cxnSpLocks/>
-              <a:stCxn id="105" idx="4"/>
-              <a:endCxn id="109" idx="0"/>
-            </p:cNvCxnSpPr>
-            <p:nvPr/>
-          </p:nvCxnSpPr>
-          <p:spPr bwMode="gray">
-            <a:xfrm>
-              <a:off x="10483907" y="5439938"/>
-              <a:ext cx="242069" cy="409280"/>
-            </a:xfrm>
-            <a:prstGeom prst="straightConnector1">
-              <a:avLst/>
-            </a:prstGeom>
-            <a:ln>
-              <a:tailEnd type="triangle"/>
-            </a:ln>
-          </p:spPr>
-          <p:style>
-            <a:lnRef idx="1">
-              <a:schemeClr val="dk1"/>
-            </a:lnRef>
-            <a:fillRef idx="0">
-              <a:schemeClr val="dk1"/>
-            </a:fillRef>
-            <a:effectRef idx="0">
-              <a:schemeClr val="dk1"/>
-            </a:effectRef>
-            <a:fontRef idx="minor">
-              <a:schemeClr val="tx1"/>
-            </a:fontRef>
-          </p:style>
-        </p:cxnSp>
-        <p:cxnSp>
-          <p:nvCxnSpPr>
-            <p:cNvPr id="112" name="Straight Arrow Connector 111">
-              <a:extLst>
-                <a:ext uri="{FF2B5EF4-FFF2-40B4-BE49-F238E27FC236}">
-                  <a16:creationId xmlns:a16="http://schemas.microsoft.com/office/drawing/2014/main" id="{48DFD8F7-EF08-40E7-9E05-760F72AB4F8C}"/>
-                </a:ext>
-              </a:extLst>
-            </p:cNvPr>
-            <p:cNvCxnSpPr>
-              <a:cxnSpLocks/>
-              <a:stCxn id="103" idx="5"/>
-              <a:endCxn id="109" idx="1"/>
-            </p:cNvCxnSpPr>
-            <p:nvPr/>
-          </p:nvCxnSpPr>
-          <p:spPr bwMode="gray">
-            <a:xfrm>
-              <a:off x="9596446" y="4992513"/>
-              <a:ext cx="983083" cy="917366"/>
-            </a:xfrm>
-            <a:prstGeom prst="straightConnector1">
-              <a:avLst/>
-            </a:prstGeom>
-            <a:ln>
-              <a:tailEnd type="triangle"/>
-            </a:ln>
-          </p:spPr>
-          <p:style>
-            <a:lnRef idx="1">
-              <a:schemeClr val="dk1"/>
-            </a:lnRef>
-            <a:fillRef idx="0">
-              <a:schemeClr val="dk1"/>
-            </a:fillRef>
-            <a:effectRef idx="0">
-              <a:schemeClr val="dk1"/>
-            </a:effectRef>
-            <a:fontRef idx="minor">
-              <a:schemeClr val="tx1"/>
-            </a:fontRef>
-          </p:style>
-        </p:cxnSp>
-      </p:grpSp>
-      <p:grpSp>
-        <p:nvGrpSpPr>
-          <p:cNvPr id="157" name="Group 156">
-            <a:extLst>
-              <a:ext uri="{FF2B5EF4-FFF2-40B4-BE49-F238E27FC236}">
-                <a16:creationId xmlns:a16="http://schemas.microsoft.com/office/drawing/2014/main" id="{A210032E-A5FD-443D-907E-F00F1E8FC6F3}"/>
-              </a:ext>
-            </a:extLst>
-          </p:cNvPr>
-          <p:cNvGrpSpPr/>
-          <p:nvPr/>
-        </p:nvGrpSpPr>
-        <p:grpSpPr>
-          <a:xfrm>
-            <a:off x="9854361" y="4422180"/>
-            <a:ext cx="2128477" cy="2018946"/>
-            <a:chOff x="9938188" y="4606083"/>
-            <a:chExt cx="2128477" cy="2018946"/>
-          </a:xfrm>
-        </p:grpSpPr>
-        <p:sp>
-          <p:nvSpPr>
-            <p:cNvPr id="121" name="Oval 120">
-              <a:extLst>
-                <a:ext uri="{FF2B5EF4-FFF2-40B4-BE49-F238E27FC236}">
-                  <a16:creationId xmlns:a16="http://schemas.microsoft.com/office/drawing/2014/main" id="{FE4EF26E-E9EC-47E1-B41D-D91366FD261C}"/>
-                </a:ext>
-              </a:extLst>
-            </p:cNvPr>
-            <p:cNvSpPr/>
-            <p:nvPr/>
-          </p:nvSpPr>
-          <p:spPr bwMode="gray">
-            <a:xfrm>
-              <a:off x="9938188" y="5000553"/>
-              <a:ext cx="414216" cy="414216"/>
-            </a:xfrm>
-            <a:prstGeom prst="ellipse">
-              <a:avLst/>
-            </a:prstGeom>
-            <a:ln/>
-          </p:spPr>
-          <p:style>
-            <a:lnRef idx="2">
-              <a:schemeClr val="dk1"/>
-            </a:lnRef>
-            <a:fillRef idx="1">
-              <a:schemeClr val="lt1"/>
-            </a:fillRef>
-            <a:effectRef idx="0">
-              <a:schemeClr val="dk1"/>
-            </a:effectRef>
-            <a:fontRef idx="minor">
-              <a:schemeClr val="dk1"/>
-            </a:fontRef>
-          </p:style>
-          <p:txBody>
-            <a:bodyPr rot="0" spcFirstLastPara="0" vertOverflow="overflow" horzOverflow="overflow" vert="horz" wrap="square" lIns="108000" tIns="72000" rIns="108000" bIns="72000" numCol="1" spcCol="0" rtlCol="0" fromWordArt="0" anchor="ctr" anchorCtr="0" forceAA="0" compatLnSpc="1">
-              <a:prstTxWarp prst="textNoShape">
-                <a:avLst/>
-              </a:prstTxWarp>
-              <a:noAutofit/>
-            </a:bodyPr>
-            <a:lstStyle/>
-            <a:p>
-              <a:pPr algn="ctr">
-                <a:spcBef>
-                  <a:spcPts val="300"/>
-                </a:spcBef>
-                <a:spcAft>
-                  <a:spcPts val="300"/>
-                </a:spcAft>
-              </a:pPr>
-              <a:r>
-                <a:rPr lang="en-US" sz="1200" b="1" dirty="0">
-                  <a:solidFill>
-                    <a:schemeClr val="tx1"/>
-                  </a:solidFill>
-                </a:rPr>
-                <a:t>A</a:t>
-              </a:r>
-            </a:p>
-          </p:txBody>
-        </p:sp>
-        <p:sp>
-          <p:nvSpPr>
-            <p:cNvPr id="122" name="Oval 121">
-              <a:extLst>
-                <a:ext uri="{FF2B5EF4-FFF2-40B4-BE49-F238E27FC236}">
-                  <a16:creationId xmlns:a16="http://schemas.microsoft.com/office/drawing/2014/main" id="{4C3ADC79-582C-424C-8A56-A4831FA6841A}"/>
-                </a:ext>
-              </a:extLst>
-            </p:cNvPr>
-            <p:cNvSpPr/>
-            <p:nvPr/>
-          </p:nvSpPr>
-          <p:spPr bwMode="gray">
-            <a:xfrm>
-              <a:off x="9938188" y="5928236"/>
-              <a:ext cx="414216" cy="414216"/>
-            </a:xfrm>
-            <a:prstGeom prst="ellipse">
-              <a:avLst/>
-            </a:prstGeom>
-            <a:ln/>
-          </p:spPr>
-          <p:style>
-            <a:lnRef idx="2">
-              <a:schemeClr val="dk1"/>
-            </a:lnRef>
-            <a:fillRef idx="1">
-              <a:schemeClr val="lt1"/>
-            </a:fillRef>
-            <a:effectRef idx="0">
-              <a:schemeClr val="dk1"/>
-            </a:effectRef>
-            <a:fontRef idx="minor">
-              <a:schemeClr val="dk1"/>
-            </a:fontRef>
-          </p:style>
-          <p:txBody>
-            <a:bodyPr rot="0" spcFirstLastPara="0" vertOverflow="overflow" horzOverflow="overflow" vert="horz" wrap="square" lIns="108000" tIns="72000" rIns="108000" bIns="72000" numCol="1" spcCol="0" rtlCol="0" fromWordArt="0" anchor="ctr" anchorCtr="0" forceAA="0" compatLnSpc="1">
-              <a:prstTxWarp prst="textNoShape">
-                <a:avLst/>
-              </a:prstTxWarp>
-              <a:noAutofit/>
-            </a:bodyPr>
-            <a:lstStyle/>
-            <a:p>
-              <a:pPr algn="ctr">
-                <a:spcBef>
-                  <a:spcPts val="300"/>
-                </a:spcBef>
-                <a:spcAft>
-                  <a:spcPts val="300"/>
-                </a:spcAft>
-              </a:pPr>
-              <a:r>
-                <a:rPr lang="en-US" sz="1200" b="1" dirty="0">
-                  <a:solidFill>
-                    <a:schemeClr val="tx1"/>
-                  </a:solidFill>
-                </a:rPr>
-                <a:t>C</a:t>
-              </a:r>
-            </a:p>
-          </p:txBody>
-        </p:sp>
-        <p:sp>
-          <p:nvSpPr>
-            <p:cNvPr id="123" name="Oval 122">
-              <a:extLst>
-                <a:ext uri="{FF2B5EF4-FFF2-40B4-BE49-F238E27FC236}">
-                  <a16:creationId xmlns:a16="http://schemas.microsoft.com/office/drawing/2014/main" id="{17422662-C969-4A0E-9F1C-762481061B46}"/>
-                </a:ext>
-              </a:extLst>
-            </p:cNvPr>
-            <p:cNvSpPr/>
-            <p:nvPr/>
-          </p:nvSpPr>
-          <p:spPr bwMode="gray">
-            <a:xfrm>
-              <a:off x="10972096" y="5387317"/>
-              <a:ext cx="414216" cy="414216"/>
-            </a:xfrm>
-            <a:prstGeom prst="ellipse">
-              <a:avLst/>
-            </a:prstGeom>
-            <a:ln/>
-          </p:spPr>
-          <p:style>
-            <a:lnRef idx="2">
-              <a:schemeClr val="dk1"/>
-            </a:lnRef>
-            <a:fillRef idx="1">
-              <a:schemeClr val="lt1"/>
-            </a:fillRef>
-            <a:effectRef idx="0">
-              <a:schemeClr val="dk1"/>
-            </a:effectRef>
-            <a:fontRef idx="minor">
-              <a:schemeClr val="dk1"/>
-            </a:fontRef>
-          </p:style>
-          <p:txBody>
-            <a:bodyPr rot="0" spcFirstLastPara="0" vertOverflow="overflow" horzOverflow="overflow" vert="horz" wrap="square" lIns="108000" tIns="72000" rIns="108000" bIns="72000" numCol="1" spcCol="0" rtlCol="0" fromWordArt="0" anchor="ctr" anchorCtr="0" forceAA="0" compatLnSpc="1">
-              <a:prstTxWarp prst="textNoShape">
-                <a:avLst/>
-              </a:prstTxWarp>
-              <a:noAutofit/>
-            </a:bodyPr>
-            <a:lstStyle/>
-            <a:p>
-              <a:pPr algn="ctr">
-                <a:spcBef>
-                  <a:spcPts val="300"/>
-                </a:spcBef>
-                <a:spcAft>
-                  <a:spcPts val="300"/>
-                </a:spcAft>
-              </a:pPr>
-              <a:r>
-                <a:rPr lang="en-US" sz="1200" b="1" dirty="0">
-                  <a:solidFill>
-                    <a:schemeClr val="tx1"/>
-                  </a:solidFill>
-                </a:rPr>
-                <a:t>B</a:t>
-              </a:r>
-            </a:p>
-          </p:txBody>
-        </p:sp>
-        <p:cxnSp>
-          <p:nvCxnSpPr>
-            <p:cNvPr id="124" name="Straight Arrow Connector 123">
-              <a:extLst>
-                <a:ext uri="{FF2B5EF4-FFF2-40B4-BE49-F238E27FC236}">
-                  <a16:creationId xmlns:a16="http://schemas.microsoft.com/office/drawing/2014/main" id="{0F7536CE-A6FA-4F89-8526-C5E25E6C68D2}"/>
-                </a:ext>
-              </a:extLst>
-            </p:cNvPr>
-            <p:cNvCxnSpPr>
-              <a:cxnSpLocks/>
-              <a:stCxn id="121" idx="6"/>
-              <a:endCxn id="123" idx="1"/>
-            </p:cNvCxnSpPr>
-            <p:nvPr/>
-          </p:nvCxnSpPr>
-          <p:spPr bwMode="gray">
-            <a:xfrm>
-              <a:off x="10352404" y="5207661"/>
-              <a:ext cx="680353" cy="240317"/>
-            </a:xfrm>
-            <a:prstGeom prst="straightConnector1">
-              <a:avLst/>
-            </a:prstGeom>
-            <a:ln w="57150">
-              <a:solidFill>
-                <a:srgbClr val="0070C0"/>
-              </a:solidFill>
-              <a:headEnd type="none" w="med" len="med"/>
-              <a:tailEnd type="none" w="med" len="med"/>
-            </a:ln>
-          </p:spPr>
-          <p:style>
-            <a:lnRef idx="1">
-              <a:schemeClr val="dk1"/>
-            </a:lnRef>
-            <a:fillRef idx="0">
-              <a:schemeClr val="dk1"/>
-            </a:fillRef>
-            <a:effectRef idx="0">
-              <a:schemeClr val="dk1"/>
-            </a:effectRef>
-            <a:fontRef idx="minor">
-              <a:schemeClr val="tx1"/>
-            </a:fontRef>
-          </p:style>
-        </p:cxnSp>
-        <p:cxnSp>
-          <p:nvCxnSpPr>
-            <p:cNvPr id="125" name="Straight Arrow Connector 124">
-              <a:extLst>
-                <a:ext uri="{FF2B5EF4-FFF2-40B4-BE49-F238E27FC236}">
-                  <a16:creationId xmlns:a16="http://schemas.microsoft.com/office/drawing/2014/main" id="{A395518A-0D96-4955-B941-C1C6D3F973EC}"/>
-                </a:ext>
-              </a:extLst>
-            </p:cNvPr>
-            <p:cNvCxnSpPr>
-              <a:cxnSpLocks/>
-              <a:stCxn id="121" idx="4"/>
-              <a:endCxn id="122" idx="0"/>
-            </p:cNvCxnSpPr>
-            <p:nvPr/>
-          </p:nvCxnSpPr>
-          <p:spPr bwMode="gray">
-            <a:xfrm>
-              <a:off x="10145296" y="5414769"/>
-              <a:ext cx="0" cy="513467"/>
-            </a:xfrm>
-            <a:prstGeom prst="straightConnector1">
-              <a:avLst/>
-            </a:prstGeom>
-            <a:ln w="57150">
-              <a:solidFill>
-                <a:srgbClr val="0070C0"/>
-              </a:solidFill>
-              <a:headEnd type="none" w="med" len="med"/>
-              <a:tailEnd type="none" w="med" len="med"/>
-            </a:ln>
-          </p:spPr>
-          <p:style>
-            <a:lnRef idx="1">
-              <a:schemeClr val="dk1"/>
-            </a:lnRef>
-            <a:fillRef idx="0">
-              <a:schemeClr val="dk1"/>
-            </a:fillRef>
-            <a:effectRef idx="0">
-              <a:schemeClr val="dk1"/>
-            </a:effectRef>
-            <a:fontRef idx="minor">
-              <a:schemeClr val="tx1"/>
-            </a:fontRef>
-          </p:style>
-        </p:cxnSp>
-        <p:cxnSp>
-          <p:nvCxnSpPr>
-            <p:cNvPr id="126" name="Straight Arrow Connector 125">
-              <a:extLst>
-                <a:ext uri="{FF2B5EF4-FFF2-40B4-BE49-F238E27FC236}">
-                  <a16:creationId xmlns:a16="http://schemas.microsoft.com/office/drawing/2014/main" id="{58E44884-C9C7-4763-A659-53095982D1E2}"/>
-                </a:ext>
-              </a:extLst>
-            </p:cNvPr>
-            <p:cNvCxnSpPr>
-              <a:cxnSpLocks/>
-              <a:stCxn id="122" idx="6"/>
-              <a:endCxn id="123" idx="3"/>
-            </p:cNvCxnSpPr>
-            <p:nvPr/>
-          </p:nvCxnSpPr>
-          <p:spPr bwMode="gray">
-            <a:xfrm flipV="1">
-              <a:off x="10352404" y="5740872"/>
-              <a:ext cx="680353" cy="394472"/>
-            </a:xfrm>
-            <a:prstGeom prst="straightConnector1">
-              <a:avLst/>
-            </a:prstGeom>
-            <a:ln w="57150">
-              <a:solidFill>
-                <a:srgbClr val="0070C0"/>
-              </a:solidFill>
-              <a:headEnd type="none" w="med" len="med"/>
-              <a:tailEnd type="none" w="med" len="med"/>
-            </a:ln>
-          </p:spPr>
-          <p:style>
-            <a:lnRef idx="1">
-              <a:schemeClr val="dk1"/>
-            </a:lnRef>
-            <a:fillRef idx="0">
-              <a:schemeClr val="dk1"/>
-            </a:fillRef>
-            <a:effectRef idx="0">
-              <a:schemeClr val="dk1"/>
-            </a:effectRef>
-            <a:fontRef idx="minor">
-              <a:schemeClr val="tx1"/>
-            </a:fontRef>
-          </p:style>
-        </p:cxnSp>
-        <p:sp>
-          <p:nvSpPr>
-            <p:cNvPr id="127" name="Oval 126">
-              <a:extLst>
-                <a:ext uri="{FF2B5EF4-FFF2-40B4-BE49-F238E27FC236}">
-                  <a16:creationId xmlns:a16="http://schemas.microsoft.com/office/drawing/2014/main" id="{C749CFCD-17FE-4604-887C-F3CE1B7BD204}"/>
-                </a:ext>
-              </a:extLst>
-            </p:cNvPr>
-            <p:cNvSpPr/>
-            <p:nvPr/>
-          </p:nvSpPr>
-          <p:spPr bwMode="gray">
-            <a:xfrm>
-              <a:off x="11214165" y="6210813"/>
-              <a:ext cx="414216" cy="414216"/>
-            </a:xfrm>
-            <a:prstGeom prst="ellipse">
-              <a:avLst/>
-            </a:prstGeom>
-            <a:ln/>
-          </p:spPr>
-          <p:style>
-            <a:lnRef idx="2">
-              <a:schemeClr val="dk1"/>
-            </a:lnRef>
-            <a:fillRef idx="1">
-              <a:schemeClr val="lt1"/>
-            </a:fillRef>
-            <a:effectRef idx="0">
-              <a:schemeClr val="dk1"/>
-            </a:effectRef>
-            <a:fontRef idx="minor">
-              <a:schemeClr val="dk1"/>
-            </a:fontRef>
-          </p:style>
-          <p:txBody>
-            <a:bodyPr rot="0" spcFirstLastPara="0" vertOverflow="overflow" horzOverflow="overflow" vert="horz" wrap="square" lIns="108000" tIns="72000" rIns="108000" bIns="72000" numCol="1" spcCol="0" rtlCol="0" fromWordArt="0" anchor="ctr" anchorCtr="0" forceAA="0" compatLnSpc="1">
-              <a:prstTxWarp prst="textNoShape">
-                <a:avLst/>
-              </a:prstTxWarp>
-              <a:noAutofit/>
-            </a:bodyPr>
-            <a:lstStyle/>
-            <a:p>
-              <a:pPr algn="ctr">
-                <a:spcBef>
-                  <a:spcPts val="300"/>
-                </a:spcBef>
-                <a:spcAft>
-                  <a:spcPts val="300"/>
-                </a:spcAft>
-              </a:pPr>
-              <a:r>
-                <a:rPr lang="en-US" sz="1200" b="1" dirty="0">
-                  <a:solidFill>
-                    <a:schemeClr val="tx1"/>
-                  </a:solidFill>
-                </a:rPr>
-                <a:t>D</a:t>
-              </a:r>
-            </a:p>
-          </p:txBody>
-        </p:sp>
-        <p:cxnSp>
-          <p:nvCxnSpPr>
-            <p:cNvPr id="129" name="Straight Arrow Connector 128">
-              <a:extLst>
-                <a:ext uri="{FF2B5EF4-FFF2-40B4-BE49-F238E27FC236}">
-                  <a16:creationId xmlns:a16="http://schemas.microsoft.com/office/drawing/2014/main" id="{D12CF845-79A7-4AB7-906B-43166C45F55F}"/>
-                </a:ext>
-              </a:extLst>
-            </p:cNvPr>
-            <p:cNvCxnSpPr>
-              <a:cxnSpLocks/>
-              <a:stCxn id="123" idx="5"/>
-              <a:endCxn id="127" idx="0"/>
-            </p:cNvCxnSpPr>
-            <p:nvPr/>
-          </p:nvCxnSpPr>
-          <p:spPr bwMode="gray">
-            <a:xfrm>
-              <a:off x="11325651" y="5740872"/>
-              <a:ext cx="95622" cy="469941"/>
-            </a:xfrm>
-            <a:prstGeom prst="straightConnector1">
-              <a:avLst/>
-            </a:prstGeom>
-            <a:ln w="57150">
-              <a:solidFill>
-                <a:srgbClr val="0070C0"/>
-              </a:solidFill>
-              <a:headEnd type="none" w="med" len="med"/>
-              <a:tailEnd type="none" w="med" len="med"/>
-            </a:ln>
-          </p:spPr>
-          <p:style>
-            <a:lnRef idx="1">
-              <a:schemeClr val="dk1"/>
-            </a:lnRef>
-            <a:fillRef idx="0">
-              <a:schemeClr val="dk1"/>
-            </a:fillRef>
-            <a:effectRef idx="0">
-              <a:schemeClr val="dk1"/>
-            </a:effectRef>
-            <a:fontRef idx="minor">
-              <a:schemeClr val="tx1"/>
-            </a:fontRef>
-          </p:style>
-        </p:cxnSp>
-        <p:sp>
-          <p:nvSpPr>
-            <p:cNvPr id="132" name="Oval 131">
-              <a:extLst>
-                <a:ext uri="{FF2B5EF4-FFF2-40B4-BE49-F238E27FC236}">
-                  <a16:creationId xmlns:a16="http://schemas.microsoft.com/office/drawing/2014/main" id="{E8AAE5F1-85B7-4C86-BEB9-1B7C6D47CF57}"/>
-                </a:ext>
-              </a:extLst>
-            </p:cNvPr>
-            <p:cNvSpPr/>
-            <p:nvPr/>
-          </p:nvSpPr>
-          <p:spPr bwMode="gray">
-            <a:xfrm>
-              <a:off x="11053577" y="4606083"/>
-              <a:ext cx="414216" cy="414216"/>
-            </a:xfrm>
-            <a:prstGeom prst="ellipse">
-              <a:avLst/>
-            </a:prstGeom>
-            <a:ln/>
-          </p:spPr>
-          <p:style>
-            <a:lnRef idx="2">
-              <a:schemeClr val="dk1"/>
-            </a:lnRef>
-            <a:fillRef idx="1">
-              <a:schemeClr val="lt1"/>
-            </a:fillRef>
-            <a:effectRef idx="0">
-              <a:schemeClr val="dk1"/>
-            </a:effectRef>
-            <a:fontRef idx="minor">
-              <a:schemeClr val="dk1"/>
-            </a:fontRef>
-          </p:style>
-          <p:txBody>
-            <a:bodyPr rot="0" spcFirstLastPara="0" vertOverflow="overflow" horzOverflow="overflow" vert="horz" wrap="square" lIns="108000" tIns="72000" rIns="108000" bIns="72000" numCol="1" spcCol="0" rtlCol="0" fromWordArt="0" anchor="ctr" anchorCtr="0" forceAA="0" compatLnSpc="1">
-              <a:prstTxWarp prst="textNoShape">
-                <a:avLst/>
-              </a:prstTxWarp>
-              <a:noAutofit/>
-            </a:bodyPr>
-            <a:lstStyle/>
-            <a:p>
-              <a:pPr algn="ctr">
-                <a:spcBef>
-                  <a:spcPts val="300"/>
-                </a:spcBef>
-                <a:spcAft>
-                  <a:spcPts val="300"/>
-                </a:spcAft>
-              </a:pPr>
-              <a:r>
-                <a:rPr lang="en-US" sz="1200" b="1" dirty="0">
-                  <a:solidFill>
-                    <a:schemeClr val="tx1"/>
-                  </a:solidFill>
-                </a:rPr>
-                <a:t>E</a:t>
-              </a:r>
-            </a:p>
-          </p:txBody>
-        </p:sp>
-        <p:sp>
-          <p:nvSpPr>
-            <p:cNvPr id="134" name="Oval 133">
-              <a:extLst>
-                <a:ext uri="{FF2B5EF4-FFF2-40B4-BE49-F238E27FC236}">
-                  <a16:creationId xmlns:a16="http://schemas.microsoft.com/office/drawing/2014/main" id="{78D1A6A9-D16D-49B2-9815-61A90D6BA784}"/>
-                </a:ext>
-              </a:extLst>
-            </p:cNvPr>
-            <p:cNvSpPr/>
-            <p:nvPr/>
-          </p:nvSpPr>
-          <p:spPr bwMode="gray">
-            <a:xfrm>
-              <a:off x="11652449" y="5207661"/>
-              <a:ext cx="414216" cy="414216"/>
-            </a:xfrm>
-            <a:prstGeom prst="ellipse">
-              <a:avLst/>
-            </a:prstGeom>
-            <a:ln/>
-          </p:spPr>
-          <p:style>
-            <a:lnRef idx="2">
-              <a:schemeClr val="dk1"/>
-            </a:lnRef>
-            <a:fillRef idx="1">
-              <a:schemeClr val="lt1"/>
-            </a:fillRef>
-            <a:effectRef idx="0">
-              <a:schemeClr val="dk1"/>
-            </a:effectRef>
-            <a:fontRef idx="minor">
-              <a:schemeClr val="dk1"/>
-            </a:fontRef>
-          </p:style>
-          <p:txBody>
-            <a:bodyPr rot="0" spcFirstLastPara="0" vertOverflow="overflow" horzOverflow="overflow" vert="horz" wrap="square" lIns="108000" tIns="72000" rIns="108000" bIns="72000" numCol="1" spcCol="0" rtlCol="0" fromWordArt="0" anchor="ctr" anchorCtr="0" forceAA="0" compatLnSpc="1">
-              <a:prstTxWarp prst="textNoShape">
-                <a:avLst/>
-              </a:prstTxWarp>
-              <a:noAutofit/>
-            </a:bodyPr>
-            <a:lstStyle/>
-            <a:p>
-              <a:pPr algn="ctr">
-                <a:spcBef>
-                  <a:spcPts val="300"/>
-                </a:spcBef>
-                <a:spcAft>
-                  <a:spcPts val="300"/>
-                </a:spcAft>
-              </a:pPr>
-              <a:r>
-                <a:rPr lang="en-US" sz="1200" b="1" dirty="0">
-                  <a:solidFill>
-                    <a:schemeClr val="tx1"/>
-                  </a:solidFill>
-                </a:rPr>
-                <a:t>F</a:t>
-              </a:r>
-            </a:p>
-          </p:txBody>
-        </p:sp>
-        <p:cxnSp>
-          <p:nvCxnSpPr>
-            <p:cNvPr id="135" name="Straight Arrow Connector 134">
-              <a:extLst>
-                <a:ext uri="{FF2B5EF4-FFF2-40B4-BE49-F238E27FC236}">
-                  <a16:creationId xmlns:a16="http://schemas.microsoft.com/office/drawing/2014/main" id="{D216BFB4-C471-4056-BA76-A8338A348616}"/>
-                </a:ext>
-              </a:extLst>
-            </p:cNvPr>
-            <p:cNvCxnSpPr>
-              <a:cxnSpLocks/>
-              <a:stCxn id="123" idx="0"/>
-              <a:endCxn id="132" idx="4"/>
-            </p:cNvCxnSpPr>
-            <p:nvPr/>
-          </p:nvCxnSpPr>
-          <p:spPr bwMode="gray">
-            <a:xfrm flipV="1">
-              <a:off x="11179204" y="5020299"/>
-              <a:ext cx="81481" cy="367018"/>
-            </a:xfrm>
-            <a:prstGeom prst="straightConnector1">
-              <a:avLst/>
-            </a:prstGeom>
-            <a:ln w="57150">
-              <a:solidFill>
-                <a:srgbClr val="00B050"/>
-              </a:solidFill>
-              <a:headEnd type="none" w="med" len="med"/>
-              <a:tailEnd type="none" w="med" len="med"/>
-            </a:ln>
-          </p:spPr>
-          <p:style>
-            <a:lnRef idx="1">
-              <a:schemeClr val="dk1"/>
-            </a:lnRef>
-            <a:fillRef idx="0">
-              <a:schemeClr val="dk1"/>
-            </a:fillRef>
-            <a:effectRef idx="0">
-              <a:schemeClr val="dk1"/>
-            </a:effectRef>
-            <a:fontRef idx="minor">
-              <a:schemeClr val="tx1"/>
-            </a:fontRef>
-          </p:style>
-        </p:cxnSp>
-        <p:cxnSp>
-          <p:nvCxnSpPr>
-            <p:cNvPr id="138" name="Straight Arrow Connector 137">
-              <a:extLst>
-                <a:ext uri="{FF2B5EF4-FFF2-40B4-BE49-F238E27FC236}">
-                  <a16:creationId xmlns:a16="http://schemas.microsoft.com/office/drawing/2014/main" id="{A123DD3C-E8B2-4596-BBA1-95567B26C529}"/>
-                </a:ext>
-              </a:extLst>
-            </p:cNvPr>
-            <p:cNvCxnSpPr>
-              <a:cxnSpLocks/>
-              <a:stCxn id="123" idx="7"/>
-              <a:endCxn id="134" idx="2"/>
-            </p:cNvCxnSpPr>
-            <p:nvPr/>
-          </p:nvCxnSpPr>
-          <p:spPr bwMode="gray">
-            <a:xfrm flipV="1">
-              <a:off x="11325651" y="5414769"/>
-              <a:ext cx="326798" cy="33209"/>
-            </a:xfrm>
-            <a:prstGeom prst="straightConnector1">
-              <a:avLst/>
-            </a:prstGeom>
-            <a:ln w="57150">
-              <a:solidFill>
-                <a:srgbClr val="00B050"/>
-              </a:solidFill>
-              <a:headEnd type="none" w="med" len="med"/>
-              <a:tailEnd type="none" w="med" len="med"/>
-            </a:ln>
-          </p:spPr>
-          <p:style>
-            <a:lnRef idx="1">
-              <a:schemeClr val="dk1"/>
-            </a:lnRef>
-            <a:fillRef idx="0">
-              <a:schemeClr val="dk1"/>
-            </a:fillRef>
-            <a:effectRef idx="0">
-              <a:schemeClr val="dk1"/>
-            </a:effectRef>
-            <a:fontRef idx="minor">
-              <a:schemeClr val="tx1"/>
-            </a:fontRef>
-          </p:style>
-        </p:cxnSp>
-        <p:cxnSp>
-          <p:nvCxnSpPr>
-            <p:cNvPr id="142" name="Straight Arrow Connector 141">
-              <a:extLst>
-                <a:ext uri="{FF2B5EF4-FFF2-40B4-BE49-F238E27FC236}">
-                  <a16:creationId xmlns:a16="http://schemas.microsoft.com/office/drawing/2014/main" id="{A8AEA477-2151-4CE6-9798-42DF722997CE}"/>
-                </a:ext>
-              </a:extLst>
-            </p:cNvPr>
-            <p:cNvCxnSpPr>
-              <a:cxnSpLocks/>
-              <a:stCxn id="132" idx="5"/>
-              <a:endCxn id="134" idx="1"/>
-            </p:cNvCxnSpPr>
-            <p:nvPr/>
-          </p:nvCxnSpPr>
-          <p:spPr bwMode="gray">
-            <a:xfrm>
-              <a:off x="11407132" y="4959638"/>
-              <a:ext cx="305978" cy="308684"/>
-            </a:xfrm>
-            <a:prstGeom prst="straightConnector1">
-              <a:avLst/>
-            </a:prstGeom>
-            <a:ln w="57150">
-              <a:solidFill>
-                <a:srgbClr val="00B050"/>
-              </a:solidFill>
-              <a:headEnd type="none" w="med" len="med"/>
-              <a:tailEnd type="none" w="med" len="med"/>
-            </a:ln>
-          </p:spPr>
-          <p:style>
-            <a:lnRef idx="1">
-              <a:schemeClr val="dk1"/>
-            </a:lnRef>
-            <a:fillRef idx="0">
-              <a:schemeClr val="dk1"/>
-            </a:fillRef>
-            <a:effectRef idx="0">
-              <a:schemeClr val="dk1"/>
-            </a:effectRef>
-            <a:fontRef idx="minor">
-              <a:schemeClr val="tx1"/>
-            </a:fontRef>
-          </p:style>
-        </p:cxnSp>
-        <p:cxnSp>
-          <p:nvCxnSpPr>
-            <p:cNvPr id="148" name="Straight Arrow Connector 147">
-              <a:extLst>
-                <a:ext uri="{FF2B5EF4-FFF2-40B4-BE49-F238E27FC236}">
-                  <a16:creationId xmlns:a16="http://schemas.microsoft.com/office/drawing/2014/main" id="{81C9E72E-ED2E-4DB6-B312-F5C9B18548DA}"/>
-                </a:ext>
-              </a:extLst>
-            </p:cNvPr>
-            <p:cNvCxnSpPr>
-              <a:cxnSpLocks/>
-              <a:stCxn id="122" idx="5"/>
-              <a:endCxn id="127" idx="2"/>
-            </p:cNvCxnSpPr>
-            <p:nvPr/>
-          </p:nvCxnSpPr>
-          <p:spPr bwMode="gray">
-            <a:xfrm>
-              <a:off x="10291743" y="6281791"/>
-              <a:ext cx="922422" cy="136130"/>
-            </a:xfrm>
-            <a:prstGeom prst="straightConnector1">
-              <a:avLst/>
-            </a:prstGeom>
-            <a:ln w="57150">
-              <a:solidFill>
-                <a:srgbClr val="0070C0"/>
-              </a:solidFill>
-              <a:headEnd type="none" w="med" len="med"/>
-              <a:tailEnd type="none" w="med" len="med"/>
-            </a:ln>
-          </p:spPr>
-          <p:style>
-            <a:lnRef idx="1">
-              <a:schemeClr val="dk1"/>
-            </a:lnRef>
-            <a:fillRef idx="0">
-              <a:schemeClr val="dk1"/>
-            </a:fillRef>
-            <a:effectRef idx="0">
-              <a:schemeClr val="dk1"/>
-            </a:effectRef>
-            <a:fontRef idx="minor">
-              <a:schemeClr val="tx1"/>
-            </a:fontRef>
-          </p:style>
-        </p:cxnSp>
-        <p:cxnSp>
-          <p:nvCxnSpPr>
-            <p:cNvPr id="151" name="Straight Arrow Connector 150">
-              <a:extLst>
-                <a:ext uri="{FF2B5EF4-FFF2-40B4-BE49-F238E27FC236}">
-                  <a16:creationId xmlns:a16="http://schemas.microsoft.com/office/drawing/2014/main" id="{284019F6-6B0A-454A-944E-270EB95331C2}"/>
-                </a:ext>
-              </a:extLst>
-            </p:cNvPr>
-            <p:cNvCxnSpPr>
-              <a:cxnSpLocks/>
-              <a:stCxn id="121" idx="5"/>
-              <a:endCxn id="127" idx="1"/>
-            </p:cNvCxnSpPr>
-            <p:nvPr/>
-          </p:nvCxnSpPr>
-          <p:spPr bwMode="gray">
-            <a:xfrm>
-              <a:off x="10291743" y="5354108"/>
-              <a:ext cx="983083" cy="917366"/>
-            </a:xfrm>
-            <a:prstGeom prst="straightConnector1">
-              <a:avLst/>
-            </a:prstGeom>
-            <a:ln w="57150">
-              <a:solidFill>
-                <a:srgbClr val="0070C0"/>
-              </a:solidFill>
-              <a:headEnd type="none" w="med" len="med"/>
-              <a:tailEnd type="none" w="med" len="med"/>
-            </a:ln>
-          </p:spPr>
-          <p:style>
-            <a:lnRef idx="1">
-              <a:schemeClr val="dk1"/>
-            </a:lnRef>
-            <a:fillRef idx="0">
-              <a:schemeClr val="dk1"/>
-            </a:fillRef>
-            <a:effectRef idx="0">
-              <a:schemeClr val="dk1"/>
-            </a:effectRef>
-            <a:fontRef idx="minor">
-              <a:schemeClr val="tx1"/>
-            </a:fontRef>
-          </p:style>
-        </p:cxnSp>
-      </p:grpSp>
-      <p:sp>
-        <p:nvSpPr>
-          <p:cNvPr id="156" name="TextBox 155">
-            <a:extLst>
-              <a:ext uri="{FF2B5EF4-FFF2-40B4-BE49-F238E27FC236}">
-                <a16:creationId xmlns:a16="http://schemas.microsoft.com/office/drawing/2014/main" id="{282A932B-FEC8-464C-93CF-DB7F37384F23}"/>
-              </a:ext>
-            </a:extLst>
-          </p:cNvPr>
-          <p:cNvSpPr txBox="1"/>
-          <p:nvPr/>
-        </p:nvSpPr>
-        <p:spPr bwMode="gray">
-          <a:xfrm>
-            <a:off x="9647770" y="4136198"/>
-            <a:ext cx="1963731" cy="439091"/>
-          </a:xfrm>
-          <a:prstGeom prst="rect">
-            <a:avLst/>
-          </a:prstGeom>
-          <a:noFill/>
-        </p:spPr>
-        <p:txBody>
-          <a:bodyPr wrap="square" lIns="0" tIns="0" rIns="0" bIns="0" rtlCol="0">
-            <a:noAutofit/>
-          </a:bodyPr>
-          <a:lstStyle/>
-          <a:p>
-            <a:pPr>
-              <a:spcBef>
-                <a:spcPts val="300"/>
-              </a:spcBef>
-              <a:spcAft>
-                <a:spcPts val="300"/>
-              </a:spcAft>
-              <a:buClr>
-                <a:schemeClr val="accent1"/>
-              </a:buClr>
-              <a:buSzPct val="90000"/>
-            </a:pPr>
-            <a:r>
-              <a:rPr lang="en-US" sz="1600" b="1" dirty="0"/>
-              <a:t>Cliques</a:t>
-            </a:r>
-            <a:endParaRPr lang="en-US" sz="1600" dirty="0"/>
-          </a:p>
-        </p:txBody>
-      </p:sp>
-      <p:sp>
-        <p:nvSpPr>
-          <p:cNvPr id="158" name="TextBox 157">
-            <a:extLst>
-              <a:ext uri="{FF2B5EF4-FFF2-40B4-BE49-F238E27FC236}">
-                <a16:creationId xmlns:a16="http://schemas.microsoft.com/office/drawing/2014/main" id="{834F5CDE-468F-484D-82E4-59A1DE1F6C87}"/>
-              </a:ext>
-            </a:extLst>
-          </p:cNvPr>
-          <p:cNvSpPr txBox="1"/>
-          <p:nvPr/>
-        </p:nvSpPr>
-        <p:spPr bwMode="gray">
-          <a:xfrm>
-            <a:off x="6831541" y="4136198"/>
-            <a:ext cx="1963731" cy="439091"/>
-          </a:xfrm>
-          <a:prstGeom prst="rect">
-            <a:avLst/>
-          </a:prstGeom>
-          <a:noFill/>
-        </p:spPr>
-        <p:txBody>
-          <a:bodyPr wrap="square" lIns="0" tIns="0" rIns="0" bIns="0" rtlCol="0">
-            <a:noAutofit/>
-          </a:bodyPr>
-          <a:lstStyle/>
-          <a:p>
-            <a:pPr>
-              <a:spcBef>
-                <a:spcPts val="300"/>
-              </a:spcBef>
-              <a:spcAft>
-                <a:spcPts val="300"/>
-              </a:spcAft>
-              <a:buClr>
-                <a:schemeClr val="accent1"/>
-              </a:buClr>
-              <a:buSzPct val="90000"/>
-            </a:pPr>
-            <a:r>
-              <a:rPr lang="en-US" sz="1600" b="1" dirty="0"/>
-              <a:t>Bipartite </a:t>
-            </a:r>
-            <a:endParaRPr lang="en-US" sz="1600" dirty="0"/>
-          </a:p>
-        </p:txBody>
-      </p:sp>
-      <p:grpSp>
-        <p:nvGrpSpPr>
-          <p:cNvPr id="180" name="Group 179">
-            <a:extLst>
-              <a:ext uri="{FF2B5EF4-FFF2-40B4-BE49-F238E27FC236}">
-                <a16:creationId xmlns:a16="http://schemas.microsoft.com/office/drawing/2014/main" id="{11C04404-37DD-4BCA-90B4-D00D8D4EF586}"/>
-              </a:ext>
-            </a:extLst>
-          </p:cNvPr>
-          <p:cNvGrpSpPr/>
-          <p:nvPr/>
-        </p:nvGrpSpPr>
-        <p:grpSpPr>
-          <a:xfrm>
-            <a:off x="6777113" y="4619415"/>
-            <a:ext cx="1690193" cy="1624476"/>
-            <a:chOff x="9834471" y="4657634"/>
-            <a:chExt cx="1690193" cy="1624476"/>
-          </a:xfrm>
-        </p:grpSpPr>
-        <p:sp>
-          <p:nvSpPr>
-            <p:cNvPr id="160" name="Oval 159">
-              <a:extLst>
-                <a:ext uri="{FF2B5EF4-FFF2-40B4-BE49-F238E27FC236}">
-                  <a16:creationId xmlns:a16="http://schemas.microsoft.com/office/drawing/2014/main" id="{FAD467B5-A4C7-4E0D-BE3C-00422E599F0C}"/>
-                </a:ext>
-              </a:extLst>
-            </p:cNvPr>
-            <p:cNvSpPr/>
-            <p:nvPr/>
-          </p:nvSpPr>
-          <p:spPr bwMode="gray">
-            <a:xfrm>
-              <a:off x="9834471" y="4657634"/>
-              <a:ext cx="414216" cy="414216"/>
-            </a:xfrm>
-            <a:prstGeom prst="ellipse">
-              <a:avLst/>
-            </a:prstGeom>
-            <a:ln/>
-          </p:spPr>
-          <p:style>
-            <a:lnRef idx="2">
-              <a:schemeClr val="dk1"/>
-            </a:lnRef>
-            <a:fillRef idx="1">
-              <a:schemeClr val="lt1"/>
-            </a:fillRef>
-            <a:effectRef idx="0">
-              <a:schemeClr val="dk1"/>
-            </a:effectRef>
-            <a:fontRef idx="minor">
-              <a:schemeClr val="dk1"/>
-            </a:fontRef>
-          </p:style>
-          <p:txBody>
-            <a:bodyPr rot="0" spcFirstLastPara="0" vertOverflow="overflow" horzOverflow="overflow" vert="horz" wrap="square" lIns="108000" tIns="72000" rIns="108000" bIns="72000" numCol="1" spcCol="0" rtlCol="0" fromWordArt="0" anchor="ctr" anchorCtr="0" forceAA="0" compatLnSpc="1">
-              <a:prstTxWarp prst="textNoShape">
-                <a:avLst/>
-              </a:prstTxWarp>
-              <a:noAutofit/>
-            </a:bodyPr>
-            <a:lstStyle/>
-            <a:p>
-              <a:pPr algn="ctr">
-                <a:spcBef>
-                  <a:spcPts val="300"/>
-                </a:spcBef>
-                <a:spcAft>
-                  <a:spcPts val="300"/>
-                </a:spcAft>
-              </a:pPr>
-              <a:r>
-                <a:rPr lang="en-US" sz="1200" b="1" dirty="0">
-                  <a:solidFill>
-                    <a:schemeClr val="tx1"/>
-                  </a:solidFill>
-                </a:rPr>
-                <a:t>A</a:t>
-              </a:r>
-            </a:p>
-          </p:txBody>
-        </p:sp>
-        <p:sp>
-          <p:nvSpPr>
-            <p:cNvPr id="161" name="Oval 160">
-              <a:extLst>
-                <a:ext uri="{FF2B5EF4-FFF2-40B4-BE49-F238E27FC236}">
-                  <a16:creationId xmlns:a16="http://schemas.microsoft.com/office/drawing/2014/main" id="{A53F104D-D710-45E1-8909-57FC086BD3ED}"/>
-                </a:ext>
-              </a:extLst>
-            </p:cNvPr>
-            <p:cNvSpPr/>
-            <p:nvPr/>
-          </p:nvSpPr>
-          <p:spPr bwMode="gray">
-            <a:xfrm>
-              <a:off x="9834471" y="5585317"/>
-              <a:ext cx="414216" cy="414216"/>
-            </a:xfrm>
-            <a:prstGeom prst="ellipse">
-              <a:avLst/>
-            </a:prstGeom>
-            <a:ln/>
-          </p:spPr>
-          <p:style>
-            <a:lnRef idx="2">
-              <a:schemeClr val="dk1"/>
-            </a:lnRef>
-            <a:fillRef idx="1">
-              <a:schemeClr val="lt1"/>
-            </a:fillRef>
-            <a:effectRef idx="0">
-              <a:schemeClr val="dk1"/>
-            </a:effectRef>
-            <a:fontRef idx="minor">
-              <a:schemeClr val="dk1"/>
-            </a:fontRef>
-          </p:style>
-          <p:txBody>
-            <a:bodyPr rot="0" spcFirstLastPara="0" vertOverflow="overflow" horzOverflow="overflow" vert="horz" wrap="square" lIns="108000" tIns="72000" rIns="108000" bIns="72000" numCol="1" spcCol="0" rtlCol="0" fromWordArt="0" anchor="ctr" anchorCtr="0" forceAA="0" compatLnSpc="1">
-              <a:prstTxWarp prst="textNoShape">
-                <a:avLst/>
-              </a:prstTxWarp>
-              <a:noAutofit/>
-            </a:bodyPr>
-            <a:lstStyle/>
-            <a:p>
-              <a:pPr algn="ctr">
-                <a:spcBef>
-                  <a:spcPts val="300"/>
-                </a:spcBef>
-                <a:spcAft>
-                  <a:spcPts val="300"/>
-                </a:spcAft>
-              </a:pPr>
-              <a:r>
-                <a:rPr lang="en-US" sz="1200" b="1" dirty="0">
-                  <a:solidFill>
-                    <a:schemeClr val="tx1"/>
-                  </a:solidFill>
-                </a:rPr>
-                <a:t>C</a:t>
-              </a:r>
-            </a:p>
-          </p:txBody>
-        </p:sp>
-        <p:sp>
-          <p:nvSpPr>
-            <p:cNvPr id="162" name="Oval 161">
-              <a:extLst>
-                <a:ext uri="{FF2B5EF4-FFF2-40B4-BE49-F238E27FC236}">
-                  <a16:creationId xmlns:a16="http://schemas.microsoft.com/office/drawing/2014/main" id="{D5E1932B-CE68-405B-A764-D11631B561DE}"/>
-                </a:ext>
-              </a:extLst>
-            </p:cNvPr>
-            <p:cNvSpPr/>
-            <p:nvPr/>
-          </p:nvSpPr>
-          <p:spPr bwMode="gray">
-            <a:xfrm>
-              <a:off x="10868379" y="5044398"/>
-              <a:ext cx="414216" cy="414216"/>
-            </a:xfrm>
-            <a:prstGeom prst="ellipse">
-              <a:avLst/>
-            </a:prstGeom>
-            <a:solidFill>
-              <a:schemeClr val="tx1">
-                <a:lumMod val="10000"/>
-                <a:lumOff val="90000"/>
-              </a:schemeClr>
-            </a:solidFill>
-            <a:ln/>
-          </p:spPr>
-          <p:style>
-            <a:lnRef idx="2">
-              <a:schemeClr val="dk1"/>
-            </a:lnRef>
-            <a:fillRef idx="1">
-              <a:schemeClr val="lt1"/>
-            </a:fillRef>
-            <a:effectRef idx="0">
-              <a:schemeClr val="dk1"/>
-            </a:effectRef>
-            <a:fontRef idx="minor">
-              <a:schemeClr val="dk1"/>
-            </a:fontRef>
-          </p:style>
-          <p:txBody>
-            <a:bodyPr rot="0" spcFirstLastPara="0" vertOverflow="overflow" horzOverflow="overflow" vert="horz" wrap="square" lIns="108000" tIns="72000" rIns="108000" bIns="72000" numCol="1" spcCol="0" rtlCol="0" fromWordArt="0" anchor="ctr" anchorCtr="0" forceAA="0" compatLnSpc="1">
-              <a:prstTxWarp prst="textNoShape">
-                <a:avLst/>
-              </a:prstTxWarp>
-              <a:noAutofit/>
-            </a:bodyPr>
-            <a:lstStyle/>
-            <a:p>
-              <a:pPr algn="ctr">
-                <a:spcBef>
-                  <a:spcPts val="300"/>
-                </a:spcBef>
-                <a:spcAft>
-                  <a:spcPts val="300"/>
-                </a:spcAft>
-              </a:pPr>
-              <a:r>
-                <a:rPr lang="en-US" sz="1200" b="1" dirty="0">
-                  <a:solidFill>
-                    <a:schemeClr val="tx1"/>
-                  </a:solidFill>
-                </a:rPr>
-                <a:t>B</a:t>
-              </a:r>
-            </a:p>
-          </p:txBody>
-        </p:sp>
-        <p:cxnSp>
-          <p:nvCxnSpPr>
-            <p:cNvPr id="163" name="Straight Arrow Connector 162">
-              <a:extLst>
-                <a:ext uri="{FF2B5EF4-FFF2-40B4-BE49-F238E27FC236}">
-                  <a16:creationId xmlns:a16="http://schemas.microsoft.com/office/drawing/2014/main" id="{A3AFFED6-810C-494B-AEB7-AE324589D979}"/>
-                </a:ext>
-              </a:extLst>
-            </p:cNvPr>
-            <p:cNvCxnSpPr>
-              <a:cxnSpLocks/>
-              <a:stCxn id="160" idx="6"/>
-              <a:endCxn id="162" idx="1"/>
-            </p:cNvCxnSpPr>
-            <p:nvPr/>
-          </p:nvCxnSpPr>
-          <p:spPr bwMode="gray">
-            <a:xfrm>
-              <a:off x="10248687" y="4864742"/>
-              <a:ext cx="680353" cy="240317"/>
-            </a:xfrm>
-            <a:prstGeom prst="straightConnector1">
-              <a:avLst/>
-            </a:prstGeom>
-            <a:ln>
-              <a:headEnd type="none" w="med" len="med"/>
-              <a:tailEnd type="none" w="med" len="med"/>
-            </a:ln>
-          </p:spPr>
-          <p:style>
-            <a:lnRef idx="1">
-              <a:schemeClr val="dk1"/>
-            </a:lnRef>
-            <a:fillRef idx="0">
-              <a:schemeClr val="dk1"/>
-            </a:fillRef>
-            <a:effectRef idx="0">
-              <a:schemeClr val="dk1"/>
-            </a:effectRef>
-            <a:fontRef idx="minor">
-              <a:schemeClr val="tx1"/>
-            </a:fontRef>
-          </p:style>
-        </p:cxnSp>
-        <p:cxnSp>
-          <p:nvCxnSpPr>
-            <p:cNvPr id="165" name="Straight Arrow Connector 164">
-              <a:extLst>
-                <a:ext uri="{FF2B5EF4-FFF2-40B4-BE49-F238E27FC236}">
-                  <a16:creationId xmlns:a16="http://schemas.microsoft.com/office/drawing/2014/main" id="{370B0507-04DA-43B7-8F97-AAA6E25A0A83}"/>
-                </a:ext>
-              </a:extLst>
-            </p:cNvPr>
-            <p:cNvCxnSpPr>
-              <a:cxnSpLocks/>
-              <a:stCxn id="161" idx="6"/>
-              <a:endCxn id="162" idx="3"/>
-            </p:cNvCxnSpPr>
-            <p:nvPr/>
-          </p:nvCxnSpPr>
-          <p:spPr bwMode="gray">
-            <a:xfrm flipV="1">
-              <a:off x="10248687" y="5397953"/>
-              <a:ext cx="680353" cy="394472"/>
-            </a:xfrm>
-            <a:prstGeom prst="straightConnector1">
-              <a:avLst/>
-            </a:prstGeom>
-            <a:ln>
-              <a:headEnd type="none" w="med" len="med"/>
-              <a:tailEnd type="none" w="med" len="med"/>
-            </a:ln>
-          </p:spPr>
-          <p:style>
-            <a:lnRef idx="1">
-              <a:schemeClr val="dk1"/>
-            </a:lnRef>
-            <a:fillRef idx="0">
-              <a:schemeClr val="dk1"/>
-            </a:fillRef>
-            <a:effectRef idx="0">
-              <a:schemeClr val="dk1"/>
-            </a:effectRef>
-            <a:fontRef idx="minor">
-              <a:schemeClr val="tx1"/>
-            </a:fontRef>
-          </p:style>
-        </p:cxnSp>
-        <p:sp>
-          <p:nvSpPr>
-            <p:cNvPr id="166" name="Oval 165">
-              <a:extLst>
-                <a:ext uri="{FF2B5EF4-FFF2-40B4-BE49-F238E27FC236}">
-                  <a16:creationId xmlns:a16="http://schemas.microsoft.com/office/drawing/2014/main" id="{7CACBEAD-38BB-4632-9AE5-E22CECD2B9C2}"/>
-                </a:ext>
-              </a:extLst>
-            </p:cNvPr>
-            <p:cNvSpPr/>
-            <p:nvPr/>
-          </p:nvSpPr>
-          <p:spPr bwMode="gray">
-            <a:xfrm>
-              <a:off x="11110448" y="5867894"/>
-              <a:ext cx="414216" cy="414216"/>
-            </a:xfrm>
-            <a:prstGeom prst="ellipse">
-              <a:avLst/>
-            </a:prstGeom>
-            <a:solidFill>
-              <a:schemeClr val="tx1">
-                <a:lumMod val="10000"/>
-                <a:lumOff val="90000"/>
-              </a:schemeClr>
-            </a:solidFill>
-            <a:ln/>
-          </p:spPr>
-          <p:style>
-            <a:lnRef idx="2">
-              <a:schemeClr val="dk1"/>
-            </a:lnRef>
-            <a:fillRef idx="1">
-              <a:schemeClr val="lt1"/>
-            </a:fillRef>
-            <a:effectRef idx="0">
-              <a:schemeClr val="dk1"/>
-            </a:effectRef>
-            <a:fontRef idx="minor">
-              <a:schemeClr val="dk1"/>
-            </a:fontRef>
-          </p:style>
-          <p:txBody>
-            <a:bodyPr rot="0" spcFirstLastPara="0" vertOverflow="overflow" horzOverflow="overflow" vert="horz" wrap="square" lIns="108000" tIns="72000" rIns="108000" bIns="72000" numCol="1" spcCol="0" rtlCol="0" fromWordArt="0" anchor="ctr" anchorCtr="0" forceAA="0" compatLnSpc="1">
-              <a:prstTxWarp prst="textNoShape">
-                <a:avLst/>
-              </a:prstTxWarp>
-              <a:noAutofit/>
-            </a:bodyPr>
-            <a:lstStyle/>
-            <a:p>
-              <a:pPr algn="ctr">
-                <a:spcBef>
-                  <a:spcPts val="300"/>
-                </a:spcBef>
-                <a:spcAft>
-                  <a:spcPts val="300"/>
-                </a:spcAft>
-              </a:pPr>
-              <a:r>
-                <a:rPr lang="en-US" sz="1200" b="1" dirty="0">
-                  <a:solidFill>
-                    <a:schemeClr val="tx1"/>
-                  </a:solidFill>
-                </a:rPr>
-                <a:t>D</a:t>
-              </a:r>
-            </a:p>
-          </p:txBody>
-        </p:sp>
-        <p:cxnSp>
-          <p:nvCxnSpPr>
-            <p:cNvPr id="167" name="Straight Arrow Connector 166">
-              <a:extLst>
-                <a:ext uri="{FF2B5EF4-FFF2-40B4-BE49-F238E27FC236}">
-                  <a16:creationId xmlns:a16="http://schemas.microsoft.com/office/drawing/2014/main" id="{FF461F42-CE0F-4FF8-A613-44EAE76A668F}"/>
-                </a:ext>
-              </a:extLst>
-            </p:cNvPr>
-            <p:cNvCxnSpPr>
-              <a:cxnSpLocks/>
-              <a:stCxn id="161" idx="5"/>
-              <a:endCxn id="166" idx="2"/>
-            </p:cNvCxnSpPr>
-            <p:nvPr/>
-          </p:nvCxnSpPr>
-          <p:spPr bwMode="gray">
-            <a:xfrm>
-              <a:off x="10188026" y="5938872"/>
-              <a:ext cx="922422" cy="136130"/>
-            </a:xfrm>
-            <a:prstGeom prst="straightConnector1">
-              <a:avLst/>
-            </a:prstGeom>
-            <a:ln>
-              <a:headEnd type="none" w="med" len="med"/>
-              <a:tailEnd type="none" w="med" len="med"/>
-            </a:ln>
-          </p:spPr>
-          <p:style>
-            <a:lnRef idx="1">
-              <a:schemeClr val="dk1"/>
-            </a:lnRef>
-            <a:fillRef idx="0">
-              <a:schemeClr val="dk1"/>
-            </a:fillRef>
-            <a:effectRef idx="0">
-              <a:schemeClr val="dk1"/>
-            </a:effectRef>
-            <a:fontRef idx="minor">
-              <a:schemeClr val="tx1"/>
-            </a:fontRef>
-          </p:style>
-        </p:cxnSp>
-        <p:cxnSp>
-          <p:nvCxnSpPr>
-            <p:cNvPr id="169" name="Straight Arrow Connector 168">
-              <a:extLst>
-                <a:ext uri="{FF2B5EF4-FFF2-40B4-BE49-F238E27FC236}">
-                  <a16:creationId xmlns:a16="http://schemas.microsoft.com/office/drawing/2014/main" id="{E21DBC84-A9DD-4CE4-B1B0-8D156D4DAAFF}"/>
-                </a:ext>
-              </a:extLst>
-            </p:cNvPr>
-            <p:cNvCxnSpPr>
-              <a:cxnSpLocks/>
-              <a:stCxn id="160" idx="5"/>
-              <a:endCxn id="166" idx="1"/>
-            </p:cNvCxnSpPr>
-            <p:nvPr/>
-          </p:nvCxnSpPr>
-          <p:spPr bwMode="gray">
-            <a:xfrm>
-              <a:off x="10188026" y="5011189"/>
-              <a:ext cx="983083" cy="917366"/>
-            </a:xfrm>
-            <a:prstGeom prst="straightConnector1">
-              <a:avLst/>
-            </a:prstGeom>
-            <a:ln>
-              <a:headEnd type="none" w="med" len="med"/>
-              <a:tailEnd type="none" w="med" len="med"/>
-            </a:ln>
-          </p:spPr>
-          <p:style>
-            <a:lnRef idx="1">
-              <a:schemeClr val="dk1"/>
-            </a:lnRef>
-            <a:fillRef idx="0">
-              <a:schemeClr val="dk1"/>
-            </a:fillRef>
-            <a:effectRef idx="0">
-              <a:schemeClr val="dk1"/>
-            </a:effectRef>
-            <a:fontRef idx="minor">
-              <a:schemeClr val="tx1"/>
-            </a:fontRef>
-          </p:style>
-        </p:cxnSp>
-      </p:grpSp>
-      <p:cxnSp>
-        <p:nvCxnSpPr>
-          <p:cNvPr id="184" name="Connector: Elbow 183">
-            <a:extLst>
-              <a:ext uri="{FF2B5EF4-FFF2-40B4-BE49-F238E27FC236}">
-                <a16:creationId xmlns:a16="http://schemas.microsoft.com/office/drawing/2014/main" id="{98F56945-5436-4869-BBF0-F95474AD7C10}"/>
-              </a:ext>
-            </a:extLst>
-          </p:cNvPr>
-          <p:cNvCxnSpPr>
-            <a:cxnSpLocks/>
-            <a:stCxn id="11" idx="0"/>
-            <a:endCxn id="11" idx="6"/>
-          </p:cNvCxnSpPr>
-          <p:nvPr/>
-        </p:nvCxnSpPr>
-        <p:spPr bwMode="gray">
-          <a:xfrm rot="16200000" flipH="1">
-            <a:off x="1984768" y="2009328"/>
-            <a:ext cx="207108" cy="207108"/>
-          </a:xfrm>
-          <a:prstGeom prst="bentConnector4">
-            <a:avLst>
-              <a:gd name="adj1" fmla="val -110377"/>
-              <a:gd name="adj2" fmla="val 210377"/>
-            </a:avLst>
-          </a:prstGeom>
-          <a:ln>
-            <a:tailEnd type="triangle"/>
-          </a:ln>
-        </p:spPr>
-        <p:style>
-          <a:lnRef idx="1">
-            <a:schemeClr val="dk1"/>
-          </a:lnRef>
-          <a:fillRef idx="0">
-            <a:schemeClr val="dk1"/>
-          </a:fillRef>
-          <a:effectRef idx="0">
-            <a:schemeClr val="dk1"/>
-          </a:effectRef>
-          <a:fontRef idx="minor">
-            <a:schemeClr val="tx1"/>
-          </a:fontRef>
-        </p:style>
-      </p:cxnSp>
-      <p:grpSp>
-        <p:nvGrpSpPr>
-          <p:cNvPr id="210" name="Group 209">
-            <a:extLst>
-              <a:ext uri="{FF2B5EF4-FFF2-40B4-BE49-F238E27FC236}">
-                <a16:creationId xmlns:a16="http://schemas.microsoft.com/office/drawing/2014/main" id="{2C473725-C60C-47DF-B6F1-71D0E421170F}"/>
-              </a:ext>
-            </a:extLst>
-          </p:cNvPr>
-          <p:cNvGrpSpPr/>
-          <p:nvPr/>
-        </p:nvGrpSpPr>
-        <p:grpSpPr>
-          <a:xfrm>
-            <a:off x="9752021" y="4821809"/>
-            <a:ext cx="2291594" cy="2048187"/>
-            <a:chOff x="9752021" y="4821809"/>
-            <a:chExt cx="2291594" cy="2048187"/>
-          </a:xfrm>
-        </p:grpSpPr>
-        <p:grpSp>
-          <p:nvGrpSpPr>
-            <p:cNvPr id="208" name="Group 207">
-              <a:extLst>
-                <a:ext uri="{FF2B5EF4-FFF2-40B4-BE49-F238E27FC236}">
-                  <a16:creationId xmlns:a16="http://schemas.microsoft.com/office/drawing/2014/main" id="{E1F40474-6092-427E-AB1D-0A116994B48A}"/>
-                </a:ext>
-              </a:extLst>
-            </p:cNvPr>
-            <p:cNvGrpSpPr/>
-            <p:nvPr/>
-          </p:nvGrpSpPr>
-          <p:grpSpPr>
-            <a:xfrm>
-              <a:off x="9843135" y="4821809"/>
-              <a:ext cx="1694882" cy="1623448"/>
-              <a:chOff x="9843135" y="4821809"/>
-              <a:chExt cx="1694882" cy="1623448"/>
-            </a:xfrm>
-          </p:grpSpPr>
-          <p:grpSp>
-            <p:nvGrpSpPr>
-              <p:cNvPr id="207" name="Group 206">
-                <a:extLst>
-                  <a:ext uri="{FF2B5EF4-FFF2-40B4-BE49-F238E27FC236}">
-                    <a16:creationId xmlns:a16="http://schemas.microsoft.com/office/drawing/2014/main" id="{CCFD9149-9DE8-416E-8B20-41E1F4052C77}"/>
-                  </a:ext>
-                </a:extLst>
-              </p:cNvPr>
-              <p:cNvGrpSpPr/>
-              <p:nvPr/>
-            </p:nvGrpSpPr>
-            <p:grpSpPr>
-              <a:xfrm>
-                <a:off x="9843135" y="4821809"/>
-                <a:ext cx="1468899" cy="785950"/>
-                <a:chOff x="9843135" y="4821809"/>
-                <a:chExt cx="1468899" cy="785950"/>
-              </a:xfrm>
-            </p:grpSpPr>
-            <p:sp>
-              <p:nvSpPr>
-                <p:cNvPr id="189" name="Oval 188">
-                  <a:extLst>
-                    <a:ext uri="{FF2B5EF4-FFF2-40B4-BE49-F238E27FC236}">
-                      <a16:creationId xmlns:a16="http://schemas.microsoft.com/office/drawing/2014/main" id="{1F6D6A73-5ECF-4F89-92E5-191631E1B929}"/>
-                    </a:ext>
-                  </a:extLst>
-                </p:cNvPr>
-                <p:cNvSpPr/>
-                <p:nvPr/>
-              </p:nvSpPr>
-              <p:spPr bwMode="gray">
-                <a:xfrm>
-                  <a:off x="9843135" y="4821809"/>
-                  <a:ext cx="414216" cy="414216"/>
-                </a:xfrm>
-                <a:prstGeom prst="ellipse">
-                  <a:avLst/>
-                </a:prstGeom>
-                <a:noFill/>
-                <a:ln/>
-              </p:spPr>
-              <p:style>
-                <a:lnRef idx="2">
-                  <a:schemeClr val="accent1"/>
-                </a:lnRef>
-                <a:fillRef idx="1">
-                  <a:schemeClr val="lt1"/>
-                </a:fillRef>
-                <a:effectRef idx="0">
-                  <a:schemeClr val="accent1"/>
-                </a:effectRef>
-                <a:fontRef idx="minor">
-                  <a:schemeClr val="dk1"/>
-                </a:fontRef>
-              </p:style>
-              <p:txBody>
-                <a:bodyPr rot="0" spcFirstLastPara="0" vertOverflow="overflow" horzOverflow="overflow" vert="horz" wrap="square" lIns="108000" tIns="72000" rIns="108000" bIns="72000" numCol="1" spcCol="0" rtlCol="0" fromWordArt="0" anchor="ctr" anchorCtr="0" forceAA="0" compatLnSpc="1">
-                  <a:prstTxWarp prst="textNoShape">
-                    <a:avLst/>
-                  </a:prstTxWarp>
-                  <a:noAutofit/>
-                </a:bodyPr>
-                <a:lstStyle/>
-                <a:p>
-                  <a:pPr algn="ctr">
-                    <a:spcBef>
-                      <a:spcPts val="300"/>
-                    </a:spcBef>
-                    <a:spcAft>
-                      <a:spcPts val="300"/>
-                    </a:spcAft>
-                  </a:pPr>
-                  <a:endParaRPr lang="en-US" sz="1200" b="1" dirty="0">
-                    <a:solidFill>
-                      <a:schemeClr val="tx1"/>
-                    </a:solidFill>
-                  </a:endParaRPr>
-                </a:p>
-              </p:txBody>
-            </p:sp>
-            <p:sp>
-              <p:nvSpPr>
-                <p:cNvPr id="203" name="Oval 202">
-                  <a:extLst>
-                    <a:ext uri="{FF2B5EF4-FFF2-40B4-BE49-F238E27FC236}">
-                      <a16:creationId xmlns:a16="http://schemas.microsoft.com/office/drawing/2014/main" id="{A44CF79F-1645-4B51-87D4-DD20E8CD1800}"/>
-                    </a:ext>
-                  </a:extLst>
-                </p:cNvPr>
-                <p:cNvSpPr/>
-                <p:nvPr/>
-              </p:nvSpPr>
-              <p:spPr bwMode="gray">
-                <a:xfrm>
-                  <a:off x="10897818" y="5193543"/>
-                  <a:ext cx="414216" cy="414216"/>
-                </a:xfrm>
-                <a:prstGeom prst="ellipse">
-                  <a:avLst/>
-                </a:prstGeom>
-                <a:solidFill>
-                  <a:srgbClr val="FF5050">
-                    <a:alpha val="20000"/>
-                  </a:srgbClr>
-                </a:solidFill>
-                <a:ln/>
-              </p:spPr>
-              <p:style>
-                <a:lnRef idx="2">
-                  <a:schemeClr val="dk1"/>
-                </a:lnRef>
-                <a:fillRef idx="1">
-                  <a:schemeClr val="lt1"/>
-                </a:fillRef>
-                <a:effectRef idx="0">
-                  <a:schemeClr val="dk1"/>
-                </a:effectRef>
-                <a:fontRef idx="minor">
-                  <a:schemeClr val="dk1"/>
-                </a:fontRef>
-              </p:style>
-              <p:txBody>
-                <a:bodyPr rot="0" spcFirstLastPara="0" vertOverflow="overflow" horzOverflow="overflow" vert="horz" wrap="square" lIns="108000" tIns="72000" rIns="108000" bIns="72000" numCol="1" spcCol="0" rtlCol="0" fromWordArt="0" anchor="ctr" anchorCtr="0" forceAA="0" compatLnSpc="1">
-                  <a:prstTxWarp prst="textNoShape">
-                    <a:avLst/>
-                  </a:prstTxWarp>
-                  <a:noAutofit/>
-                </a:bodyPr>
-                <a:lstStyle/>
-                <a:p>
-                  <a:pPr algn="ctr">
-                    <a:spcBef>
-                      <a:spcPts val="300"/>
-                    </a:spcBef>
-                    <a:spcAft>
-                      <a:spcPts val="300"/>
-                    </a:spcAft>
-                  </a:pPr>
-                  <a:endParaRPr lang="en-US" sz="1200" b="1" dirty="0">
-                    <a:solidFill>
-                      <a:schemeClr val="tx1"/>
-                    </a:solidFill>
-                  </a:endParaRPr>
-                </a:p>
-              </p:txBody>
-            </p:sp>
-          </p:grpSp>
-          <p:grpSp>
-            <p:nvGrpSpPr>
-              <p:cNvPr id="206" name="Group 205">
-                <a:extLst>
-                  <a:ext uri="{FF2B5EF4-FFF2-40B4-BE49-F238E27FC236}">
-                    <a16:creationId xmlns:a16="http://schemas.microsoft.com/office/drawing/2014/main" id="{6C7C7C1D-B344-473B-AD5D-E71ECD38C76A}"/>
-                  </a:ext>
-                </a:extLst>
-              </p:cNvPr>
-              <p:cNvGrpSpPr/>
-              <p:nvPr/>
-            </p:nvGrpSpPr>
-            <p:grpSpPr>
-              <a:xfrm>
-                <a:off x="9859022" y="5732665"/>
-                <a:ext cx="1678995" cy="712592"/>
-                <a:chOff x="9859022" y="5732665"/>
-                <a:chExt cx="1678995" cy="712592"/>
-              </a:xfrm>
-            </p:grpSpPr>
-            <p:sp>
-              <p:nvSpPr>
-                <p:cNvPr id="201" name="Oval 200">
-                  <a:extLst>
-                    <a:ext uri="{FF2B5EF4-FFF2-40B4-BE49-F238E27FC236}">
-                      <a16:creationId xmlns:a16="http://schemas.microsoft.com/office/drawing/2014/main" id="{62EBD0C5-C54B-446C-882F-88702DF568AE}"/>
-                    </a:ext>
-                  </a:extLst>
-                </p:cNvPr>
-                <p:cNvSpPr/>
-                <p:nvPr/>
-              </p:nvSpPr>
-              <p:spPr bwMode="gray">
-                <a:xfrm>
-                  <a:off x="9859022" y="5732665"/>
-                  <a:ext cx="414216" cy="414216"/>
-                </a:xfrm>
-                <a:prstGeom prst="ellipse">
-                  <a:avLst/>
-                </a:prstGeom>
-                <a:solidFill>
-                  <a:srgbClr val="FF5050">
-                    <a:alpha val="20000"/>
-                  </a:srgbClr>
-                </a:solidFill>
-                <a:ln/>
-              </p:spPr>
-              <p:style>
-                <a:lnRef idx="2">
-                  <a:schemeClr val="dk1"/>
-                </a:lnRef>
-                <a:fillRef idx="1">
-                  <a:schemeClr val="lt1"/>
-                </a:fillRef>
-                <a:effectRef idx="0">
-                  <a:schemeClr val="dk1"/>
-                </a:effectRef>
-                <a:fontRef idx="minor">
-                  <a:schemeClr val="dk1"/>
-                </a:fontRef>
-              </p:style>
-              <p:txBody>
-                <a:bodyPr rot="0" spcFirstLastPara="0" vertOverflow="overflow" horzOverflow="overflow" vert="horz" wrap="square" lIns="108000" tIns="72000" rIns="108000" bIns="72000" numCol="1" spcCol="0" rtlCol="0" fromWordArt="0" anchor="ctr" anchorCtr="0" forceAA="0" compatLnSpc="1">
-                  <a:prstTxWarp prst="textNoShape">
-                    <a:avLst/>
-                  </a:prstTxWarp>
-                  <a:noAutofit/>
-                </a:bodyPr>
-                <a:lstStyle/>
-                <a:p>
-                  <a:pPr algn="ctr">
-                    <a:spcBef>
-                      <a:spcPts val="300"/>
-                    </a:spcBef>
-                    <a:spcAft>
-                      <a:spcPts val="300"/>
-                    </a:spcAft>
-                  </a:pPr>
-                  <a:endParaRPr lang="en-US" sz="1200" b="1" dirty="0">
-                    <a:solidFill>
-                      <a:schemeClr val="tx1"/>
-                    </a:solidFill>
-                  </a:endParaRPr>
-                </a:p>
-              </p:txBody>
-            </p:sp>
-            <p:sp>
-              <p:nvSpPr>
-                <p:cNvPr id="205" name="Oval 204">
-                  <a:extLst>
-                    <a:ext uri="{FF2B5EF4-FFF2-40B4-BE49-F238E27FC236}">
-                      <a16:creationId xmlns:a16="http://schemas.microsoft.com/office/drawing/2014/main" id="{C6DEEC99-F488-4D42-8503-84C2FE501DF8}"/>
-                    </a:ext>
-                  </a:extLst>
-                </p:cNvPr>
-                <p:cNvSpPr/>
-                <p:nvPr/>
-              </p:nvSpPr>
-              <p:spPr bwMode="gray">
-                <a:xfrm>
-                  <a:off x="11123801" y="6031041"/>
-                  <a:ext cx="414216" cy="414216"/>
-                </a:xfrm>
-                <a:prstGeom prst="ellipse">
-                  <a:avLst/>
-                </a:prstGeom>
-                <a:solidFill>
-                  <a:srgbClr val="FF5050">
-                    <a:alpha val="20000"/>
-                  </a:srgbClr>
-                </a:solidFill>
-                <a:ln/>
-              </p:spPr>
-              <p:style>
-                <a:lnRef idx="2">
-                  <a:schemeClr val="dk1"/>
-                </a:lnRef>
-                <a:fillRef idx="1">
-                  <a:schemeClr val="lt1"/>
-                </a:fillRef>
-                <a:effectRef idx="0">
-                  <a:schemeClr val="dk1"/>
-                </a:effectRef>
-                <a:fontRef idx="minor">
-                  <a:schemeClr val="dk1"/>
-                </a:fontRef>
-              </p:style>
-              <p:txBody>
-                <a:bodyPr rot="0" spcFirstLastPara="0" vertOverflow="overflow" horzOverflow="overflow" vert="horz" wrap="square" lIns="108000" tIns="72000" rIns="108000" bIns="72000" numCol="1" spcCol="0" rtlCol="0" fromWordArt="0" anchor="ctr" anchorCtr="0" forceAA="0" compatLnSpc="1">
-                  <a:prstTxWarp prst="textNoShape">
-                    <a:avLst/>
-                  </a:prstTxWarp>
-                  <a:noAutofit/>
-                </a:bodyPr>
-                <a:lstStyle/>
-                <a:p>
-                  <a:pPr algn="ctr">
-                    <a:spcBef>
-                      <a:spcPts val="300"/>
-                    </a:spcBef>
-                    <a:spcAft>
-                      <a:spcPts val="300"/>
-                    </a:spcAft>
-                  </a:pPr>
-                  <a:endParaRPr lang="en-US" sz="1200" b="1" dirty="0">
-                    <a:solidFill>
-                      <a:schemeClr val="tx1"/>
-                    </a:solidFill>
-                  </a:endParaRPr>
-                </a:p>
-              </p:txBody>
-            </p:sp>
-          </p:grpSp>
-        </p:grpSp>
-        <p:sp>
-          <p:nvSpPr>
-            <p:cNvPr id="209" name="TextBox 208">
-              <a:extLst>
-                <a:ext uri="{FF2B5EF4-FFF2-40B4-BE49-F238E27FC236}">
-                  <a16:creationId xmlns:a16="http://schemas.microsoft.com/office/drawing/2014/main" id="{125646ED-93F2-405D-BD5A-6CC0685E86E8}"/>
-                </a:ext>
-              </a:extLst>
-            </p:cNvPr>
-            <p:cNvSpPr txBox="1"/>
-            <p:nvPr/>
-          </p:nvSpPr>
-          <p:spPr bwMode="gray">
-            <a:xfrm>
-              <a:off x="9752021" y="6529088"/>
-              <a:ext cx="2291594" cy="340908"/>
-            </a:xfrm>
-            <a:prstGeom prst="rect">
-              <a:avLst/>
-            </a:prstGeom>
-            <a:noFill/>
-          </p:spPr>
-          <p:txBody>
-            <a:bodyPr wrap="square" lIns="0" tIns="0" rIns="0" bIns="0" rtlCol="0">
-              <a:noAutofit/>
-            </a:bodyPr>
-            <a:lstStyle/>
-            <a:p>
-              <a:pPr>
-                <a:spcBef>
-                  <a:spcPts val="300"/>
-                </a:spcBef>
-                <a:spcAft>
-                  <a:spcPts val="300"/>
-                </a:spcAft>
-                <a:buClr>
-                  <a:schemeClr val="accent1"/>
-                </a:buClr>
-                <a:buSzPct val="90000"/>
-              </a:pPr>
-              <a:r>
-                <a:rPr lang="en-US" sz="1600" b="1" dirty="0">
-                  <a:solidFill>
-                    <a:srgbClr val="C00000"/>
-                  </a:solidFill>
-                </a:rPr>
-                <a:t>Ego network of A</a:t>
-              </a:r>
-            </a:p>
-          </p:txBody>
-        </p:sp>
-      </p:grpSp>
-    </p:spTree>
-    <p:extLst>
-      <p:ext uri="{BB962C8B-B14F-4D97-AF65-F5344CB8AC3E}">
-        <p14:creationId xmlns:p14="http://schemas.microsoft.com/office/powerpoint/2010/main" val="3142484786"/>
-      </p:ext>
-    </p:extLst>
-  </p:cSld>
-  <p:clrMapOvr>
-    <a:masterClrMapping/>
-  </p:clrMapOvr>
-  <p:timing>
-    <p:tnLst>
-      <p:par>
-        <p:cTn id="1" dur="indefinite" restart="never" nodeType="tmRoot">
-          <p:childTnLst>
-            <p:seq concurrent="1" nextAc="seek">
-              <p:cTn id="2" dur="indefinite" nodeType="mainSeq">
-                <p:childTnLst>
-                  <p:par>
-                    <p:cTn id="3" fill="hold">
-                      <p:stCondLst>
-                        <p:cond delay="indefinite"/>
-                      </p:stCondLst>
-                      <p:childTnLst>
-                        <p:par>
-                          <p:cTn id="4" fill="hold">
-                            <p:stCondLst>
-                              <p:cond delay="0"/>
-                            </p:stCondLst>
-                            <p:childTnLst>
-                              <p:par>
-                                <p:cTn id="5" presetID="1" presetClass="entr" presetSubtype="0" fill="hold" nodeType="clickEffect">
-                                  <p:stCondLst>
-                                    <p:cond delay="0"/>
-                                  </p:stCondLst>
-                                  <p:childTnLst>
-                                    <p:set>
-                                      <p:cBhvr>
-                                        <p:cTn id="6" dur="1" fill="hold">
-                                          <p:stCondLst>
-                                            <p:cond delay="0"/>
-                                          </p:stCondLst>
-                                        </p:cTn>
-                                        <p:tgtEl>
-                                          <p:spTgt spid="115"/>
-                                        </p:tgtEl>
-                                        <p:attrNameLst>
-                                          <p:attrName>style.visibility</p:attrName>
-                                        </p:attrNameLst>
-                                      </p:cBhvr>
-                                      <p:to>
-                                        <p:strVal val="visible"/>
-                                      </p:to>
-                                    </p:set>
-                                  </p:childTnLst>
-                                </p:cTn>
-                              </p:par>
-                              <p:par>
-                                <p:cTn id="7" presetID="1" presetClass="entr" presetSubtype="0" fill="hold" grpId="0" nodeType="withEffect">
-                                  <p:stCondLst>
-                                    <p:cond delay="0"/>
-                                  </p:stCondLst>
-                                  <p:childTnLst>
-                                    <p:set>
-                                      <p:cBhvr>
-                                        <p:cTn id="8" dur="1" fill="hold">
-                                          <p:stCondLst>
-                                            <p:cond delay="0"/>
-                                          </p:stCondLst>
-                                        </p:cTn>
-                                        <p:tgtEl>
-                                          <p:spTgt spid="48"/>
-                                        </p:tgtEl>
-                                        <p:attrNameLst>
-                                          <p:attrName>style.visibility</p:attrName>
-                                        </p:attrNameLst>
-                                      </p:cBhvr>
-                                      <p:to>
-                                        <p:strVal val="visible"/>
-                                      </p:to>
-                                    </p:set>
-                                  </p:childTnLst>
-                                </p:cTn>
-                              </p:par>
-                            </p:childTnLst>
-                          </p:cTn>
-                        </p:par>
-                      </p:childTnLst>
-                    </p:cTn>
-                  </p:par>
-                  <p:par>
-                    <p:cTn id="9" fill="hold">
-                      <p:stCondLst>
-                        <p:cond delay="indefinite"/>
-                      </p:stCondLst>
-                      <p:childTnLst>
-                        <p:par>
-                          <p:cTn id="10" fill="hold">
-                            <p:stCondLst>
-                              <p:cond delay="0"/>
-                            </p:stCondLst>
-                            <p:childTnLst>
-                              <p:par>
-                                <p:cTn id="11" presetID="1" presetClass="entr" presetSubtype="0" fill="hold" nodeType="clickEffect">
-                                  <p:stCondLst>
-                                    <p:cond delay="0"/>
-                                  </p:stCondLst>
-                                  <p:childTnLst>
-                                    <p:set>
-                                      <p:cBhvr>
-                                        <p:cTn id="12" dur="1" fill="hold">
-                                          <p:stCondLst>
-                                            <p:cond delay="0"/>
-                                          </p:stCondLst>
-                                        </p:cTn>
-                                        <p:tgtEl>
-                                          <p:spTgt spid="117"/>
-                                        </p:tgtEl>
-                                        <p:attrNameLst>
-                                          <p:attrName>style.visibility</p:attrName>
-                                        </p:attrNameLst>
-                                      </p:cBhvr>
-                                      <p:to>
-                                        <p:strVal val="visible"/>
-                                      </p:to>
-                                    </p:set>
-                                  </p:childTnLst>
-                                </p:cTn>
-                              </p:par>
-                              <p:par>
-                                <p:cTn id="13" presetID="1" presetClass="entr" presetSubtype="0" fill="hold" grpId="0" nodeType="withEffect">
-                                  <p:stCondLst>
-                                    <p:cond delay="0"/>
-                                  </p:stCondLst>
-                                  <p:childTnLst>
-                                    <p:set>
-                                      <p:cBhvr>
-                                        <p:cTn id="14" dur="1" fill="hold">
-                                          <p:stCondLst>
-                                            <p:cond delay="0"/>
-                                          </p:stCondLst>
-                                        </p:cTn>
-                                        <p:tgtEl>
-                                          <p:spTgt spid="58"/>
-                                        </p:tgtEl>
-                                        <p:attrNameLst>
-                                          <p:attrName>style.visibility</p:attrName>
-                                        </p:attrNameLst>
-                                      </p:cBhvr>
-                                      <p:to>
-                                        <p:strVal val="visible"/>
-                                      </p:to>
-                                    </p:set>
-                                  </p:childTnLst>
-                                </p:cTn>
-                              </p:par>
-                            </p:childTnLst>
-                          </p:cTn>
-                        </p:par>
-                      </p:childTnLst>
-                    </p:cTn>
-                  </p:par>
-                  <p:par>
-                    <p:cTn id="15" fill="hold">
-                      <p:stCondLst>
-                        <p:cond delay="indefinite"/>
-                      </p:stCondLst>
-                      <p:childTnLst>
-                        <p:par>
-                          <p:cTn id="16" fill="hold">
-                            <p:stCondLst>
-                              <p:cond delay="0"/>
-                            </p:stCondLst>
-                            <p:childTnLst>
-                              <p:par>
-                                <p:cTn id="17" presetID="1" presetClass="entr" presetSubtype="0" fill="hold" grpId="0" nodeType="clickEffect">
-                                  <p:stCondLst>
-                                    <p:cond delay="0"/>
-                                  </p:stCondLst>
-                                  <p:childTnLst>
-                                    <p:set>
-                                      <p:cBhvr>
-                                        <p:cTn id="18" dur="1" fill="hold">
-                                          <p:stCondLst>
-                                            <p:cond delay="0"/>
-                                          </p:stCondLst>
-                                        </p:cTn>
-                                        <p:tgtEl>
-                                          <p:spTgt spid="68"/>
-                                        </p:tgtEl>
-                                        <p:attrNameLst>
-                                          <p:attrName>style.visibility</p:attrName>
-                                        </p:attrNameLst>
-                                      </p:cBhvr>
-                                      <p:to>
-                                        <p:strVal val="visible"/>
-                                      </p:to>
-                                    </p:set>
-                                  </p:childTnLst>
-                                </p:cTn>
-                              </p:par>
-                              <p:par>
-                                <p:cTn id="19" presetID="1" presetClass="entr" presetSubtype="0" fill="hold" nodeType="withEffect">
-                                  <p:stCondLst>
-                                    <p:cond delay="0"/>
-                                  </p:stCondLst>
-                                  <p:childTnLst>
-                                    <p:set>
-                                      <p:cBhvr>
-                                        <p:cTn id="20" dur="1" fill="hold">
-                                          <p:stCondLst>
-                                            <p:cond delay="0"/>
-                                          </p:stCondLst>
-                                        </p:cTn>
-                                        <p:tgtEl>
-                                          <p:spTgt spid="118"/>
-                                        </p:tgtEl>
-                                        <p:attrNameLst>
-                                          <p:attrName>style.visibility</p:attrName>
-                                        </p:attrNameLst>
-                                      </p:cBhvr>
-                                      <p:to>
-                                        <p:strVal val="visible"/>
-                                      </p:to>
-                                    </p:set>
-                                  </p:childTnLst>
-                                </p:cTn>
-                              </p:par>
-                            </p:childTnLst>
-                          </p:cTn>
-                        </p:par>
-                      </p:childTnLst>
-                    </p:cTn>
-                  </p:par>
-                  <p:par>
-                    <p:cTn id="21" fill="hold">
-                      <p:stCondLst>
-                        <p:cond delay="indefinite"/>
-                      </p:stCondLst>
-                      <p:childTnLst>
-                        <p:par>
-                          <p:cTn id="22" fill="hold">
-                            <p:stCondLst>
-                              <p:cond delay="0"/>
-                            </p:stCondLst>
-                            <p:childTnLst>
-                              <p:par>
-                                <p:cTn id="23" presetID="1" presetClass="entr" presetSubtype="0" fill="hold" nodeType="clickEffect">
-                                  <p:stCondLst>
-                                    <p:cond delay="0"/>
-                                  </p:stCondLst>
-                                  <p:childTnLst>
-                                    <p:set>
-                                      <p:cBhvr>
-                                        <p:cTn id="24" dur="1" fill="hold">
-                                          <p:stCondLst>
-                                            <p:cond delay="0"/>
-                                          </p:stCondLst>
-                                        </p:cTn>
-                                        <p:tgtEl>
-                                          <p:spTgt spid="116"/>
-                                        </p:tgtEl>
-                                        <p:attrNameLst>
-                                          <p:attrName>style.visibility</p:attrName>
-                                        </p:attrNameLst>
-                                      </p:cBhvr>
-                                      <p:to>
-                                        <p:strVal val="visible"/>
-                                      </p:to>
-                                    </p:set>
-                                  </p:childTnLst>
-                                </p:cTn>
-                              </p:par>
-                              <p:par>
-                                <p:cTn id="25" presetID="1" presetClass="entr" presetSubtype="0" fill="hold" grpId="0" nodeType="withEffect">
-                                  <p:stCondLst>
-                                    <p:cond delay="0"/>
-                                  </p:stCondLst>
-                                  <p:childTnLst>
-                                    <p:set>
-                                      <p:cBhvr>
-                                        <p:cTn id="26" dur="1" fill="hold">
-                                          <p:stCondLst>
-                                            <p:cond delay="0"/>
-                                          </p:stCondLst>
-                                        </p:cTn>
-                                        <p:tgtEl>
-                                          <p:spTgt spid="94"/>
-                                        </p:tgtEl>
-                                        <p:attrNameLst>
-                                          <p:attrName>style.visibility</p:attrName>
-                                        </p:attrNameLst>
-                                      </p:cBhvr>
-                                      <p:to>
-                                        <p:strVal val="visible"/>
-                                      </p:to>
-                                    </p:set>
-                                  </p:childTnLst>
-                                </p:cTn>
-                              </p:par>
-                            </p:childTnLst>
-                          </p:cTn>
-                        </p:par>
-                      </p:childTnLst>
-                    </p:cTn>
-                  </p:par>
-                  <p:par>
-                    <p:cTn id="27" fill="hold">
-                      <p:stCondLst>
-                        <p:cond delay="indefinite"/>
-                      </p:stCondLst>
-                      <p:childTnLst>
-                        <p:par>
-                          <p:cTn id="28" fill="hold">
-                            <p:stCondLst>
-                              <p:cond delay="0"/>
-                            </p:stCondLst>
-                            <p:childTnLst>
-                              <p:par>
-                                <p:cTn id="29" presetID="1" presetClass="entr" presetSubtype="0" fill="hold" grpId="0" nodeType="clickEffect">
-                                  <p:stCondLst>
-                                    <p:cond delay="0"/>
-                                  </p:stCondLst>
-                                  <p:childTnLst>
-                                    <p:set>
-                                      <p:cBhvr>
-                                        <p:cTn id="30" dur="1" fill="hold">
-                                          <p:stCondLst>
-                                            <p:cond delay="0"/>
-                                          </p:stCondLst>
-                                        </p:cTn>
-                                        <p:tgtEl>
-                                          <p:spTgt spid="158"/>
-                                        </p:tgtEl>
-                                        <p:attrNameLst>
-                                          <p:attrName>style.visibility</p:attrName>
-                                        </p:attrNameLst>
-                                      </p:cBhvr>
-                                      <p:to>
-                                        <p:strVal val="visible"/>
-                                      </p:to>
-                                    </p:set>
-                                  </p:childTnLst>
-                                </p:cTn>
-                              </p:par>
-                              <p:par>
-                                <p:cTn id="31" presetID="1" presetClass="entr" presetSubtype="0" fill="hold" nodeType="withEffect">
-                                  <p:stCondLst>
-                                    <p:cond delay="0"/>
-                                  </p:stCondLst>
-                                  <p:childTnLst>
-                                    <p:set>
-                                      <p:cBhvr>
-                                        <p:cTn id="32" dur="1" fill="hold">
-                                          <p:stCondLst>
-                                            <p:cond delay="0"/>
-                                          </p:stCondLst>
-                                        </p:cTn>
-                                        <p:tgtEl>
-                                          <p:spTgt spid="180"/>
-                                        </p:tgtEl>
-                                        <p:attrNameLst>
-                                          <p:attrName>style.visibility</p:attrName>
-                                        </p:attrNameLst>
-                                      </p:cBhvr>
-                                      <p:to>
-                                        <p:strVal val="visible"/>
-                                      </p:to>
-                                    </p:set>
-                                  </p:childTnLst>
-                                </p:cTn>
-                              </p:par>
-                            </p:childTnLst>
-                          </p:cTn>
-                        </p:par>
-                      </p:childTnLst>
-                    </p:cTn>
-                  </p:par>
-                  <p:par>
-                    <p:cTn id="33" fill="hold">
-                      <p:stCondLst>
-                        <p:cond delay="indefinite"/>
-                      </p:stCondLst>
-                      <p:childTnLst>
-                        <p:par>
-                          <p:cTn id="34" fill="hold">
-                            <p:stCondLst>
-                              <p:cond delay="0"/>
-                            </p:stCondLst>
-                            <p:childTnLst>
-                              <p:par>
-                                <p:cTn id="35" presetID="1" presetClass="entr" presetSubtype="0" fill="hold" grpId="0" nodeType="clickEffect">
-                                  <p:stCondLst>
-                                    <p:cond delay="0"/>
-                                  </p:stCondLst>
-                                  <p:childTnLst>
-                                    <p:set>
-                                      <p:cBhvr>
-                                        <p:cTn id="36" dur="1" fill="hold">
-                                          <p:stCondLst>
-                                            <p:cond delay="0"/>
-                                          </p:stCondLst>
-                                        </p:cTn>
-                                        <p:tgtEl>
-                                          <p:spTgt spid="102"/>
-                                        </p:tgtEl>
-                                        <p:attrNameLst>
-                                          <p:attrName>style.visibility</p:attrName>
-                                        </p:attrNameLst>
-                                      </p:cBhvr>
-                                      <p:to>
-                                        <p:strVal val="visible"/>
-                                      </p:to>
-                                    </p:set>
-                                  </p:childTnLst>
-                                </p:cTn>
-                              </p:par>
-                              <p:par>
-                                <p:cTn id="37" presetID="1" presetClass="entr" presetSubtype="0" fill="hold" nodeType="withEffect">
-                                  <p:stCondLst>
-                                    <p:cond delay="0"/>
-                                  </p:stCondLst>
-                                  <p:childTnLst>
-                                    <p:set>
-                                      <p:cBhvr>
-                                        <p:cTn id="38" dur="1" fill="hold">
-                                          <p:stCondLst>
-                                            <p:cond delay="0"/>
-                                          </p:stCondLst>
-                                        </p:cTn>
-                                        <p:tgtEl>
-                                          <p:spTgt spid="119"/>
-                                        </p:tgtEl>
-                                        <p:attrNameLst>
-                                          <p:attrName>style.visibility</p:attrName>
-                                        </p:attrNameLst>
-                                      </p:cBhvr>
-                                      <p:to>
-                                        <p:strVal val="visible"/>
-                                      </p:to>
-                                    </p:set>
-                                  </p:childTnLst>
-                                </p:cTn>
-                              </p:par>
-                            </p:childTnLst>
-                          </p:cTn>
-                        </p:par>
-                      </p:childTnLst>
-                    </p:cTn>
-                  </p:par>
-                  <p:par>
-                    <p:cTn id="39" fill="hold">
-                      <p:stCondLst>
-                        <p:cond delay="indefinite"/>
-                      </p:stCondLst>
-                      <p:childTnLst>
-                        <p:par>
-                          <p:cTn id="40" fill="hold">
-                            <p:stCondLst>
-                              <p:cond delay="0"/>
-                            </p:stCondLst>
-                            <p:childTnLst>
-                              <p:par>
-                                <p:cTn id="41" presetID="1" presetClass="entr" presetSubtype="0" fill="hold" nodeType="clickEffect">
-                                  <p:stCondLst>
-                                    <p:cond delay="0"/>
-                                  </p:stCondLst>
-                                  <p:childTnLst>
-                                    <p:set>
-                                      <p:cBhvr>
-                                        <p:cTn id="42" dur="1" fill="hold">
-                                          <p:stCondLst>
-                                            <p:cond delay="0"/>
-                                          </p:stCondLst>
-                                        </p:cTn>
-                                        <p:tgtEl>
-                                          <p:spTgt spid="157"/>
-                                        </p:tgtEl>
-                                        <p:attrNameLst>
-                                          <p:attrName>style.visibility</p:attrName>
-                                        </p:attrNameLst>
-                                      </p:cBhvr>
-                                      <p:to>
-                                        <p:strVal val="visible"/>
-                                      </p:to>
-                                    </p:set>
-                                  </p:childTnLst>
-                                </p:cTn>
-                              </p:par>
-                              <p:par>
-                                <p:cTn id="43" presetID="1" presetClass="entr" presetSubtype="0" fill="hold" grpId="0" nodeType="withEffect">
-                                  <p:stCondLst>
-                                    <p:cond delay="0"/>
-                                  </p:stCondLst>
-                                  <p:childTnLst>
-                                    <p:set>
-                                      <p:cBhvr>
-                                        <p:cTn id="44" dur="1" fill="hold">
-                                          <p:stCondLst>
-                                            <p:cond delay="0"/>
-                                          </p:stCondLst>
-                                        </p:cTn>
-                                        <p:tgtEl>
-                                          <p:spTgt spid="156"/>
-                                        </p:tgtEl>
-                                        <p:attrNameLst>
-                                          <p:attrName>style.visibility</p:attrName>
-                                        </p:attrNameLst>
-                                      </p:cBhvr>
-                                      <p:to>
-                                        <p:strVal val="visible"/>
-                                      </p:to>
-                                    </p:set>
-                                  </p:childTnLst>
-                                </p:cTn>
-                              </p:par>
-                            </p:childTnLst>
-                          </p:cTn>
-                        </p:par>
-                      </p:childTnLst>
-                    </p:cTn>
-                  </p:par>
-                  <p:par>
-                    <p:cTn id="45" fill="hold">
-                      <p:stCondLst>
-                        <p:cond delay="indefinite"/>
-                      </p:stCondLst>
-                      <p:childTnLst>
-                        <p:par>
-                          <p:cTn id="46" fill="hold">
-                            <p:stCondLst>
-                              <p:cond delay="0"/>
-                            </p:stCondLst>
-                            <p:childTnLst>
-                              <p:par>
-                                <p:cTn id="47" presetID="1" presetClass="entr" presetSubtype="0" fill="hold" nodeType="clickEffect">
-                                  <p:stCondLst>
-                                    <p:cond delay="0"/>
-                                  </p:stCondLst>
-                                  <p:childTnLst>
-                                    <p:set>
-                                      <p:cBhvr>
-                                        <p:cTn id="48" dur="1" fill="hold">
-                                          <p:stCondLst>
-                                            <p:cond delay="0"/>
-                                          </p:stCondLst>
-                                        </p:cTn>
-                                        <p:tgtEl>
-                                          <p:spTgt spid="210"/>
-                                        </p:tgtEl>
-                                        <p:attrNameLst>
-                                          <p:attrName>style.visibility</p:attrName>
-                                        </p:attrNameLst>
-                                      </p:cBhvr>
-                                      <p:to>
-                                        <p:strVal val="visible"/>
-                                      </p:to>
-                                    </p:set>
-                                  </p:childTnLst>
-                                </p:cTn>
-                              </p:par>
-                            </p:childTnLst>
-                          </p:cTn>
-                        </p:par>
-                      </p:childTnLst>
-                    </p:cTn>
-                  </p:par>
-                </p:childTnLst>
-              </p:cTn>
-              <p:prevCondLst>
-                <p:cond evt="onPrev" delay="0">
-                  <p:tgtEl>
-                    <p:sldTgt/>
-                  </p:tgtEl>
-                </p:cond>
-              </p:prevCondLst>
-              <p:nextCondLst>
-                <p:cond evt="onNext" delay="0">
-                  <p:tgtEl>
-                    <p:sldTgt/>
-                  </p:tgtEl>
-                </p:cond>
-              </p:nextCondLst>
-            </p:seq>
-          </p:childTnLst>
-        </p:cTn>
-      </p:par>
-    </p:tnLst>
-    <p:bldLst>
-      <p:bldP spid="48" grpId="0"/>
-      <p:bldP spid="58" grpId="0"/>
-      <p:bldP spid="68" grpId="0"/>
-      <p:bldP spid="94" grpId="0"/>
-      <p:bldP spid="102" grpId="0"/>
-      <p:bldP spid="156" grpId="0"/>
-      <p:bldP spid="158" grpId="0"/>
-    </p:bldLst>
-  </p:timing>
-</p:sld>
-</file>
-
-<file path=ppt/slides/slide16.xml><?xml version="1.0" encoding="utf-8"?>
-<p:sld xmlns:a="http://schemas.openxmlformats.org/drawingml/2006/main" xmlns:r="http://schemas.openxmlformats.org/officeDocument/2006/relationships" xmlns:p="http://schemas.openxmlformats.org/presentationml/2006/main">
-  <p:cSld>
-    <p:spTree>
-      <p:nvGrpSpPr>
-        <p:cNvPr id="1" name=""/>
-        <p:cNvGrpSpPr/>
-        <p:nvPr/>
-      </p:nvGrpSpPr>
-      <p:grpSpPr>
-        <a:xfrm>
-          <a:off x="0" y="0"/>
-          <a:ext cx="0" cy="0"/>
-          <a:chOff x="0" y="0"/>
-          <a:chExt cx="0" cy="0"/>
-        </a:xfrm>
-      </p:grpSpPr>
-      <p:sp>
-        <p:nvSpPr>
-          <p:cNvPr id="2" name="Title 1">
-            <a:extLst>
-              <a:ext uri="{FF2B5EF4-FFF2-40B4-BE49-F238E27FC236}">
-                <a16:creationId xmlns:a16="http://schemas.microsoft.com/office/drawing/2014/main" id="{07442570-03B2-480B-B166-204B04CFF575}"/>
-              </a:ext>
-            </a:extLst>
-          </p:cNvPr>
-          <p:cNvSpPr>
-            <a:spLocks noGrp="1"/>
-          </p:cNvSpPr>
-          <p:nvPr>
-            <p:ph type="title"/>
-          </p:nvPr>
-        </p:nvSpPr>
-        <p:spPr/>
-        <p:txBody>
-          <a:bodyPr/>
-          <a:lstStyle/>
-          <a:p>
-            <a:r>
-              <a:rPr lang="en-US" dirty="0"/>
-              <a:t>Node and Edge degrees</a:t>
-            </a:r>
-          </a:p>
-        </p:txBody>
-      </p:sp>
-      <mc:AlternateContent xmlns:mc="http://schemas.openxmlformats.org/markup-compatibility/2006" xmlns:a14="http://schemas.microsoft.com/office/drawing/2010/main">
-        <mc:Choice Requires="a14">
-          <p:sp>
-            <p:nvSpPr>
-              <p:cNvPr id="3" name="Content Placeholder 2">
-                <a:extLst>
-                  <a:ext uri="{FF2B5EF4-FFF2-40B4-BE49-F238E27FC236}">
-                    <a16:creationId xmlns:a16="http://schemas.microsoft.com/office/drawing/2014/main" id="{8171C2D7-EDA7-4845-9554-04C7F7C44983}"/>
-                  </a:ext>
-                </a:extLst>
-              </p:cNvPr>
-              <p:cNvSpPr>
-                <a:spLocks noGrp="1"/>
-              </p:cNvSpPr>
-              <p:nvPr>
-                <p:ph idx="1"/>
-              </p:nvPr>
-            </p:nvSpPr>
-            <p:spPr>
-              <a:xfrm>
-                <a:off x="478369" y="1213308"/>
-                <a:ext cx="11473384" cy="4797724"/>
-              </a:xfrm>
-            </p:spPr>
-            <p:txBody>
-              <a:bodyPr/>
-              <a:lstStyle/>
-              <a:p>
-                <a:r>
-                  <a:rPr lang="en-US" sz="2000" dirty="0"/>
-                  <a:t>Node degree: number of edges of node </a:t>
-                </a:r>
-                <a14:m>
-                  <m:oMath xmlns:m="http://schemas.openxmlformats.org/officeDocument/2006/math">
-                    <m:sSub>
-                      <m:sSubPr>
-                        <m:ctrlPr>
-                          <a:rPr lang="en-US" sz="2400" i="1" smtClean="0">
-                            <a:latin typeface="Cambria Math" panose="02040503050406030204" pitchFamily="18" charset="0"/>
-                          </a:rPr>
-                        </m:ctrlPr>
-                      </m:sSubPr>
-                      <m:e>
-                        <m:r>
-                          <a:rPr lang="en-US" sz="2400" b="0" i="1" smtClean="0">
-                            <a:latin typeface="Cambria Math" panose="02040503050406030204" pitchFamily="18" charset="0"/>
-                          </a:rPr>
-                          <m:t>𝑘</m:t>
-                        </m:r>
-                      </m:e>
-                      <m:sub>
-                        <m:r>
-                          <a:rPr lang="en-US" sz="2400" b="0" i="1" smtClean="0">
-                            <a:latin typeface="Cambria Math" panose="02040503050406030204" pitchFamily="18" charset="0"/>
-                          </a:rPr>
-                          <m:t>𝑖</m:t>
-                        </m:r>
-                      </m:sub>
-                    </m:sSub>
-                  </m:oMath>
-                </a14:m>
-                <a:r>
-                  <a:rPr lang="en-US" sz="2000" dirty="0"/>
-                  <a:t>, where </a:t>
-                </a:r>
-                <a:r>
-                  <a:rPr lang="en-US" sz="2000" i="1" dirty="0" err="1"/>
-                  <a:t>i</a:t>
-                </a:r>
-                <a:r>
-                  <a:rPr lang="en-US" sz="2000" dirty="0"/>
-                  <a:t> is the node index</a:t>
-                </a:r>
-              </a:p>
-              <a:p>
-                <a:r>
-                  <a:rPr lang="en-US" sz="2000" dirty="0"/>
-                  <a:t>Indegree: number of incoming edges</a:t>
-                </a:r>
-              </a:p>
-              <a:p>
-                <a:r>
-                  <a:rPr lang="en-US" sz="2000" dirty="0"/>
-                  <a:t>Outdegree: number of outgoing edges</a:t>
-                </a:r>
-              </a:p>
-              <a:p>
-                <a:endParaRPr lang="en-US" sz="2000" dirty="0"/>
-              </a:p>
-              <a:p>
-                <a:r>
-                  <a:rPr lang="en-US" sz="2000" dirty="0"/>
-                  <a:t>Average degree</a:t>
-                </a:r>
-                <a:r>
-                  <a:rPr lang="en-US" sz="2800" dirty="0"/>
-                  <a:t>: </a:t>
-                </a:r>
-                <a14:m>
-                  <m:oMath xmlns:m="http://schemas.openxmlformats.org/officeDocument/2006/math">
-                    <m:acc>
-                      <m:accPr>
-                        <m:chr m:val="̅"/>
-                        <m:ctrlPr>
-                          <a:rPr lang="en-US" sz="2800" b="0" i="1" smtClean="0">
-                            <a:latin typeface="Cambria Math" panose="02040503050406030204" pitchFamily="18" charset="0"/>
-                          </a:rPr>
-                        </m:ctrlPr>
-                      </m:accPr>
-                      <m:e>
-                        <m:r>
-                          <a:rPr lang="en-US" sz="2800" b="0" i="1" smtClean="0">
-                            <a:latin typeface="Cambria Math" panose="02040503050406030204" pitchFamily="18" charset="0"/>
-                          </a:rPr>
-                          <m:t>𝑘</m:t>
-                        </m:r>
-                      </m:e>
-                    </m:acc>
-                    <m:r>
-                      <a:rPr lang="en-US" sz="2800" b="0" i="1" dirty="0" smtClean="0">
-                        <a:latin typeface="Cambria Math" panose="02040503050406030204" pitchFamily="18" charset="0"/>
-                      </a:rPr>
-                      <m:t>=</m:t>
-                    </m:r>
-                    <m:f>
-                      <m:fPr>
-                        <m:ctrlPr>
-                          <a:rPr lang="en-US" sz="2800" b="0" i="1" dirty="0" smtClean="0">
-                            <a:latin typeface="Cambria Math" panose="02040503050406030204" pitchFamily="18" charset="0"/>
-                          </a:rPr>
-                        </m:ctrlPr>
-                      </m:fPr>
-                      <m:num>
-                        <m:r>
-                          <a:rPr lang="en-US" sz="2800" b="0" i="1" dirty="0" smtClean="0">
-                            <a:latin typeface="Cambria Math" panose="02040503050406030204" pitchFamily="18" charset="0"/>
-                          </a:rPr>
-                          <m:t>1</m:t>
-                        </m:r>
-                      </m:num>
-                      <m:den>
-                        <m:r>
-                          <a:rPr lang="en-US" sz="2800" b="0" i="1" dirty="0" smtClean="0">
-                            <a:latin typeface="Cambria Math" panose="02040503050406030204" pitchFamily="18" charset="0"/>
-                          </a:rPr>
-                          <m:t>𝑁</m:t>
-                        </m:r>
-                      </m:den>
-                    </m:f>
-                    <m:nary>
-                      <m:naryPr>
-                        <m:chr m:val="∑"/>
-                        <m:supHide m:val="on"/>
-                        <m:ctrlPr>
-                          <a:rPr lang="en-US" sz="2800" b="0" i="1" dirty="0" smtClean="0">
-                            <a:latin typeface="Cambria Math" panose="02040503050406030204" pitchFamily="18" charset="0"/>
-                          </a:rPr>
-                        </m:ctrlPr>
-                      </m:naryPr>
-                      <m:sub>
-                        <m:r>
-                          <m:rPr>
-                            <m:brk m:alnAt="7"/>
-                          </m:rPr>
-                          <a:rPr lang="en-US" sz="2800" b="0" i="1" dirty="0" smtClean="0">
-                            <a:latin typeface="Cambria Math" panose="02040503050406030204" pitchFamily="18" charset="0"/>
-                          </a:rPr>
-                          <m:t>𝑖</m:t>
-                        </m:r>
-                        <m:r>
-                          <a:rPr lang="en-US" sz="2800" b="0" i="1" dirty="0" smtClean="0">
-                            <a:latin typeface="Cambria Math" panose="02040503050406030204" pitchFamily="18" charset="0"/>
-                          </a:rPr>
-                          <m:t>∈</m:t>
-                        </m:r>
-                        <m:r>
-                          <a:rPr lang="en-US" sz="2800" b="0" i="1" dirty="0" smtClean="0">
-                            <a:latin typeface="Cambria Math" panose="02040503050406030204" pitchFamily="18" charset="0"/>
-                          </a:rPr>
-                          <m:t>𝑁</m:t>
-                        </m:r>
-                      </m:sub>
-                      <m:sup/>
-                      <m:e>
-                        <m:sSub>
-                          <m:sSubPr>
-                            <m:ctrlPr>
-                              <a:rPr lang="en-US" sz="2800" b="0" i="1" dirty="0" smtClean="0">
-                                <a:latin typeface="Cambria Math" panose="02040503050406030204" pitchFamily="18" charset="0"/>
-                              </a:rPr>
-                            </m:ctrlPr>
-                          </m:sSubPr>
-                          <m:e>
-                            <m:r>
-                              <a:rPr lang="en-US" sz="2800" b="0" i="1" dirty="0" smtClean="0">
-                                <a:latin typeface="Cambria Math" panose="02040503050406030204" pitchFamily="18" charset="0"/>
-                              </a:rPr>
-                              <m:t>𝑘</m:t>
-                            </m:r>
-                          </m:e>
-                          <m:sub>
-                            <m:r>
-                              <a:rPr lang="en-US" sz="2800" b="0" i="1" dirty="0" smtClean="0">
-                                <a:latin typeface="Cambria Math" panose="02040503050406030204" pitchFamily="18" charset="0"/>
-                              </a:rPr>
-                              <m:t>𝑖</m:t>
-                            </m:r>
-                          </m:sub>
-                        </m:sSub>
-                      </m:e>
-                    </m:nary>
-                    <m:r>
-                      <a:rPr lang="en-US" sz="2800" b="0" i="1" dirty="0" smtClean="0">
-                        <a:latin typeface="Cambria Math" panose="02040503050406030204" pitchFamily="18" charset="0"/>
-                      </a:rPr>
-                      <m:t>=</m:t>
-                    </m:r>
-                    <m:f>
-                      <m:fPr>
-                        <m:ctrlPr>
-                          <a:rPr lang="en-US" sz="2800" b="0" i="1" dirty="0" smtClean="0">
-                            <a:latin typeface="Cambria Math" panose="02040503050406030204" pitchFamily="18" charset="0"/>
-                          </a:rPr>
-                        </m:ctrlPr>
-                      </m:fPr>
-                      <m:num>
-                        <m:r>
-                          <a:rPr lang="en-US" sz="2800" b="0" i="1" dirty="0" smtClean="0">
-                            <a:latin typeface="Cambria Math" panose="02040503050406030204" pitchFamily="18" charset="0"/>
-                          </a:rPr>
-                          <m:t>2</m:t>
-                        </m:r>
-                        <m:r>
-                          <a:rPr lang="en-US" sz="2800" b="0" i="1" dirty="0" smtClean="0">
-                            <a:latin typeface="Cambria Math" panose="02040503050406030204" pitchFamily="18" charset="0"/>
-                          </a:rPr>
-                          <m:t>𝐸</m:t>
-                        </m:r>
-                      </m:num>
-                      <m:den>
-                        <m:r>
-                          <a:rPr lang="en-US" sz="2800" b="0" i="1" dirty="0" smtClean="0">
-                            <a:latin typeface="Cambria Math" panose="02040503050406030204" pitchFamily="18" charset="0"/>
-                          </a:rPr>
-                          <m:t>𝑁</m:t>
-                        </m:r>
-                      </m:den>
-                    </m:f>
-                  </m:oMath>
-                </a14:m>
-                <a:endParaRPr lang="en-US" sz="2000" dirty="0"/>
-              </a:p>
-              <a:p>
-                <a:r>
-                  <a:rPr lang="en-US" sz="2000" dirty="0"/>
-                  <a:t>	, where </a:t>
-                </a:r>
-                <a:r>
-                  <a:rPr lang="en-US" sz="2000" i="1" dirty="0"/>
-                  <a:t>E</a:t>
-                </a:r>
-                <a:r>
-                  <a:rPr lang="en-US" sz="2000" dirty="0"/>
-                  <a:t> = number of edges, </a:t>
-                </a:r>
-                <a:r>
-                  <a:rPr lang="en-US" sz="2000" i="1" dirty="0"/>
-                  <a:t>N</a:t>
-                </a:r>
-                <a:r>
-                  <a:rPr lang="en-US" sz="2000" dirty="0"/>
-                  <a:t>=number of nodes</a:t>
-                </a:r>
-              </a:p>
-              <a:p>
-                <a:endParaRPr lang="en-US" sz="2000" dirty="0"/>
-              </a:p>
-              <a:p>
-                <a:r>
-                  <a:rPr lang="en-US" sz="2000" dirty="0"/>
-                  <a:t>Maximum number of edges: </a:t>
-                </a:r>
-                <a14:m>
-                  <m:oMath xmlns:m="http://schemas.openxmlformats.org/officeDocument/2006/math">
-                    <m:sSub>
-                      <m:sSubPr>
-                        <m:ctrlPr>
-                          <a:rPr lang="en-US" sz="2400" b="0" i="1" smtClean="0">
-                            <a:latin typeface="Cambria Math" panose="02040503050406030204" pitchFamily="18" charset="0"/>
-                          </a:rPr>
-                        </m:ctrlPr>
-                      </m:sSubPr>
-                      <m:e>
-                        <m:r>
-                          <m:rPr>
-                            <m:sty m:val="p"/>
-                          </m:rPr>
-                          <a:rPr lang="en-US" sz="2400" b="0" i="0" smtClean="0">
-                            <a:latin typeface="Cambria Math" panose="02040503050406030204" pitchFamily="18" charset="0"/>
-                          </a:rPr>
-                          <m:t>E</m:t>
-                        </m:r>
-                      </m:e>
-                      <m:sub>
-                        <m:r>
-                          <m:rPr>
-                            <m:sty m:val="p"/>
-                          </m:rPr>
-                          <a:rPr lang="en-US" sz="2400" b="0" i="0" smtClean="0">
-                            <a:latin typeface="Cambria Math" panose="02040503050406030204" pitchFamily="18" charset="0"/>
-                          </a:rPr>
-                          <m:t>max</m:t>
-                        </m:r>
-                      </m:sub>
-                    </m:sSub>
-                    <m:r>
-                      <a:rPr lang="en-US" sz="2400" b="0" i="0" smtClean="0">
-                        <a:latin typeface="Cambria Math" panose="02040503050406030204" pitchFamily="18" charset="0"/>
-                      </a:rPr>
-                      <m:t>=</m:t>
-                    </m:r>
-                    <m:d>
-                      <m:dPr>
-                        <m:ctrlPr>
-                          <a:rPr lang="en-US" sz="2400" i="1" smtClean="0">
-                            <a:latin typeface="Cambria Math" panose="02040503050406030204" pitchFamily="18" charset="0"/>
-                          </a:rPr>
-                        </m:ctrlPr>
-                      </m:dPr>
-                      <m:e>
-                        <m:eqArr>
-                          <m:eqArrPr>
-                            <m:ctrlPr>
-                              <a:rPr lang="en-US" sz="2400" b="0" i="1" smtClean="0">
-                                <a:latin typeface="Cambria Math" panose="02040503050406030204" pitchFamily="18" charset="0"/>
-                              </a:rPr>
-                            </m:ctrlPr>
-                          </m:eqArrPr>
-                          <m:e>
-                            <m:r>
-                              <a:rPr lang="en-US" sz="2400" b="0" i="1" smtClean="0">
-                                <a:latin typeface="Cambria Math" panose="02040503050406030204" pitchFamily="18" charset="0"/>
-                              </a:rPr>
-                              <m:t>𝑁</m:t>
-                            </m:r>
-                          </m:e>
-                          <m:e>
-                            <m:r>
-                              <a:rPr lang="en-US" sz="2400" b="0" i="1" smtClean="0">
-                                <a:latin typeface="Cambria Math" panose="02040503050406030204" pitchFamily="18" charset="0"/>
-                              </a:rPr>
-                              <m:t>2</m:t>
-                            </m:r>
-                          </m:e>
-                        </m:eqArr>
-                      </m:e>
-                    </m:d>
-                    <m:r>
-                      <a:rPr lang="en-US" sz="2400" b="0" i="0" smtClean="0">
-                        <a:latin typeface="Cambria Math" panose="02040503050406030204" pitchFamily="18" charset="0"/>
-                      </a:rPr>
-                      <m:t>=</m:t>
-                    </m:r>
-                    <m:f>
-                      <m:fPr>
-                        <m:ctrlPr>
-                          <a:rPr lang="en-US" sz="2400" b="0" i="1" smtClean="0">
-                            <a:latin typeface="Cambria Math" panose="02040503050406030204" pitchFamily="18" charset="0"/>
-                          </a:rPr>
-                        </m:ctrlPr>
-                      </m:fPr>
-                      <m:num>
-                        <m:r>
-                          <a:rPr lang="en-US" sz="2400" b="0" i="1" smtClean="0">
-                            <a:latin typeface="Cambria Math" panose="02040503050406030204" pitchFamily="18" charset="0"/>
-                          </a:rPr>
-                          <m:t>𝑁</m:t>
-                        </m:r>
-                        <m:r>
-                          <a:rPr lang="en-US" sz="2400" b="0" i="1" smtClean="0">
-                            <a:latin typeface="Cambria Math" panose="02040503050406030204" pitchFamily="18" charset="0"/>
-                          </a:rPr>
-                          <m:t>(</m:t>
-                        </m:r>
-                        <m:r>
-                          <a:rPr lang="en-US" sz="2400" b="0" i="1" smtClean="0">
-                            <a:latin typeface="Cambria Math" panose="02040503050406030204" pitchFamily="18" charset="0"/>
-                          </a:rPr>
-                          <m:t>𝑁</m:t>
-                        </m:r>
-                        <m:r>
-                          <a:rPr lang="en-US" sz="2400" b="0" i="1" smtClean="0">
-                            <a:latin typeface="Cambria Math" panose="02040503050406030204" pitchFamily="18" charset="0"/>
-                          </a:rPr>
-                          <m:t>−1)</m:t>
-                        </m:r>
-                      </m:num>
-                      <m:den>
-                        <m:r>
-                          <a:rPr lang="en-US" sz="2400" b="0" i="1" smtClean="0">
-                            <a:latin typeface="Cambria Math" panose="02040503050406030204" pitchFamily="18" charset="0"/>
-                          </a:rPr>
-                          <m:t>2</m:t>
-                        </m:r>
-                      </m:den>
-                    </m:f>
-                  </m:oMath>
-                </a14:m>
-                <a:endParaRPr lang="en-US" sz="2000" dirty="0"/>
-              </a:p>
-              <a:p>
-                <a:endParaRPr lang="en-US" sz="2000" dirty="0"/>
-              </a:p>
-              <a:p>
-                <a:r>
-                  <a:rPr lang="en-US" sz="2000" dirty="0"/>
-                  <a:t>However, most real-world networks are sparse, i.e., </a:t>
-                </a:r>
-                <a14:m>
-                  <m:oMath xmlns:m="http://schemas.openxmlformats.org/officeDocument/2006/math">
-                    <m:r>
-                      <a:rPr lang="en-US" sz="2400" b="0" i="1" smtClean="0">
-                        <a:latin typeface="Cambria Math" panose="02040503050406030204" pitchFamily="18" charset="0"/>
-                      </a:rPr>
-                      <m:t>𝐸</m:t>
-                    </m:r>
-                    <m:r>
-                      <a:rPr lang="en-US" sz="2400" b="0" i="1" smtClean="0">
-                        <a:latin typeface="Cambria Math" panose="02040503050406030204" pitchFamily="18" charset="0"/>
-                      </a:rPr>
-                      <m:t>≪</m:t>
-                    </m:r>
-                    <m:sSub>
-                      <m:sSubPr>
-                        <m:ctrlPr>
-                          <a:rPr lang="en-US" sz="2400" b="0" i="1" smtClean="0">
-                            <a:latin typeface="Cambria Math" panose="02040503050406030204" pitchFamily="18" charset="0"/>
-                          </a:rPr>
-                        </m:ctrlPr>
-                      </m:sSubPr>
-                      <m:e>
-                        <m:r>
-                          <a:rPr lang="en-US" sz="2400" b="0" i="1" smtClean="0">
-                            <a:latin typeface="Cambria Math" panose="02040503050406030204" pitchFamily="18" charset="0"/>
-                          </a:rPr>
-                          <m:t>𝐸</m:t>
-                        </m:r>
-                      </m:e>
-                      <m:sub>
-                        <m:r>
-                          <a:rPr lang="en-US" sz="2400" b="0" i="1" smtClean="0">
-                            <a:latin typeface="Cambria Math" panose="02040503050406030204" pitchFamily="18" charset="0"/>
-                          </a:rPr>
-                          <m:t>𝑚𝑎𝑥</m:t>
-                        </m:r>
-                      </m:sub>
-                    </m:sSub>
-                  </m:oMath>
-                </a14:m>
-                <a:endParaRPr lang="en-US" sz="900" u="sng" dirty="0"/>
-              </a:p>
-              <a:p>
-                <a:endParaRPr lang="en-US" dirty="0"/>
-              </a:p>
-            </p:txBody>
-          </p:sp>
-        </mc:Choice>
-        <mc:Fallback xmlns="">
-          <p:sp>
-            <p:nvSpPr>
-              <p:cNvPr id="3" name="Content Placeholder 2">
-                <a:extLst>
-                  <a:ext uri="{FF2B5EF4-FFF2-40B4-BE49-F238E27FC236}">
-                    <a16:creationId xmlns:a16="http://schemas.microsoft.com/office/drawing/2014/main" id="{8171C2D7-EDA7-4845-9554-04C7F7C44983}"/>
-                  </a:ext>
-                </a:extLst>
-              </p:cNvPr>
-              <p:cNvSpPr>
-                <a:spLocks noGrp="1" noRot="1" noChangeAspect="1" noMove="1" noResize="1" noEditPoints="1" noAdjustHandles="1" noChangeArrowheads="1" noChangeShapeType="1" noTextEdit="1"/>
-              </p:cNvSpPr>
-              <p:nvPr>
-                <p:ph idx="1"/>
-              </p:nvPr>
-            </p:nvSpPr>
-            <p:spPr>
-              <a:xfrm>
-                <a:off x="478369" y="1213308"/>
-                <a:ext cx="11473384" cy="4797724"/>
-              </a:xfrm>
-              <a:blipFill>
-                <a:blip r:embed="rId3"/>
-                <a:stretch>
-                  <a:fillRect l="-1328" t="-1144"/>
-                </a:stretch>
-              </a:blipFill>
-            </p:spPr>
-            <p:txBody>
-              <a:bodyPr/>
-              <a:lstStyle/>
-              <a:p>
-                <a:r>
-                  <a:rPr lang="en-US">
-                    <a:noFill/>
-                  </a:rPr>
-                  <a:t> </a:t>
-                </a:r>
-              </a:p>
-            </p:txBody>
-          </p:sp>
-        </mc:Fallback>
-      </mc:AlternateContent>
-    </p:spTree>
-    <p:extLst>
-      <p:ext uri="{BB962C8B-B14F-4D97-AF65-F5344CB8AC3E}">
-        <p14:creationId xmlns:p14="http://schemas.microsoft.com/office/powerpoint/2010/main" val="2323137678"/>
-      </p:ext>
-    </p:extLst>
-  </p:cSld>
-  <p:clrMapOvr>
-    <a:masterClrMapping/>
-  </p:clrMapOvr>
-</p:sld>
-</file>
-
-<file path=ppt/slides/slide17.xml><?xml version="1.0" encoding="utf-8"?>
-<p:sld xmlns:a="http://schemas.openxmlformats.org/drawingml/2006/main" xmlns:r="http://schemas.openxmlformats.org/officeDocument/2006/relationships" xmlns:p="http://schemas.openxmlformats.org/presentationml/2006/main">
-  <p:cSld>
-    <p:spTree>
-      <p:nvGrpSpPr>
-        <p:cNvPr id="1" name=""/>
-        <p:cNvGrpSpPr/>
-        <p:nvPr/>
-      </p:nvGrpSpPr>
-      <p:grpSpPr>
-        <a:xfrm>
-          <a:off x="0" y="0"/>
-          <a:ext cx="0" cy="0"/>
-          <a:chOff x="0" y="0"/>
-          <a:chExt cx="0" cy="0"/>
-        </a:xfrm>
-      </p:grpSpPr>
-      <p:sp>
-        <p:nvSpPr>
-          <p:cNvPr id="2" name="Title 1">
-            <a:extLst>
-              <a:ext uri="{FF2B5EF4-FFF2-40B4-BE49-F238E27FC236}">
-                <a16:creationId xmlns:a16="http://schemas.microsoft.com/office/drawing/2014/main" id="{D54A3AA7-CB80-4CB6-BD0B-6F421F58AA17}"/>
-              </a:ext>
-            </a:extLst>
-          </p:cNvPr>
-          <p:cNvSpPr>
-            <a:spLocks noGrp="1"/>
-          </p:cNvSpPr>
-          <p:nvPr>
-            <p:ph type="title"/>
-          </p:nvPr>
-        </p:nvSpPr>
-        <p:spPr/>
-        <p:txBody>
-          <a:bodyPr/>
-          <a:lstStyle/>
-          <a:p>
-            <a:r>
-              <a:rPr lang="en-US" dirty="0"/>
-              <a:t>Adjacency matrix</a:t>
-            </a:r>
-          </a:p>
-        </p:txBody>
-      </p:sp>
-      <p:grpSp>
-        <p:nvGrpSpPr>
-          <p:cNvPr id="4" name="Group 3">
-            <a:extLst>
-              <a:ext uri="{FF2B5EF4-FFF2-40B4-BE49-F238E27FC236}">
-                <a16:creationId xmlns:a16="http://schemas.microsoft.com/office/drawing/2014/main" id="{D0C5330E-4CAD-4E3F-A45E-CD5B5DADB6D8}"/>
-              </a:ext>
-            </a:extLst>
-          </p:cNvPr>
-          <p:cNvGrpSpPr/>
-          <p:nvPr/>
-        </p:nvGrpSpPr>
-        <p:grpSpPr>
-          <a:xfrm>
-            <a:off x="1253569" y="2249349"/>
-            <a:ext cx="2128477" cy="2018946"/>
-            <a:chOff x="9938188" y="4606083"/>
-            <a:chExt cx="2128477" cy="2018946"/>
-          </a:xfrm>
-        </p:grpSpPr>
-        <p:sp>
-          <p:nvSpPr>
-            <p:cNvPr id="5" name="Oval 4">
-              <a:extLst>
-                <a:ext uri="{FF2B5EF4-FFF2-40B4-BE49-F238E27FC236}">
-                  <a16:creationId xmlns:a16="http://schemas.microsoft.com/office/drawing/2014/main" id="{7DE4FF1E-5E55-45AE-8186-4E7654AF501F}"/>
-                </a:ext>
-              </a:extLst>
-            </p:cNvPr>
-            <p:cNvSpPr/>
-            <p:nvPr/>
-          </p:nvSpPr>
-          <p:spPr bwMode="gray">
-            <a:xfrm>
-              <a:off x="9938188" y="5000553"/>
-              <a:ext cx="414216" cy="414216"/>
-            </a:xfrm>
-            <a:prstGeom prst="ellipse">
-              <a:avLst/>
-            </a:prstGeom>
-            <a:ln/>
-          </p:spPr>
-          <p:style>
-            <a:lnRef idx="2">
-              <a:schemeClr val="dk1"/>
-            </a:lnRef>
-            <a:fillRef idx="1">
-              <a:schemeClr val="lt1"/>
-            </a:fillRef>
-            <a:effectRef idx="0">
-              <a:schemeClr val="dk1"/>
-            </a:effectRef>
-            <a:fontRef idx="minor">
-              <a:schemeClr val="dk1"/>
-            </a:fontRef>
-          </p:style>
-          <p:txBody>
-            <a:bodyPr rot="0" spcFirstLastPara="0" vertOverflow="overflow" horzOverflow="overflow" vert="horz" wrap="square" lIns="108000" tIns="72000" rIns="108000" bIns="72000" numCol="1" spcCol="0" rtlCol="0" fromWordArt="0" anchor="ctr" anchorCtr="0" forceAA="0" compatLnSpc="1">
-              <a:prstTxWarp prst="textNoShape">
-                <a:avLst/>
-              </a:prstTxWarp>
-              <a:noAutofit/>
-            </a:bodyPr>
-            <a:lstStyle/>
-            <a:p>
-              <a:pPr algn="ctr">
-                <a:spcBef>
-                  <a:spcPts val="300"/>
-                </a:spcBef>
-                <a:spcAft>
-                  <a:spcPts val="300"/>
-                </a:spcAft>
-              </a:pPr>
-              <a:r>
-                <a:rPr lang="en-US" sz="1200" b="1" dirty="0">
-                  <a:solidFill>
-                    <a:schemeClr val="tx1"/>
-                  </a:solidFill>
-                </a:rPr>
-                <a:t>A</a:t>
-              </a:r>
-            </a:p>
-          </p:txBody>
-        </p:sp>
-        <p:sp>
-          <p:nvSpPr>
-            <p:cNvPr id="6" name="Oval 5">
-              <a:extLst>
-                <a:ext uri="{FF2B5EF4-FFF2-40B4-BE49-F238E27FC236}">
-                  <a16:creationId xmlns:a16="http://schemas.microsoft.com/office/drawing/2014/main" id="{90274D0E-5B84-42B4-96A1-4E4C6582C44A}"/>
-                </a:ext>
-              </a:extLst>
-            </p:cNvPr>
-            <p:cNvSpPr/>
-            <p:nvPr/>
-          </p:nvSpPr>
-          <p:spPr bwMode="gray">
-            <a:xfrm>
-              <a:off x="9938188" y="5928236"/>
-              <a:ext cx="414216" cy="414216"/>
-            </a:xfrm>
-            <a:prstGeom prst="ellipse">
-              <a:avLst/>
-            </a:prstGeom>
-            <a:ln/>
-          </p:spPr>
-          <p:style>
-            <a:lnRef idx="2">
-              <a:schemeClr val="dk1"/>
-            </a:lnRef>
-            <a:fillRef idx="1">
-              <a:schemeClr val="lt1"/>
-            </a:fillRef>
-            <a:effectRef idx="0">
-              <a:schemeClr val="dk1"/>
-            </a:effectRef>
-            <a:fontRef idx="minor">
-              <a:schemeClr val="dk1"/>
-            </a:fontRef>
-          </p:style>
-          <p:txBody>
-            <a:bodyPr rot="0" spcFirstLastPara="0" vertOverflow="overflow" horzOverflow="overflow" vert="horz" wrap="square" lIns="108000" tIns="72000" rIns="108000" bIns="72000" numCol="1" spcCol="0" rtlCol="0" fromWordArt="0" anchor="ctr" anchorCtr="0" forceAA="0" compatLnSpc="1">
-              <a:prstTxWarp prst="textNoShape">
-                <a:avLst/>
-              </a:prstTxWarp>
-              <a:noAutofit/>
-            </a:bodyPr>
-            <a:lstStyle/>
-            <a:p>
-              <a:pPr algn="ctr">
-                <a:spcBef>
-                  <a:spcPts val="300"/>
-                </a:spcBef>
-                <a:spcAft>
-                  <a:spcPts val="300"/>
-                </a:spcAft>
-              </a:pPr>
-              <a:r>
-                <a:rPr lang="en-US" sz="1200" b="1" dirty="0">
-                  <a:solidFill>
-                    <a:schemeClr val="tx1"/>
-                  </a:solidFill>
-                </a:rPr>
-                <a:t>C</a:t>
-              </a:r>
-            </a:p>
-          </p:txBody>
-        </p:sp>
-        <p:sp>
-          <p:nvSpPr>
-            <p:cNvPr id="7" name="Oval 6">
-              <a:extLst>
-                <a:ext uri="{FF2B5EF4-FFF2-40B4-BE49-F238E27FC236}">
-                  <a16:creationId xmlns:a16="http://schemas.microsoft.com/office/drawing/2014/main" id="{3B58ABCE-D266-45C4-9D9C-A5272E7B9CE4}"/>
-                </a:ext>
-              </a:extLst>
-            </p:cNvPr>
-            <p:cNvSpPr/>
-            <p:nvPr/>
-          </p:nvSpPr>
-          <p:spPr bwMode="gray">
-            <a:xfrm>
-              <a:off x="10972096" y="5387317"/>
-              <a:ext cx="414216" cy="414216"/>
-            </a:xfrm>
-            <a:prstGeom prst="ellipse">
-              <a:avLst/>
-            </a:prstGeom>
-            <a:ln/>
-          </p:spPr>
-          <p:style>
-            <a:lnRef idx="2">
-              <a:schemeClr val="dk1"/>
-            </a:lnRef>
-            <a:fillRef idx="1">
-              <a:schemeClr val="lt1"/>
-            </a:fillRef>
-            <a:effectRef idx="0">
-              <a:schemeClr val="dk1"/>
-            </a:effectRef>
-            <a:fontRef idx="minor">
-              <a:schemeClr val="dk1"/>
-            </a:fontRef>
-          </p:style>
-          <p:txBody>
-            <a:bodyPr rot="0" spcFirstLastPara="0" vertOverflow="overflow" horzOverflow="overflow" vert="horz" wrap="square" lIns="108000" tIns="72000" rIns="108000" bIns="72000" numCol="1" spcCol="0" rtlCol="0" fromWordArt="0" anchor="ctr" anchorCtr="0" forceAA="0" compatLnSpc="1">
-              <a:prstTxWarp prst="textNoShape">
-                <a:avLst/>
-              </a:prstTxWarp>
-              <a:noAutofit/>
-            </a:bodyPr>
-            <a:lstStyle/>
-            <a:p>
-              <a:pPr algn="ctr">
-                <a:spcBef>
-                  <a:spcPts val="300"/>
-                </a:spcBef>
-                <a:spcAft>
-                  <a:spcPts val="300"/>
-                </a:spcAft>
-              </a:pPr>
-              <a:r>
-                <a:rPr lang="en-US" sz="1200" b="1" dirty="0">
-                  <a:solidFill>
-                    <a:schemeClr val="tx1"/>
-                  </a:solidFill>
-                </a:rPr>
-                <a:t>B</a:t>
-              </a:r>
-            </a:p>
-          </p:txBody>
-        </p:sp>
-        <p:cxnSp>
-          <p:nvCxnSpPr>
-            <p:cNvPr id="8" name="Straight Arrow Connector 7">
-              <a:extLst>
-                <a:ext uri="{FF2B5EF4-FFF2-40B4-BE49-F238E27FC236}">
-                  <a16:creationId xmlns:a16="http://schemas.microsoft.com/office/drawing/2014/main" id="{537A2454-7C8E-46FF-ABD0-7BFBCDFA8B12}"/>
-                </a:ext>
-              </a:extLst>
-            </p:cNvPr>
-            <p:cNvCxnSpPr>
-              <a:cxnSpLocks/>
-              <a:stCxn id="5" idx="6"/>
-              <a:endCxn id="7" idx="1"/>
-            </p:cNvCxnSpPr>
-            <p:nvPr/>
-          </p:nvCxnSpPr>
-          <p:spPr bwMode="gray">
-            <a:xfrm>
-              <a:off x="10352404" y="5207661"/>
-              <a:ext cx="680353" cy="240317"/>
-            </a:xfrm>
-            <a:prstGeom prst="straightConnector1">
-              <a:avLst/>
-            </a:prstGeom>
-            <a:ln w="28575">
-              <a:solidFill>
-                <a:srgbClr val="0070C0"/>
-              </a:solidFill>
-              <a:headEnd type="none" w="med" len="med"/>
-              <a:tailEnd type="arrow" w="med" len="med"/>
-            </a:ln>
-          </p:spPr>
-          <p:style>
-            <a:lnRef idx="1">
-              <a:schemeClr val="dk1"/>
-            </a:lnRef>
-            <a:fillRef idx="0">
-              <a:schemeClr val="dk1"/>
-            </a:fillRef>
-            <a:effectRef idx="0">
-              <a:schemeClr val="dk1"/>
-            </a:effectRef>
-            <a:fontRef idx="minor">
-              <a:schemeClr val="tx1"/>
-            </a:fontRef>
-          </p:style>
-        </p:cxnSp>
-        <p:cxnSp>
-          <p:nvCxnSpPr>
-            <p:cNvPr id="9" name="Straight Arrow Connector 8">
-              <a:extLst>
-                <a:ext uri="{FF2B5EF4-FFF2-40B4-BE49-F238E27FC236}">
-                  <a16:creationId xmlns:a16="http://schemas.microsoft.com/office/drawing/2014/main" id="{91360864-5D30-44C7-B154-7C81A4E43810}"/>
-                </a:ext>
-              </a:extLst>
-            </p:cNvPr>
-            <p:cNvCxnSpPr>
-              <a:cxnSpLocks/>
-              <a:stCxn id="5" idx="4"/>
-              <a:endCxn id="6" idx="0"/>
-            </p:cNvCxnSpPr>
-            <p:nvPr/>
-          </p:nvCxnSpPr>
-          <p:spPr bwMode="gray">
-            <a:xfrm>
-              <a:off x="10145296" y="5414769"/>
-              <a:ext cx="0" cy="513467"/>
-            </a:xfrm>
-            <a:prstGeom prst="straightConnector1">
-              <a:avLst/>
-            </a:prstGeom>
-            <a:ln w="28575">
-              <a:solidFill>
-                <a:srgbClr val="0070C0"/>
-              </a:solidFill>
-              <a:headEnd type="none" w="med" len="med"/>
-              <a:tailEnd type="arrow" w="med" len="med"/>
-            </a:ln>
-          </p:spPr>
-          <p:style>
-            <a:lnRef idx="1">
-              <a:schemeClr val="dk1"/>
-            </a:lnRef>
-            <a:fillRef idx="0">
-              <a:schemeClr val="dk1"/>
-            </a:fillRef>
-            <a:effectRef idx="0">
-              <a:schemeClr val="dk1"/>
-            </a:effectRef>
-            <a:fontRef idx="minor">
-              <a:schemeClr val="tx1"/>
-            </a:fontRef>
-          </p:style>
-        </p:cxnSp>
-        <p:cxnSp>
-          <p:nvCxnSpPr>
-            <p:cNvPr id="10" name="Straight Arrow Connector 9">
-              <a:extLst>
-                <a:ext uri="{FF2B5EF4-FFF2-40B4-BE49-F238E27FC236}">
-                  <a16:creationId xmlns:a16="http://schemas.microsoft.com/office/drawing/2014/main" id="{1154F6A7-1C0B-4946-83F5-8714D0578BD7}"/>
-                </a:ext>
-              </a:extLst>
-            </p:cNvPr>
-            <p:cNvCxnSpPr>
-              <a:cxnSpLocks/>
-              <a:stCxn id="6" idx="6"/>
-              <a:endCxn id="7" idx="3"/>
-            </p:cNvCxnSpPr>
-            <p:nvPr/>
-          </p:nvCxnSpPr>
-          <p:spPr bwMode="gray">
-            <a:xfrm flipV="1">
-              <a:off x="10352404" y="5740872"/>
-              <a:ext cx="680353" cy="394472"/>
-            </a:xfrm>
-            <a:prstGeom prst="straightConnector1">
-              <a:avLst/>
-            </a:prstGeom>
-            <a:ln w="28575">
-              <a:solidFill>
-                <a:srgbClr val="0070C0"/>
-              </a:solidFill>
-              <a:headEnd type="none" w="med" len="med"/>
-              <a:tailEnd type="arrow" w="med" len="med"/>
-            </a:ln>
-          </p:spPr>
-          <p:style>
-            <a:lnRef idx="1">
-              <a:schemeClr val="dk1"/>
-            </a:lnRef>
-            <a:fillRef idx="0">
-              <a:schemeClr val="dk1"/>
-            </a:fillRef>
-            <a:effectRef idx="0">
-              <a:schemeClr val="dk1"/>
-            </a:effectRef>
-            <a:fontRef idx="minor">
-              <a:schemeClr val="tx1"/>
-            </a:fontRef>
-          </p:style>
-        </p:cxnSp>
-        <p:sp>
-          <p:nvSpPr>
-            <p:cNvPr id="11" name="Oval 10">
-              <a:extLst>
-                <a:ext uri="{FF2B5EF4-FFF2-40B4-BE49-F238E27FC236}">
-                  <a16:creationId xmlns:a16="http://schemas.microsoft.com/office/drawing/2014/main" id="{90CCA05F-69BF-43DF-9FBE-2A7FB6631CF7}"/>
-                </a:ext>
-              </a:extLst>
-            </p:cNvPr>
-            <p:cNvSpPr/>
-            <p:nvPr/>
-          </p:nvSpPr>
-          <p:spPr bwMode="gray">
-            <a:xfrm>
-              <a:off x="11214165" y="6210813"/>
-              <a:ext cx="414216" cy="414216"/>
-            </a:xfrm>
-            <a:prstGeom prst="ellipse">
-              <a:avLst/>
-            </a:prstGeom>
-            <a:ln/>
-          </p:spPr>
-          <p:style>
-            <a:lnRef idx="2">
-              <a:schemeClr val="dk1"/>
-            </a:lnRef>
-            <a:fillRef idx="1">
-              <a:schemeClr val="lt1"/>
-            </a:fillRef>
-            <a:effectRef idx="0">
-              <a:schemeClr val="dk1"/>
-            </a:effectRef>
-            <a:fontRef idx="minor">
-              <a:schemeClr val="dk1"/>
-            </a:fontRef>
-          </p:style>
-          <p:txBody>
-            <a:bodyPr rot="0" spcFirstLastPara="0" vertOverflow="overflow" horzOverflow="overflow" vert="horz" wrap="square" lIns="108000" tIns="72000" rIns="108000" bIns="72000" numCol="1" spcCol="0" rtlCol="0" fromWordArt="0" anchor="ctr" anchorCtr="0" forceAA="0" compatLnSpc="1">
-              <a:prstTxWarp prst="textNoShape">
-                <a:avLst/>
-              </a:prstTxWarp>
-              <a:noAutofit/>
-            </a:bodyPr>
-            <a:lstStyle/>
-            <a:p>
-              <a:pPr algn="ctr">
-                <a:spcBef>
-                  <a:spcPts val="300"/>
-                </a:spcBef>
-                <a:spcAft>
-                  <a:spcPts val="300"/>
-                </a:spcAft>
-              </a:pPr>
-              <a:r>
-                <a:rPr lang="en-US" sz="1200" b="1" dirty="0">
-                  <a:solidFill>
-                    <a:schemeClr val="tx1"/>
-                  </a:solidFill>
-                </a:rPr>
-                <a:t>D</a:t>
-              </a:r>
-            </a:p>
-          </p:txBody>
-        </p:sp>
-        <p:cxnSp>
-          <p:nvCxnSpPr>
-            <p:cNvPr id="12" name="Straight Arrow Connector 11">
-              <a:extLst>
-                <a:ext uri="{FF2B5EF4-FFF2-40B4-BE49-F238E27FC236}">
-                  <a16:creationId xmlns:a16="http://schemas.microsoft.com/office/drawing/2014/main" id="{3F5C97F2-C42E-48F7-B360-407954FB7264}"/>
-                </a:ext>
-              </a:extLst>
-            </p:cNvPr>
-            <p:cNvCxnSpPr>
-              <a:cxnSpLocks/>
-              <a:stCxn id="7" idx="5"/>
-              <a:endCxn id="11" idx="0"/>
-            </p:cNvCxnSpPr>
-            <p:nvPr/>
-          </p:nvCxnSpPr>
-          <p:spPr bwMode="gray">
-            <a:xfrm>
-              <a:off x="11325651" y="5740872"/>
-              <a:ext cx="95622" cy="469941"/>
-            </a:xfrm>
-            <a:prstGeom prst="straightConnector1">
-              <a:avLst/>
-            </a:prstGeom>
-            <a:ln w="28575">
-              <a:solidFill>
-                <a:srgbClr val="0070C0"/>
-              </a:solidFill>
-              <a:headEnd type="none" w="med" len="med"/>
-              <a:tailEnd type="arrow" w="med" len="med"/>
-            </a:ln>
-          </p:spPr>
-          <p:style>
-            <a:lnRef idx="1">
-              <a:schemeClr val="dk1"/>
-            </a:lnRef>
-            <a:fillRef idx="0">
-              <a:schemeClr val="dk1"/>
-            </a:fillRef>
-            <a:effectRef idx="0">
-              <a:schemeClr val="dk1"/>
-            </a:effectRef>
-            <a:fontRef idx="minor">
-              <a:schemeClr val="tx1"/>
-            </a:fontRef>
-          </p:style>
-        </p:cxnSp>
-        <p:sp>
-          <p:nvSpPr>
-            <p:cNvPr id="13" name="Oval 12">
-              <a:extLst>
-                <a:ext uri="{FF2B5EF4-FFF2-40B4-BE49-F238E27FC236}">
-                  <a16:creationId xmlns:a16="http://schemas.microsoft.com/office/drawing/2014/main" id="{0EB109AC-219E-4D6F-8376-217D5E9E3806}"/>
-                </a:ext>
-              </a:extLst>
-            </p:cNvPr>
-            <p:cNvSpPr/>
-            <p:nvPr/>
-          </p:nvSpPr>
-          <p:spPr bwMode="gray">
-            <a:xfrm>
-              <a:off x="11053577" y="4606083"/>
-              <a:ext cx="414216" cy="414216"/>
-            </a:xfrm>
-            <a:prstGeom prst="ellipse">
-              <a:avLst/>
-            </a:prstGeom>
-            <a:ln/>
-          </p:spPr>
-          <p:style>
-            <a:lnRef idx="2">
-              <a:schemeClr val="dk1"/>
-            </a:lnRef>
-            <a:fillRef idx="1">
-              <a:schemeClr val="lt1"/>
-            </a:fillRef>
-            <a:effectRef idx="0">
-              <a:schemeClr val="dk1"/>
-            </a:effectRef>
-            <a:fontRef idx="minor">
-              <a:schemeClr val="dk1"/>
-            </a:fontRef>
-          </p:style>
-          <p:txBody>
-            <a:bodyPr rot="0" spcFirstLastPara="0" vertOverflow="overflow" horzOverflow="overflow" vert="horz" wrap="square" lIns="108000" tIns="72000" rIns="108000" bIns="72000" numCol="1" spcCol="0" rtlCol="0" fromWordArt="0" anchor="ctr" anchorCtr="0" forceAA="0" compatLnSpc="1">
-              <a:prstTxWarp prst="textNoShape">
-                <a:avLst/>
-              </a:prstTxWarp>
-              <a:noAutofit/>
-            </a:bodyPr>
-            <a:lstStyle/>
-            <a:p>
-              <a:pPr algn="ctr">
-                <a:spcBef>
-                  <a:spcPts val="300"/>
-                </a:spcBef>
-                <a:spcAft>
-                  <a:spcPts val="300"/>
-                </a:spcAft>
-              </a:pPr>
-              <a:r>
-                <a:rPr lang="en-US" sz="1200" b="1" dirty="0">
-                  <a:solidFill>
-                    <a:schemeClr val="tx1"/>
-                  </a:solidFill>
-                </a:rPr>
-                <a:t>E</a:t>
-              </a:r>
-            </a:p>
-          </p:txBody>
-        </p:sp>
-        <p:sp>
-          <p:nvSpPr>
-            <p:cNvPr id="14" name="Oval 13">
-              <a:extLst>
-                <a:ext uri="{FF2B5EF4-FFF2-40B4-BE49-F238E27FC236}">
-                  <a16:creationId xmlns:a16="http://schemas.microsoft.com/office/drawing/2014/main" id="{C096E39B-B2BB-4E5B-8055-D8BE44C2AD8A}"/>
-                </a:ext>
-              </a:extLst>
-            </p:cNvPr>
-            <p:cNvSpPr/>
-            <p:nvPr/>
-          </p:nvSpPr>
-          <p:spPr bwMode="gray">
-            <a:xfrm>
-              <a:off x="11652449" y="5207661"/>
-              <a:ext cx="414216" cy="414216"/>
-            </a:xfrm>
-            <a:prstGeom prst="ellipse">
-              <a:avLst/>
-            </a:prstGeom>
-            <a:ln/>
-          </p:spPr>
-          <p:style>
-            <a:lnRef idx="2">
-              <a:schemeClr val="dk1"/>
-            </a:lnRef>
-            <a:fillRef idx="1">
-              <a:schemeClr val="lt1"/>
-            </a:fillRef>
-            <a:effectRef idx="0">
-              <a:schemeClr val="dk1"/>
-            </a:effectRef>
-            <a:fontRef idx="minor">
-              <a:schemeClr val="dk1"/>
-            </a:fontRef>
-          </p:style>
-          <p:txBody>
-            <a:bodyPr rot="0" spcFirstLastPara="0" vertOverflow="overflow" horzOverflow="overflow" vert="horz" wrap="square" lIns="108000" tIns="72000" rIns="108000" bIns="72000" numCol="1" spcCol="0" rtlCol="0" fromWordArt="0" anchor="ctr" anchorCtr="0" forceAA="0" compatLnSpc="1">
-              <a:prstTxWarp prst="textNoShape">
-                <a:avLst/>
-              </a:prstTxWarp>
-              <a:noAutofit/>
-            </a:bodyPr>
-            <a:lstStyle/>
-            <a:p>
-              <a:pPr algn="ctr">
-                <a:spcBef>
-                  <a:spcPts val="300"/>
-                </a:spcBef>
-                <a:spcAft>
-                  <a:spcPts val="300"/>
-                </a:spcAft>
-              </a:pPr>
-              <a:r>
-                <a:rPr lang="en-US" sz="1200" b="1" dirty="0">
-                  <a:solidFill>
-                    <a:schemeClr val="tx1"/>
-                  </a:solidFill>
-                </a:rPr>
-                <a:t>F</a:t>
-              </a:r>
-            </a:p>
-          </p:txBody>
-        </p:sp>
-        <p:cxnSp>
-          <p:nvCxnSpPr>
-            <p:cNvPr id="15" name="Straight Arrow Connector 14">
-              <a:extLst>
-                <a:ext uri="{FF2B5EF4-FFF2-40B4-BE49-F238E27FC236}">
-                  <a16:creationId xmlns:a16="http://schemas.microsoft.com/office/drawing/2014/main" id="{056B5A4D-587A-4802-A45C-326108CBDB36}"/>
-                </a:ext>
-              </a:extLst>
-            </p:cNvPr>
-            <p:cNvCxnSpPr>
-              <a:cxnSpLocks/>
-              <a:stCxn id="7" idx="0"/>
-              <a:endCxn id="13" idx="4"/>
-            </p:cNvCxnSpPr>
-            <p:nvPr/>
-          </p:nvCxnSpPr>
-          <p:spPr bwMode="gray">
-            <a:xfrm flipV="1">
-              <a:off x="11179204" y="5020299"/>
-              <a:ext cx="81481" cy="367018"/>
-            </a:xfrm>
-            <a:prstGeom prst="straightConnector1">
-              <a:avLst/>
-            </a:prstGeom>
-            <a:ln w="28575">
-              <a:solidFill>
-                <a:srgbClr val="00B050"/>
-              </a:solidFill>
-              <a:headEnd type="none" w="med" len="med"/>
-              <a:tailEnd type="arrow" w="med" len="med"/>
-            </a:ln>
-          </p:spPr>
-          <p:style>
-            <a:lnRef idx="1">
-              <a:schemeClr val="dk1"/>
-            </a:lnRef>
-            <a:fillRef idx="0">
-              <a:schemeClr val="dk1"/>
-            </a:fillRef>
-            <a:effectRef idx="0">
-              <a:schemeClr val="dk1"/>
-            </a:effectRef>
-            <a:fontRef idx="minor">
-              <a:schemeClr val="tx1"/>
-            </a:fontRef>
-          </p:style>
-        </p:cxnSp>
-        <p:cxnSp>
-          <p:nvCxnSpPr>
-            <p:cNvPr id="16" name="Straight Arrow Connector 15">
-              <a:extLst>
-                <a:ext uri="{FF2B5EF4-FFF2-40B4-BE49-F238E27FC236}">
-                  <a16:creationId xmlns:a16="http://schemas.microsoft.com/office/drawing/2014/main" id="{71B4F9E3-B917-4FB6-9D3E-463478193137}"/>
-                </a:ext>
-              </a:extLst>
-            </p:cNvPr>
-            <p:cNvCxnSpPr>
-              <a:cxnSpLocks/>
-              <a:stCxn id="7" idx="7"/>
-              <a:endCxn id="14" idx="2"/>
-            </p:cNvCxnSpPr>
-            <p:nvPr/>
-          </p:nvCxnSpPr>
-          <p:spPr bwMode="gray">
-            <a:xfrm flipV="1">
-              <a:off x="11325651" y="5414769"/>
-              <a:ext cx="326798" cy="33209"/>
-            </a:xfrm>
-            <a:prstGeom prst="straightConnector1">
-              <a:avLst/>
-            </a:prstGeom>
-            <a:ln w="28575">
-              <a:solidFill>
-                <a:srgbClr val="00B050"/>
-              </a:solidFill>
-              <a:headEnd type="none" w="med" len="med"/>
-              <a:tailEnd type="arrow" w="med" len="med"/>
-            </a:ln>
-          </p:spPr>
-          <p:style>
-            <a:lnRef idx="1">
-              <a:schemeClr val="dk1"/>
-            </a:lnRef>
-            <a:fillRef idx="0">
-              <a:schemeClr val="dk1"/>
-            </a:fillRef>
-            <a:effectRef idx="0">
-              <a:schemeClr val="dk1"/>
-            </a:effectRef>
-            <a:fontRef idx="minor">
-              <a:schemeClr val="tx1"/>
-            </a:fontRef>
-          </p:style>
-        </p:cxnSp>
-        <p:cxnSp>
-          <p:nvCxnSpPr>
-            <p:cNvPr id="17" name="Straight Arrow Connector 16">
-              <a:extLst>
-                <a:ext uri="{FF2B5EF4-FFF2-40B4-BE49-F238E27FC236}">
-                  <a16:creationId xmlns:a16="http://schemas.microsoft.com/office/drawing/2014/main" id="{3F69E450-C385-4C4B-AB45-7990C49EEEAF}"/>
-                </a:ext>
-              </a:extLst>
-            </p:cNvPr>
-            <p:cNvCxnSpPr>
-              <a:cxnSpLocks/>
-              <a:stCxn id="13" idx="5"/>
-              <a:endCxn id="14" idx="1"/>
-            </p:cNvCxnSpPr>
-            <p:nvPr/>
-          </p:nvCxnSpPr>
-          <p:spPr bwMode="gray">
-            <a:xfrm>
-              <a:off x="11407132" y="4959638"/>
-              <a:ext cx="305978" cy="308684"/>
-            </a:xfrm>
-            <a:prstGeom prst="straightConnector1">
-              <a:avLst/>
-            </a:prstGeom>
-            <a:ln w="28575">
-              <a:solidFill>
-                <a:srgbClr val="00B050"/>
-              </a:solidFill>
-              <a:headEnd type="none" w="med" len="med"/>
-              <a:tailEnd type="arrow" w="med" len="med"/>
-            </a:ln>
-          </p:spPr>
-          <p:style>
-            <a:lnRef idx="1">
-              <a:schemeClr val="dk1"/>
-            </a:lnRef>
-            <a:fillRef idx="0">
-              <a:schemeClr val="dk1"/>
-            </a:fillRef>
-            <a:effectRef idx="0">
-              <a:schemeClr val="dk1"/>
-            </a:effectRef>
-            <a:fontRef idx="minor">
-              <a:schemeClr val="tx1"/>
-            </a:fontRef>
-          </p:style>
-        </p:cxnSp>
-        <p:cxnSp>
-          <p:nvCxnSpPr>
-            <p:cNvPr id="18" name="Straight Arrow Connector 17">
-              <a:extLst>
-                <a:ext uri="{FF2B5EF4-FFF2-40B4-BE49-F238E27FC236}">
-                  <a16:creationId xmlns:a16="http://schemas.microsoft.com/office/drawing/2014/main" id="{458396F5-98E2-4BF0-AA31-ABF2A3A9C5B1}"/>
-                </a:ext>
-              </a:extLst>
-            </p:cNvPr>
-            <p:cNvCxnSpPr>
-              <a:cxnSpLocks/>
-              <a:stCxn id="6" idx="5"/>
-              <a:endCxn id="11" idx="2"/>
-            </p:cNvCxnSpPr>
-            <p:nvPr/>
-          </p:nvCxnSpPr>
-          <p:spPr bwMode="gray">
-            <a:xfrm>
-              <a:off x="10291743" y="6281791"/>
-              <a:ext cx="922422" cy="136130"/>
-            </a:xfrm>
-            <a:prstGeom prst="straightConnector1">
-              <a:avLst/>
-            </a:prstGeom>
-            <a:ln w="28575">
-              <a:solidFill>
-                <a:srgbClr val="0070C0"/>
-              </a:solidFill>
-              <a:headEnd type="none" w="med" len="med"/>
-              <a:tailEnd type="arrow" w="med" len="med"/>
-            </a:ln>
-          </p:spPr>
-          <p:style>
-            <a:lnRef idx="1">
-              <a:schemeClr val="dk1"/>
-            </a:lnRef>
-            <a:fillRef idx="0">
-              <a:schemeClr val="dk1"/>
-            </a:fillRef>
-            <a:effectRef idx="0">
-              <a:schemeClr val="dk1"/>
-            </a:effectRef>
-            <a:fontRef idx="minor">
-              <a:schemeClr val="tx1"/>
-            </a:fontRef>
-          </p:style>
-        </p:cxnSp>
-        <p:cxnSp>
-          <p:nvCxnSpPr>
-            <p:cNvPr id="19" name="Straight Arrow Connector 18">
-              <a:extLst>
-                <a:ext uri="{FF2B5EF4-FFF2-40B4-BE49-F238E27FC236}">
-                  <a16:creationId xmlns:a16="http://schemas.microsoft.com/office/drawing/2014/main" id="{45D99E8F-CD07-4109-9BDA-DF1B2BC396F2}"/>
-                </a:ext>
-              </a:extLst>
-            </p:cNvPr>
-            <p:cNvCxnSpPr>
-              <a:cxnSpLocks/>
-              <a:stCxn id="5" idx="5"/>
-              <a:endCxn id="11" idx="1"/>
-            </p:cNvCxnSpPr>
-            <p:nvPr/>
-          </p:nvCxnSpPr>
-          <p:spPr bwMode="gray">
-            <a:xfrm>
-              <a:off x="10291743" y="5354108"/>
-              <a:ext cx="983083" cy="917366"/>
-            </a:xfrm>
-            <a:prstGeom prst="straightConnector1">
-              <a:avLst/>
-            </a:prstGeom>
-            <a:ln w="28575">
-              <a:solidFill>
-                <a:srgbClr val="0070C0"/>
-              </a:solidFill>
-              <a:headEnd type="none" w="med" len="med"/>
-              <a:tailEnd type="arrow" w="med" len="med"/>
-            </a:ln>
-          </p:spPr>
-          <p:style>
-            <a:lnRef idx="1">
-              <a:schemeClr val="dk1"/>
-            </a:lnRef>
-            <a:fillRef idx="0">
-              <a:schemeClr val="dk1"/>
-            </a:fillRef>
-            <a:effectRef idx="0">
-              <a:schemeClr val="dk1"/>
-            </a:effectRef>
-            <a:fontRef idx="minor">
-              <a:schemeClr val="tx1"/>
-            </a:fontRef>
-          </p:style>
-        </p:cxnSp>
-      </p:grpSp>
-      <p:sp>
-        <p:nvSpPr>
-          <p:cNvPr id="20" name="TextBox 19">
-            <a:extLst>
-              <a:ext uri="{FF2B5EF4-FFF2-40B4-BE49-F238E27FC236}">
-                <a16:creationId xmlns:a16="http://schemas.microsoft.com/office/drawing/2014/main" id="{876171E5-31E7-4E68-8CDD-035FBAD8771D}"/>
-              </a:ext>
-            </a:extLst>
-          </p:cNvPr>
-          <p:cNvSpPr txBox="1"/>
-          <p:nvPr/>
-        </p:nvSpPr>
-        <p:spPr bwMode="gray">
-          <a:xfrm>
-            <a:off x="1046978" y="1963367"/>
-            <a:ext cx="1963731" cy="439091"/>
-          </a:xfrm>
-          <a:prstGeom prst="rect">
-            <a:avLst/>
-          </a:prstGeom>
-          <a:noFill/>
-        </p:spPr>
-        <p:txBody>
-          <a:bodyPr wrap="square" lIns="0" tIns="0" rIns="0" bIns="0" rtlCol="0">
-            <a:noAutofit/>
-          </a:bodyPr>
-          <a:lstStyle/>
-          <a:p>
-            <a:pPr>
-              <a:spcBef>
-                <a:spcPts val="300"/>
-              </a:spcBef>
-              <a:spcAft>
-                <a:spcPts val="300"/>
-              </a:spcAft>
-              <a:buClr>
-                <a:schemeClr val="accent1"/>
-              </a:buClr>
-              <a:buSzPct val="90000"/>
-            </a:pPr>
-            <a:r>
-              <a:rPr lang="en-US" sz="1600" b="1" dirty="0"/>
-              <a:t>Cliques</a:t>
-            </a:r>
-            <a:endParaRPr lang="en-US" sz="1600" dirty="0"/>
-          </a:p>
-        </p:txBody>
-      </p:sp>
-      <p:cxnSp>
-        <p:nvCxnSpPr>
-          <p:cNvPr id="33" name="Connector: Elbow 32">
-            <a:extLst>
-              <a:ext uri="{FF2B5EF4-FFF2-40B4-BE49-F238E27FC236}">
-                <a16:creationId xmlns:a16="http://schemas.microsoft.com/office/drawing/2014/main" id="{A5379A8C-DD80-4C7B-ABC4-247F9C5043C5}"/>
-              </a:ext>
-            </a:extLst>
-          </p:cNvPr>
-          <p:cNvCxnSpPr>
-            <a:cxnSpLocks/>
-            <a:stCxn id="5" idx="1"/>
-            <a:endCxn id="5" idx="7"/>
-          </p:cNvCxnSpPr>
-          <p:nvPr/>
-        </p:nvCxnSpPr>
-        <p:spPr bwMode="gray">
-          <a:xfrm rot="5400000" flipH="1" flipV="1">
-            <a:off x="1460677" y="2558033"/>
-            <a:ext cx="12700" cy="292894"/>
-          </a:xfrm>
-          <a:prstGeom prst="bentConnector3">
-            <a:avLst>
-              <a:gd name="adj1" fmla="val 2277646"/>
-            </a:avLst>
-          </a:prstGeom>
-          <a:ln w="19050">
-            <a:solidFill>
-              <a:srgbClr val="0070C0"/>
-            </a:solidFill>
-            <a:headEnd type="none" w="med" len="med"/>
-            <a:tailEnd type="arrow" w="med" len="med"/>
-          </a:ln>
-        </p:spPr>
-        <p:style>
-          <a:lnRef idx="1">
-            <a:schemeClr val="dk1"/>
-          </a:lnRef>
-          <a:fillRef idx="0">
-            <a:schemeClr val="dk1"/>
-          </a:fillRef>
-          <a:effectRef idx="0">
-            <a:schemeClr val="dk1"/>
-          </a:effectRef>
-          <a:fontRef idx="minor">
-            <a:schemeClr val="tx1"/>
-          </a:fontRef>
-        </p:style>
-      </p:cxnSp>
-      <p:graphicFrame>
-        <p:nvGraphicFramePr>
-          <p:cNvPr id="36" name="Table 31">
-            <a:extLst>
-              <a:ext uri="{FF2B5EF4-FFF2-40B4-BE49-F238E27FC236}">
-                <a16:creationId xmlns:a16="http://schemas.microsoft.com/office/drawing/2014/main" id="{973667B2-45C2-464F-91C0-90A59BEBC6A7}"/>
-              </a:ext>
-            </a:extLst>
-          </p:cNvPr>
-          <p:cNvGraphicFramePr>
-            <a:graphicFrameLocks noGrp="1"/>
-          </p:cNvGraphicFramePr>
-          <p:nvPr>
-            <p:extLst>
-              <p:ext uri="{D42A27DB-BD31-4B8C-83A1-F6EECF244321}">
-                <p14:modId xmlns:p14="http://schemas.microsoft.com/office/powerpoint/2010/main" val="3791153472"/>
-              </p:ext>
-            </p:extLst>
-          </p:nvPr>
-        </p:nvGraphicFramePr>
-        <p:xfrm>
-          <a:off x="4023673" y="1664943"/>
-          <a:ext cx="7324723" cy="3200400"/>
-        </p:xfrm>
-        <a:graphic>
-          <a:graphicData uri="http://schemas.openxmlformats.org/drawingml/2006/table">
-            <a:tbl>
-              <a:tblPr firstRow="1" bandRow="1">
-                <a:tableStyleId>{5940675A-B579-460E-94D1-54222C63F5DA}</a:tableStyleId>
-              </a:tblPr>
-              <a:tblGrid>
-                <a:gridCol w="1046389">
-                  <a:extLst>
-                    <a:ext uri="{9D8B030D-6E8A-4147-A177-3AD203B41FA5}">
-                      <a16:colId xmlns:a16="http://schemas.microsoft.com/office/drawing/2014/main" val="316102879"/>
-                    </a:ext>
-                  </a:extLst>
-                </a:gridCol>
-                <a:gridCol w="1046389">
-                  <a:extLst>
-                    <a:ext uri="{9D8B030D-6E8A-4147-A177-3AD203B41FA5}">
-                      <a16:colId xmlns:a16="http://schemas.microsoft.com/office/drawing/2014/main" val="3279462520"/>
-                    </a:ext>
-                  </a:extLst>
-                </a:gridCol>
-                <a:gridCol w="1046389">
-                  <a:extLst>
-                    <a:ext uri="{9D8B030D-6E8A-4147-A177-3AD203B41FA5}">
-                      <a16:colId xmlns:a16="http://schemas.microsoft.com/office/drawing/2014/main" val="2931481304"/>
-                    </a:ext>
-                  </a:extLst>
-                </a:gridCol>
-                <a:gridCol w="1046389">
-                  <a:extLst>
-                    <a:ext uri="{9D8B030D-6E8A-4147-A177-3AD203B41FA5}">
-                      <a16:colId xmlns:a16="http://schemas.microsoft.com/office/drawing/2014/main" val="1258615337"/>
-                    </a:ext>
-                  </a:extLst>
-                </a:gridCol>
-                <a:gridCol w="1046389">
-                  <a:extLst>
-                    <a:ext uri="{9D8B030D-6E8A-4147-A177-3AD203B41FA5}">
-                      <a16:colId xmlns:a16="http://schemas.microsoft.com/office/drawing/2014/main" val="3285960174"/>
-                    </a:ext>
-                  </a:extLst>
-                </a:gridCol>
-                <a:gridCol w="1046389">
-                  <a:extLst>
-                    <a:ext uri="{9D8B030D-6E8A-4147-A177-3AD203B41FA5}">
-                      <a16:colId xmlns:a16="http://schemas.microsoft.com/office/drawing/2014/main" val="1277167154"/>
-                    </a:ext>
-                  </a:extLst>
-                </a:gridCol>
-                <a:gridCol w="1046389">
-                  <a:extLst>
-                    <a:ext uri="{9D8B030D-6E8A-4147-A177-3AD203B41FA5}">
-                      <a16:colId xmlns:a16="http://schemas.microsoft.com/office/drawing/2014/main" val="440957063"/>
-                    </a:ext>
-                  </a:extLst>
-                </a:gridCol>
-              </a:tblGrid>
-              <a:tr h="265841">
-                <a:tc>
-                  <a:txBody>
-                    <a:bodyPr/>
-                    <a:lstStyle/>
-                    <a:p>
-                      <a:pPr algn="ctr"/>
-                      <a:endParaRPr lang="en-US" b="1" dirty="0"/>
-                    </a:p>
-                  </a:txBody>
-                  <a:tcPr/>
-                </a:tc>
-                <a:tc>
-                  <a:txBody>
-                    <a:bodyPr/>
-                    <a:lstStyle/>
-                    <a:p>
-                      <a:pPr algn="ctr"/>
-                      <a:r>
-                        <a:rPr lang="en-US" b="1" dirty="0"/>
-                        <a:t>A</a:t>
-                      </a:r>
-                    </a:p>
-                  </a:txBody>
-                  <a:tcPr/>
-                </a:tc>
-                <a:tc>
-                  <a:txBody>
-                    <a:bodyPr/>
-                    <a:lstStyle/>
-                    <a:p>
-                      <a:pPr algn="ctr"/>
-                      <a:r>
-                        <a:rPr lang="en-US" b="1" dirty="0"/>
-                        <a:t>C</a:t>
-                      </a:r>
-                    </a:p>
-                  </a:txBody>
-                  <a:tcPr/>
-                </a:tc>
-                <a:tc>
-                  <a:txBody>
-                    <a:bodyPr/>
-                    <a:lstStyle/>
-                    <a:p>
-                      <a:pPr algn="ctr"/>
-                      <a:r>
-                        <a:rPr lang="en-US" b="1" dirty="0"/>
-                        <a:t>D</a:t>
-                      </a:r>
-                    </a:p>
-                  </a:txBody>
-                  <a:tcPr/>
-                </a:tc>
-                <a:tc>
-                  <a:txBody>
-                    <a:bodyPr/>
-                    <a:lstStyle/>
-                    <a:p>
-                      <a:pPr algn="ctr"/>
-                      <a:r>
-                        <a:rPr lang="en-US" b="1" dirty="0"/>
-                        <a:t>B</a:t>
-                      </a:r>
-                    </a:p>
-                  </a:txBody>
-                  <a:tcPr/>
-                </a:tc>
-                <a:tc>
-                  <a:txBody>
-                    <a:bodyPr/>
-                    <a:lstStyle/>
-                    <a:p>
-                      <a:pPr algn="ctr"/>
-                      <a:r>
-                        <a:rPr lang="en-US" b="1" dirty="0"/>
-                        <a:t>E</a:t>
-                      </a:r>
-                    </a:p>
-                  </a:txBody>
-                  <a:tcPr/>
-                </a:tc>
-                <a:tc>
-                  <a:txBody>
-                    <a:bodyPr/>
-                    <a:lstStyle/>
-                    <a:p>
-                      <a:pPr algn="ctr"/>
-                      <a:r>
-                        <a:rPr lang="en-US" b="1" dirty="0"/>
-                        <a:t>F</a:t>
-                      </a:r>
-                    </a:p>
-                  </a:txBody>
-                  <a:tcPr/>
-                </a:tc>
-                <a:extLst>
-                  <a:ext uri="{0D108BD9-81ED-4DB2-BD59-A6C34878D82A}">
-                    <a16:rowId xmlns:a16="http://schemas.microsoft.com/office/drawing/2014/main" val="1312817511"/>
-                  </a:ext>
-                </a:extLst>
-              </a:tr>
-              <a:tr h="370840">
-                <a:tc>
-                  <a:txBody>
-                    <a:bodyPr/>
-                    <a:lstStyle/>
-                    <a:p>
-                      <a:pPr algn="ctr"/>
-                      <a:r>
-                        <a:rPr lang="en-US" b="1" dirty="0"/>
-                        <a:t>A</a:t>
-                      </a:r>
-                    </a:p>
-                  </a:txBody>
-                  <a:tcPr/>
-                </a:tc>
-                <a:tc>
-                  <a:txBody>
-                    <a:bodyPr/>
-                    <a:lstStyle/>
-                    <a:p>
-                      <a:pPr algn="ctr"/>
-                      <a:r>
-                        <a:rPr lang="en-US" dirty="0"/>
-                        <a:t>1</a:t>
-                      </a:r>
-                    </a:p>
-                  </a:txBody>
-                  <a:tcPr/>
-                </a:tc>
-                <a:tc>
-                  <a:txBody>
-                    <a:bodyPr/>
-                    <a:lstStyle/>
-                    <a:p>
-                      <a:pPr algn="ctr"/>
-                      <a:r>
-                        <a:rPr lang="en-US" dirty="0"/>
-                        <a:t>1</a:t>
-                      </a:r>
-                    </a:p>
-                  </a:txBody>
-                  <a:tcPr/>
-                </a:tc>
-                <a:tc>
-                  <a:txBody>
-                    <a:bodyPr/>
-                    <a:lstStyle/>
-                    <a:p>
-                      <a:pPr algn="ctr"/>
-                      <a:r>
-                        <a:rPr lang="en-US" dirty="0"/>
-                        <a:t>1</a:t>
-                      </a:r>
-                    </a:p>
-                  </a:txBody>
-                  <a:tcPr/>
-                </a:tc>
-                <a:tc>
-                  <a:txBody>
-                    <a:bodyPr/>
-                    <a:lstStyle/>
-                    <a:p>
-                      <a:pPr algn="ctr"/>
-                      <a:r>
-                        <a:rPr lang="en-US" dirty="0"/>
-                        <a:t>1</a:t>
-                      </a:r>
-                    </a:p>
-                  </a:txBody>
-                  <a:tcPr/>
-                </a:tc>
-                <a:tc>
-                  <a:txBody>
-                    <a:bodyPr/>
-                    <a:lstStyle/>
-                    <a:p>
-                      <a:pPr algn="ctr"/>
-                      <a:r>
-                        <a:rPr lang="en-US" dirty="0"/>
-                        <a:t>0</a:t>
-                      </a:r>
-                    </a:p>
-                  </a:txBody>
-                  <a:tcPr/>
-                </a:tc>
-                <a:tc>
-                  <a:txBody>
-                    <a:bodyPr/>
-                    <a:lstStyle/>
-                    <a:p>
-                      <a:pPr algn="ctr"/>
-                      <a:r>
-                        <a:rPr lang="en-US" dirty="0"/>
-                        <a:t>0</a:t>
-                      </a:r>
-                    </a:p>
-                  </a:txBody>
-                  <a:tcPr/>
-                </a:tc>
-                <a:extLst>
-                  <a:ext uri="{0D108BD9-81ED-4DB2-BD59-A6C34878D82A}">
-                    <a16:rowId xmlns:a16="http://schemas.microsoft.com/office/drawing/2014/main" val="3212943420"/>
-                  </a:ext>
-                </a:extLst>
-              </a:tr>
-              <a:tr h="370840">
-                <a:tc>
-                  <a:txBody>
-                    <a:bodyPr/>
-                    <a:lstStyle/>
-                    <a:p>
-                      <a:pPr algn="ctr"/>
-                      <a:r>
-                        <a:rPr lang="en-US" b="1" dirty="0"/>
-                        <a:t>C</a:t>
-                      </a:r>
-                    </a:p>
-                  </a:txBody>
-                  <a:tcPr/>
-                </a:tc>
-                <a:tc>
-                  <a:txBody>
-                    <a:bodyPr/>
-                    <a:lstStyle/>
-                    <a:p>
-                      <a:pPr algn="ctr"/>
-                      <a:r>
-                        <a:rPr lang="en-US" dirty="0"/>
-                        <a:t>1</a:t>
-                      </a:r>
-                    </a:p>
-                  </a:txBody>
-                  <a:tcPr/>
-                </a:tc>
-                <a:tc>
-                  <a:txBody>
-                    <a:bodyPr/>
-                    <a:lstStyle/>
-                    <a:p>
-                      <a:pPr algn="ctr"/>
-                      <a:r>
-                        <a:rPr lang="en-US" dirty="0"/>
-                        <a:t>0</a:t>
-                      </a:r>
-                    </a:p>
-                  </a:txBody>
-                  <a:tcPr/>
-                </a:tc>
-                <a:tc>
-                  <a:txBody>
-                    <a:bodyPr/>
-                    <a:lstStyle/>
-                    <a:p>
-                      <a:pPr algn="ctr"/>
-                      <a:r>
-                        <a:rPr lang="en-US" dirty="0"/>
-                        <a:t>1</a:t>
-                      </a:r>
-                    </a:p>
-                  </a:txBody>
-                  <a:tcPr/>
-                </a:tc>
-                <a:tc>
-                  <a:txBody>
-                    <a:bodyPr/>
-                    <a:lstStyle/>
-                    <a:p>
-                      <a:pPr algn="ctr"/>
-                      <a:r>
-                        <a:rPr lang="en-US" dirty="0"/>
-                        <a:t>1</a:t>
-                      </a:r>
-                    </a:p>
-                  </a:txBody>
-                  <a:tcPr/>
-                </a:tc>
-                <a:tc>
-                  <a:txBody>
-                    <a:bodyPr/>
-                    <a:lstStyle/>
-                    <a:p>
-                      <a:pPr algn="ctr"/>
-                      <a:r>
-                        <a:rPr lang="en-US" dirty="0"/>
-                        <a:t>0</a:t>
-                      </a:r>
-                    </a:p>
-                  </a:txBody>
-                  <a:tcPr/>
-                </a:tc>
-                <a:tc>
-                  <a:txBody>
-                    <a:bodyPr/>
-                    <a:lstStyle/>
-                    <a:p>
-                      <a:pPr algn="ctr"/>
-                      <a:r>
-                        <a:rPr lang="en-US" dirty="0"/>
-                        <a:t>0</a:t>
-                      </a:r>
-                    </a:p>
-                  </a:txBody>
-                  <a:tcPr/>
-                </a:tc>
-                <a:extLst>
-                  <a:ext uri="{0D108BD9-81ED-4DB2-BD59-A6C34878D82A}">
-                    <a16:rowId xmlns:a16="http://schemas.microsoft.com/office/drawing/2014/main" val="1620683355"/>
-                  </a:ext>
-                </a:extLst>
-              </a:tr>
-              <a:tr h="370840">
-                <a:tc>
-                  <a:txBody>
-                    <a:bodyPr/>
-                    <a:lstStyle/>
-                    <a:p>
-                      <a:pPr algn="ctr"/>
-                      <a:r>
-                        <a:rPr lang="en-US" b="1" dirty="0"/>
-                        <a:t>D</a:t>
-                      </a:r>
-                    </a:p>
-                  </a:txBody>
-                  <a:tcPr/>
-                </a:tc>
-                <a:tc>
-                  <a:txBody>
-                    <a:bodyPr/>
-                    <a:lstStyle/>
-                    <a:p>
-                      <a:pPr algn="ctr"/>
-                      <a:r>
-                        <a:rPr lang="en-US" dirty="0"/>
-                        <a:t>1</a:t>
-                      </a:r>
-                    </a:p>
-                  </a:txBody>
-                  <a:tcPr/>
-                </a:tc>
-                <a:tc>
-                  <a:txBody>
-                    <a:bodyPr/>
-                    <a:lstStyle/>
-                    <a:p>
-                      <a:pPr algn="ctr"/>
-                      <a:r>
-                        <a:rPr lang="en-US" dirty="0"/>
-                        <a:t>1</a:t>
-                      </a:r>
-                    </a:p>
-                  </a:txBody>
-                  <a:tcPr/>
-                </a:tc>
-                <a:tc>
-                  <a:txBody>
-                    <a:bodyPr/>
-                    <a:lstStyle/>
-                    <a:p>
-                      <a:pPr algn="ctr"/>
-                      <a:r>
-                        <a:rPr lang="en-US" dirty="0"/>
-                        <a:t>0</a:t>
-                      </a:r>
-                    </a:p>
-                  </a:txBody>
-                  <a:tcPr/>
-                </a:tc>
-                <a:tc>
-                  <a:txBody>
-                    <a:bodyPr/>
-                    <a:lstStyle/>
-                    <a:p>
-                      <a:pPr algn="ctr"/>
-                      <a:r>
-                        <a:rPr lang="en-US" dirty="0"/>
-                        <a:t>1</a:t>
-                      </a:r>
-                    </a:p>
-                  </a:txBody>
-                  <a:tcPr/>
-                </a:tc>
-                <a:tc>
-                  <a:txBody>
-                    <a:bodyPr/>
-                    <a:lstStyle/>
-                    <a:p>
-                      <a:pPr algn="ctr"/>
-                      <a:r>
-                        <a:rPr lang="en-US" dirty="0"/>
-                        <a:t>0</a:t>
-                      </a:r>
-                    </a:p>
-                  </a:txBody>
-                  <a:tcPr/>
-                </a:tc>
-                <a:tc>
-                  <a:txBody>
-                    <a:bodyPr/>
-                    <a:lstStyle/>
-                    <a:p>
-                      <a:pPr algn="ctr"/>
-                      <a:r>
-                        <a:rPr lang="en-US" dirty="0"/>
-                        <a:t>0</a:t>
-                      </a:r>
-                    </a:p>
-                  </a:txBody>
-                  <a:tcPr/>
-                </a:tc>
-                <a:extLst>
-                  <a:ext uri="{0D108BD9-81ED-4DB2-BD59-A6C34878D82A}">
-                    <a16:rowId xmlns:a16="http://schemas.microsoft.com/office/drawing/2014/main" val="3943266511"/>
-                  </a:ext>
-                </a:extLst>
-              </a:tr>
-              <a:tr h="370840">
-                <a:tc>
-                  <a:txBody>
-                    <a:bodyPr/>
-                    <a:lstStyle/>
-                    <a:p>
-                      <a:pPr algn="ctr"/>
-                      <a:r>
-                        <a:rPr lang="en-US" b="1" dirty="0"/>
-                        <a:t>B</a:t>
-                      </a:r>
-                    </a:p>
-                  </a:txBody>
-                  <a:tcPr/>
-                </a:tc>
-                <a:tc>
-                  <a:txBody>
-                    <a:bodyPr/>
-                    <a:lstStyle/>
-                    <a:p>
-                      <a:pPr algn="ctr"/>
-                      <a:r>
-                        <a:rPr lang="en-US" dirty="0"/>
-                        <a:t>1</a:t>
-                      </a:r>
-                    </a:p>
-                  </a:txBody>
-                  <a:tcPr/>
-                </a:tc>
-                <a:tc>
-                  <a:txBody>
-                    <a:bodyPr/>
-                    <a:lstStyle/>
-                    <a:p>
-                      <a:pPr algn="ctr"/>
-                      <a:r>
-                        <a:rPr lang="en-US" dirty="0"/>
-                        <a:t>1</a:t>
-                      </a:r>
-                    </a:p>
-                  </a:txBody>
-                  <a:tcPr/>
-                </a:tc>
-                <a:tc>
-                  <a:txBody>
-                    <a:bodyPr/>
-                    <a:lstStyle/>
-                    <a:p>
-                      <a:pPr algn="ctr"/>
-                      <a:r>
-                        <a:rPr lang="en-US" dirty="0"/>
-                        <a:t>1</a:t>
-                      </a:r>
-                    </a:p>
-                  </a:txBody>
-                  <a:tcPr/>
-                </a:tc>
-                <a:tc>
-                  <a:txBody>
-                    <a:bodyPr/>
-                    <a:lstStyle/>
-                    <a:p>
-                      <a:pPr algn="ctr"/>
-                      <a:r>
-                        <a:rPr lang="en-US" dirty="0"/>
-                        <a:t>0</a:t>
-                      </a:r>
-                    </a:p>
-                  </a:txBody>
-                  <a:tcPr/>
-                </a:tc>
-                <a:tc>
-                  <a:txBody>
-                    <a:bodyPr/>
-                    <a:lstStyle/>
-                    <a:p>
-                      <a:pPr algn="ctr"/>
-                      <a:r>
-                        <a:rPr lang="en-US" dirty="0"/>
-                        <a:t>1</a:t>
-                      </a:r>
-                    </a:p>
-                  </a:txBody>
-                  <a:tcPr/>
-                </a:tc>
-                <a:tc>
-                  <a:txBody>
-                    <a:bodyPr/>
-                    <a:lstStyle/>
-                    <a:p>
-                      <a:pPr algn="ctr"/>
-                      <a:r>
-                        <a:rPr lang="en-US" dirty="0"/>
-                        <a:t>1</a:t>
-                      </a:r>
-                    </a:p>
-                  </a:txBody>
-                  <a:tcPr/>
-                </a:tc>
-                <a:extLst>
-                  <a:ext uri="{0D108BD9-81ED-4DB2-BD59-A6C34878D82A}">
-                    <a16:rowId xmlns:a16="http://schemas.microsoft.com/office/drawing/2014/main" val="345315835"/>
-                  </a:ext>
-                </a:extLst>
-              </a:tr>
-              <a:tr h="370840">
-                <a:tc>
-                  <a:txBody>
-                    <a:bodyPr/>
-                    <a:lstStyle/>
-                    <a:p>
-                      <a:pPr algn="ctr"/>
-                      <a:r>
-                        <a:rPr lang="en-US" b="1" dirty="0"/>
-                        <a:t>E</a:t>
-                      </a:r>
-                    </a:p>
-                  </a:txBody>
-                  <a:tcPr/>
-                </a:tc>
-                <a:tc>
-                  <a:txBody>
-                    <a:bodyPr/>
-                    <a:lstStyle/>
-                    <a:p>
-                      <a:pPr algn="ctr"/>
-                      <a:r>
-                        <a:rPr lang="en-US" dirty="0"/>
-                        <a:t>0</a:t>
-                      </a:r>
-                    </a:p>
-                  </a:txBody>
-                  <a:tcPr/>
-                </a:tc>
-                <a:tc>
-                  <a:txBody>
-                    <a:bodyPr/>
-                    <a:lstStyle/>
-                    <a:p>
-                      <a:pPr algn="ctr"/>
-                      <a:r>
-                        <a:rPr lang="en-US" dirty="0"/>
-                        <a:t>0</a:t>
-                      </a:r>
-                    </a:p>
-                  </a:txBody>
-                  <a:tcPr/>
-                </a:tc>
-                <a:tc>
-                  <a:txBody>
-                    <a:bodyPr/>
-                    <a:lstStyle/>
-                    <a:p>
-                      <a:pPr algn="ctr"/>
-                      <a:r>
-                        <a:rPr lang="en-US" dirty="0"/>
-                        <a:t>0</a:t>
-                      </a:r>
-                    </a:p>
-                  </a:txBody>
-                  <a:tcPr/>
-                </a:tc>
-                <a:tc>
-                  <a:txBody>
-                    <a:bodyPr/>
-                    <a:lstStyle/>
-                    <a:p>
-                      <a:pPr algn="ctr"/>
-                      <a:r>
-                        <a:rPr lang="en-US" dirty="0"/>
-                        <a:t>1</a:t>
-                      </a:r>
-                    </a:p>
-                  </a:txBody>
-                  <a:tcPr/>
-                </a:tc>
-                <a:tc>
-                  <a:txBody>
-                    <a:bodyPr/>
-                    <a:lstStyle/>
-                    <a:p>
-                      <a:pPr algn="ctr"/>
-                      <a:r>
-                        <a:rPr lang="en-US" dirty="0"/>
-                        <a:t>0</a:t>
-                      </a:r>
-                    </a:p>
-                  </a:txBody>
-                  <a:tcPr/>
-                </a:tc>
-                <a:tc>
-                  <a:txBody>
-                    <a:bodyPr/>
-                    <a:lstStyle/>
-                    <a:p>
-                      <a:pPr algn="ctr"/>
-                      <a:r>
-                        <a:rPr lang="en-US" dirty="0"/>
-                        <a:t>1</a:t>
-                      </a:r>
-                    </a:p>
-                  </a:txBody>
-                  <a:tcPr/>
-                </a:tc>
-                <a:extLst>
-                  <a:ext uri="{0D108BD9-81ED-4DB2-BD59-A6C34878D82A}">
-                    <a16:rowId xmlns:a16="http://schemas.microsoft.com/office/drawing/2014/main" val="1320601021"/>
-                  </a:ext>
-                </a:extLst>
-              </a:tr>
-              <a:tr h="370840">
-                <a:tc>
-                  <a:txBody>
-                    <a:bodyPr/>
-                    <a:lstStyle/>
-                    <a:p>
-                      <a:pPr algn="ctr"/>
-                      <a:r>
-                        <a:rPr lang="en-US" b="1" dirty="0"/>
-                        <a:t>F</a:t>
-                      </a:r>
-                    </a:p>
-                  </a:txBody>
-                  <a:tcPr/>
-                </a:tc>
-                <a:tc>
-                  <a:txBody>
-                    <a:bodyPr/>
-                    <a:lstStyle/>
-                    <a:p>
-                      <a:pPr algn="ctr"/>
-                      <a:r>
-                        <a:rPr lang="en-US" dirty="0"/>
-                        <a:t>0</a:t>
-                      </a:r>
-                    </a:p>
-                  </a:txBody>
-                  <a:tcPr/>
-                </a:tc>
-                <a:tc>
-                  <a:txBody>
-                    <a:bodyPr/>
-                    <a:lstStyle/>
-                    <a:p>
-                      <a:pPr algn="ctr"/>
-                      <a:r>
-                        <a:rPr lang="en-US" dirty="0"/>
-                        <a:t>0</a:t>
-                      </a:r>
-                    </a:p>
-                  </a:txBody>
-                  <a:tcPr/>
-                </a:tc>
-                <a:tc>
-                  <a:txBody>
-                    <a:bodyPr/>
-                    <a:lstStyle/>
-                    <a:p>
-                      <a:pPr algn="ctr"/>
-                      <a:r>
-                        <a:rPr lang="en-US" dirty="0"/>
-                        <a:t>0</a:t>
-                      </a:r>
-                    </a:p>
-                  </a:txBody>
-                  <a:tcPr/>
-                </a:tc>
-                <a:tc>
-                  <a:txBody>
-                    <a:bodyPr/>
-                    <a:lstStyle/>
-                    <a:p>
-                      <a:pPr algn="ctr"/>
-                      <a:r>
-                        <a:rPr lang="en-US" dirty="0"/>
-                        <a:t>1</a:t>
-                      </a:r>
-                    </a:p>
-                  </a:txBody>
-                  <a:tcPr/>
-                </a:tc>
-                <a:tc>
-                  <a:txBody>
-                    <a:bodyPr/>
-                    <a:lstStyle/>
-                    <a:p>
-                      <a:pPr algn="ctr"/>
-                      <a:r>
-                        <a:rPr lang="en-US" dirty="0"/>
-                        <a:t>1</a:t>
-                      </a:r>
-                    </a:p>
-                  </a:txBody>
-                  <a:tcPr/>
-                </a:tc>
-                <a:tc>
-                  <a:txBody>
-                    <a:bodyPr/>
-                    <a:lstStyle/>
-                    <a:p>
-                      <a:pPr algn="ctr"/>
-                      <a:r>
-                        <a:rPr lang="en-US" dirty="0"/>
-                        <a:t>0</a:t>
-                      </a:r>
-                    </a:p>
-                  </a:txBody>
-                  <a:tcPr/>
-                </a:tc>
-                <a:extLst>
-                  <a:ext uri="{0D108BD9-81ED-4DB2-BD59-A6C34878D82A}">
-                    <a16:rowId xmlns:a16="http://schemas.microsoft.com/office/drawing/2014/main" val="1625011283"/>
-                  </a:ext>
-                </a:extLst>
-              </a:tr>
-            </a:tbl>
-          </a:graphicData>
-        </a:graphic>
-      </p:graphicFrame>
-      <p:sp>
-        <p:nvSpPr>
-          <p:cNvPr id="37" name="Rectangle 36">
-            <a:extLst>
-              <a:ext uri="{FF2B5EF4-FFF2-40B4-BE49-F238E27FC236}">
-                <a16:creationId xmlns:a16="http://schemas.microsoft.com/office/drawing/2014/main" id="{0F226544-12B8-411B-A3AF-E48B896BD01C}"/>
-              </a:ext>
-            </a:extLst>
-          </p:cNvPr>
-          <p:cNvSpPr/>
-          <p:nvPr/>
-        </p:nvSpPr>
-        <p:spPr bwMode="gray">
-          <a:xfrm>
-            <a:off x="5046116" y="2182912"/>
-            <a:ext cx="4251793" cy="1742145"/>
-          </a:xfrm>
-          <a:prstGeom prst="rect">
-            <a:avLst/>
-          </a:prstGeom>
-          <a:solidFill>
-            <a:srgbClr val="0070C0">
-              <a:alpha val="10196"/>
-            </a:srgbClr>
-          </a:solidFill>
-          <a:ln>
-            <a:noFill/>
-          </a:ln>
-        </p:spPr>
-        <p:style>
-          <a:lnRef idx="2">
-            <a:schemeClr val="accent1">
-              <a:shade val="50000"/>
-            </a:schemeClr>
-          </a:lnRef>
-          <a:fillRef idx="1">
-            <a:schemeClr val="accent1"/>
-          </a:fillRef>
-          <a:effectRef idx="0">
-            <a:schemeClr val="accent1"/>
-          </a:effectRef>
-          <a:fontRef idx="minor">
-            <a:schemeClr val="lt1"/>
-          </a:fontRef>
-        </p:style>
-        <p:txBody>
-          <a:bodyPr rot="0" spcFirstLastPara="0" vertOverflow="overflow" horzOverflow="overflow" vert="horz" wrap="square" lIns="108000" tIns="72000" rIns="108000" bIns="72000" numCol="1" spcCol="0" rtlCol="0" fromWordArt="0" anchor="ctr" anchorCtr="0" forceAA="0" compatLnSpc="1">
-            <a:prstTxWarp prst="textNoShape">
-              <a:avLst/>
-            </a:prstTxWarp>
-            <a:noAutofit/>
-          </a:bodyPr>
-          <a:lstStyle/>
-          <a:p>
-            <a:pPr algn="ctr">
-              <a:spcBef>
-                <a:spcPts val="300"/>
-              </a:spcBef>
-              <a:spcAft>
-                <a:spcPts val="300"/>
-              </a:spcAft>
-            </a:pPr>
-            <a:endParaRPr lang="en-US" sz="1200" b="1" dirty="0" err="1">
-              <a:solidFill>
-                <a:schemeClr val="bg1"/>
-              </a:solidFill>
-            </a:endParaRPr>
-          </a:p>
-        </p:txBody>
-      </p:sp>
-      <p:sp>
-        <p:nvSpPr>
-          <p:cNvPr id="39" name="Rectangle 38">
-            <a:extLst>
-              <a:ext uri="{FF2B5EF4-FFF2-40B4-BE49-F238E27FC236}">
-                <a16:creationId xmlns:a16="http://schemas.microsoft.com/office/drawing/2014/main" id="{9735DC40-ACA6-4AF6-B1A3-EA9CE227F938}"/>
-              </a:ext>
-            </a:extLst>
-          </p:cNvPr>
-          <p:cNvSpPr/>
-          <p:nvPr/>
-        </p:nvSpPr>
-        <p:spPr bwMode="gray">
-          <a:xfrm>
-            <a:off x="8247707" y="3444799"/>
-            <a:ext cx="3100689" cy="1371985"/>
-          </a:xfrm>
-          <a:prstGeom prst="rect">
-            <a:avLst/>
-          </a:prstGeom>
-          <a:solidFill>
-            <a:srgbClr val="00B050">
-              <a:alpha val="10196"/>
-            </a:srgbClr>
-          </a:solidFill>
-          <a:ln>
-            <a:noFill/>
-          </a:ln>
-        </p:spPr>
-        <p:style>
-          <a:lnRef idx="2">
-            <a:schemeClr val="accent1">
-              <a:shade val="50000"/>
-            </a:schemeClr>
-          </a:lnRef>
-          <a:fillRef idx="1">
-            <a:schemeClr val="accent1"/>
-          </a:fillRef>
-          <a:effectRef idx="0">
-            <a:schemeClr val="accent1"/>
-          </a:effectRef>
-          <a:fontRef idx="minor">
-            <a:schemeClr val="lt1"/>
-          </a:fontRef>
-        </p:style>
-        <p:txBody>
-          <a:bodyPr rot="0" spcFirstLastPara="0" vertOverflow="overflow" horzOverflow="overflow" vert="horz" wrap="square" lIns="108000" tIns="72000" rIns="108000" bIns="72000" numCol="1" spcCol="0" rtlCol="0" fromWordArt="0" anchor="ctr" anchorCtr="0" forceAA="0" compatLnSpc="1">
-            <a:prstTxWarp prst="textNoShape">
-              <a:avLst/>
-            </a:prstTxWarp>
-            <a:noAutofit/>
-          </a:bodyPr>
-          <a:lstStyle/>
-          <a:p>
-            <a:pPr algn="ctr">
-              <a:spcBef>
-                <a:spcPts val="300"/>
-              </a:spcBef>
-              <a:spcAft>
-                <a:spcPts val="300"/>
-              </a:spcAft>
-            </a:pPr>
-            <a:endParaRPr lang="en-US" sz="1200" b="1" dirty="0" err="1">
-              <a:solidFill>
-                <a:schemeClr val="bg1"/>
-              </a:solidFill>
-            </a:endParaRPr>
-          </a:p>
-        </p:txBody>
-      </p:sp>
-      <p:sp>
-        <p:nvSpPr>
-          <p:cNvPr id="41" name="TextBox 40">
-            <a:extLst>
-              <a:ext uri="{FF2B5EF4-FFF2-40B4-BE49-F238E27FC236}">
-                <a16:creationId xmlns:a16="http://schemas.microsoft.com/office/drawing/2014/main" id="{DBF2982C-DA00-4962-A69B-B3815B86F684}"/>
-              </a:ext>
-            </a:extLst>
-          </p:cNvPr>
-          <p:cNvSpPr txBox="1"/>
-          <p:nvPr/>
-        </p:nvSpPr>
-        <p:spPr bwMode="gray">
-          <a:xfrm>
-            <a:off x="371192" y="5628178"/>
-            <a:ext cx="10601607" cy="369332"/>
-          </a:xfrm>
-          <a:prstGeom prst="rect">
-            <a:avLst/>
-          </a:prstGeom>
-          <a:noFill/>
-        </p:spPr>
-        <p:txBody>
-          <a:bodyPr wrap="square">
-            <a:spAutoFit/>
-          </a:bodyPr>
-          <a:lstStyle/>
-          <a:p>
-            <a:r>
-              <a:rPr lang="en-US" sz="1800" dirty="0"/>
-              <a:t>However, adjacency matrix of real-world networks are full of zeros</a:t>
-            </a:r>
-            <a:endParaRPr lang="en-US" sz="800" u="sng" dirty="0"/>
-          </a:p>
-        </p:txBody>
-      </p:sp>
-    </p:spTree>
-    <p:extLst>
-      <p:ext uri="{BB962C8B-B14F-4D97-AF65-F5344CB8AC3E}">
-        <p14:creationId xmlns:p14="http://schemas.microsoft.com/office/powerpoint/2010/main" val="188703056"/>
-      </p:ext>
-    </p:extLst>
-  </p:cSld>
-  <p:clrMapOvr>
-    <a:masterClrMapping/>
-  </p:clrMapOvr>
-  <p:timing>
-    <p:tnLst>
-      <p:par>
-        <p:cTn id="1" dur="indefinite" restart="never" nodeType="tmRoot">
-          <p:childTnLst>
-            <p:seq concurrent="1" nextAc="seek">
-              <p:cTn id="2" dur="indefinite" nodeType="mainSeq">
-                <p:childTnLst>
-                  <p:par>
-                    <p:cTn id="3" fill="hold">
-                      <p:stCondLst>
-                        <p:cond delay="indefinite"/>
-                        <p:cond evt="onBegin" delay="0">
-                          <p:tn val="2"/>
-                        </p:cond>
-                      </p:stCondLst>
-                      <p:childTnLst>
-                        <p:par>
-                          <p:cTn id="4" fill="hold">
-                            <p:stCondLst>
-                              <p:cond delay="0"/>
-                            </p:stCondLst>
-                            <p:childTnLst>
-                              <p:par>
-                                <p:cTn id="5" presetID="1" presetClass="entr" presetSubtype="0" fill="hold" grpId="0" nodeType="withEffect">
-                                  <p:stCondLst>
-                                    <p:cond delay="0"/>
-                                  </p:stCondLst>
-                                  <p:childTnLst>
-                                    <p:set>
-                                      <p:cBhvr>
-                                        <p:cTn id="6" dur="1" fill="hold">
-                                          <p:stCondLst>
-                                            <p:cond delay="0"/>
-                                          </p:stCondLst>
-                                        </p:cTn>
-                                        <p:tgtEl>
-                                          <p:spTgt spid="20"/>
-                                        </p:tgtEl>
-                                        <p:attrNameLst>
-                                          <p:attrName>style.visibility</p:attrName>
-                                        </p:attrNameLst>
-                                      </p:cBhvr>
-                                      <p:to>
-                                        <p:strVal val="visible"/>
-                                      </p:to>
-                                    </p:set>
-                                  </p:childTnLst>
-                                </p:cTn>
-                              </p:par>
-                            </p:childTnLst>
-                          </p:cTn>
-                        </p:par>
-                      </p:childTnLst>
-                    </p:cTn>
-                  </p:par>
-                  <p:par>
-                    <p:cTn id="7" fill="hold">
-                      <p:stCondLst>
-                        <p:cond delay="indefinite"/>
-                      </p:stCondLst>
-                      <p:childTnLst>
-                        <p:par>
-                          <p:cTn id="8" fill="hold">
-                            <p:stCondLst>
-                              <p:cond delay="0"/>
-                            </p:stCondLst>
-                            <p:childTnLst>
-                              <p:par>
-                                <p:cTn id="9" presetID="14" presetClass="entr" presetSubtype="10" fill="hold" nodeType="clickEffect">
-                                  <p:stCondLst>
-                                    <p:cond delay="0"/>
-                                  </p:stCondLst>
-                                  <p:childTnLst>
-                                    <p:set>
-                                      <p:cBhvr>
-                                        <p:cTn id="10" dur="1" fill="hold">
-                                          <p:stCondLst>
-                                            <p:cond delay="0"/>
-                                          </p:stCondLst>
-                                        </p:cTn>
-                                        <p:tgtEl>
-                                          <p:spTgt spid="36"/>
-                                        </p:tgtEl>
-                                        <p:attrNameLst>
-                                          <p:attrName>style.visibility</p:attrName>
-                                        </p:attrNameLst>
-                                      </p:cBhvr>
-                                      <p:to>
-                                        <p:strVal val="visible"/>
-                                      </p:to>
-                                    </p:set>
-                                    <p:animEffect transition="in" filter="randombar(horizontal)">
-                                      <p:cBhvr>
-                                        <p:cTn id="11" dur="500"/>
-                                        <p:tgtEl>
-                                          <p:spTgt spid="36"/>
-                                        </p:tgtEl>
-                                      </p:cBhvr>
-                                    </p:animEffect>
-                                  </p:childTnLst>
-                                </p:cTn>
-                              </p:par>
-                            </p:childTnLst>
-                          </p:cTn>
-                        </p:par>
-                      </p:childTnLst>
-                    </p:cTn>
-                  </p:par>
-                  <p:par>
-                    <p:cTn id="12" fill="hold">
-                      <p:stCondLst>
-                        <p:cond delay="indefinite"/>
-                      </p:stCondLst>
-                      <p:childTnLst>
-                        <p:par>
-                          <p:cTn id="13" fill="hold">
-                            <p:stCondLst>
-                              <p:cond delay="0"/>
-                            </p:stCondLst>
-                            <p:childTnLst>
-                              <p:par>
-                                <p:cTn id="14" presetID="14" presetClass="entr" presetSubtype="10" fill="hold" grpId="0" nodeType="clickEffect">
-                                  <p:stCondLst>
-                                    <p:cond delay="0"/>
-                                  </p:stCondLst>
-                                  <p:childTnLst>
-                                    <p:set>
-                                      <p:cBhvr>
-                                        <p:cTn id="15" dur="1" fill="hold">
-                                          <p:stCondLst>
-                                            <p:cond delay="0"/>
-                                          </p:stCondLst>
-                                        </p:cTn>
-                                        <p:tgtEl>
-                                          <p:spTgt spid="39"/>
-                                        </p:tgtEl>
-                                        <p:attrNameLst>
-                                          <p:attrName>style.visibility</p:attrName>
-                                        </p:attrNameLst>
-                                      </p:cBhvr>
-                                      <p:to>
-                                        <p:strVal val="visible"/>
-                                      </p:to>
-                                    </p:set>
-                                    <p:animEffect transition="in" filter="randombar(horizontal)">
-                                      <p:cBhvr>
-                                        <p:cTn id="16" dur="500"/>
-                                        <p:tgtEl>
-                                          <p:spTgt spid="39"/>
-                                        </p:tgtEl>
-                                      </p:cBhvr>
-                                    </p:animEffect>
-                                  </p:childTnLst>
-                                </p:cTn>
-                              </p:par>
-                            </p:childTnLst>
-                          </p:cTn>
-                        </p:par>
-                      </p:childTnLst>
-                    </p:cTn>
-                  </p:par>
-                  <p:par>
-                    <p:cTn id="17" fill="hold">
-                      <p:stCondLst>
-                        <p:cond delay="indefinite"/>
-                      </p:stCondLst>
-                      <p:childTnLst>
-                        <p:par>
-                          <p:cTn id="18" fill="hold">
-                            <p:stCondLst>
-                              <p:cond delay="0"/>
-                            </p:stCondLst>
-                            <p:childTnLst>
-                              <p:par>
-                                <p:cTn id="19" presetID="14" presetClass="entr" presetSubtype="10" fill="hold" grpId="0" nodeType="clickEffect">
-                                  <p:stCondLst>
-                                    <p:cond delay="0"/>
-                                  </p:stCondLst>
-                                  <p:childTnLst>
-                                    <p:set>
-                                      <p:cBhvr>
-                                        <p:cTn id="20" dur="1" fill="hold">
-                                          <p:stCondLst>
-                                            <p:cond delay="0"/>
-                                          </p:stCondLst>
-                                        </p:cTn>
-                                        <p:tgtEl>
-                                          <p:spTgt spid="37"/>
-                                        </p:tgtEl>
-                                        <p:attrNameLst>
-                                          <p:attrName>style.visibility</p:attrName>
-                                        </p:attrNameLst>
-                                      </p:cBhvr>
-                                      <p:to>
-                                        <p:strVal val="visible"/>
-                                      </p:to>
-                                    </p:set>
-                                    <p:animEffect transition="in" filter="randombar(horizontal)">
-                                      <p:cBhvr>
-                                        <p:cTn id="21" dur="500"/>
-                                        <p:tgtEl>
-                                          <p:spTgt spid="37"/>
-                                        </p:tgtEl>
-                                      </p:cBhvr>
-                                    </p:animEffect>
-                                  </p:childTnLst>
-                                </p:cTn>
-                              </p:par>
-                            </p:childTnLst>
-                          </p:cTn>
-                        </p:par>
-                      </p:childTnLst>
-                    </p:cTn>
-                  </p:par>
-                  <p:par>
-                    <p:cTn id="22" fill="hold">
-                      <p:stCondLst>
-                        <p:cond delay="indefinite"/>
-                      </p:stCondLst>
-                      <p:childTnLst>
-                        <p:par>
-                          <p:cTn id="23" fill="hold">
-                            <p:stCondLst>
-                              <p:cond delay="0"/>
-                            </p:stCondLst>
-                            <p:childTnLst>
-                              <p:par>
-                                <p:cTn id="24" presetID="1" presetClass="entr" presetSubtype="0" fill="hold" grpId="0" nodeType="clickEffect">
-                                  <p:stCondLst>
-                                    <p:cond delay="0"/>
-                                  </p:stCondLst>
-                                  <p:childTnLst>
-                                    <p:set>
-                                      <p:cBhvr>
-                                        <p:cTn id="25" dur="1" fill="hold">
-                                          <p:stCondLst>
-                                            <p:cond delay="0"/>
-                                          </p:stCondLst>
-                                        </p:cTn>
-                                        <p:tgtEl>
-                                          <p:spTgt spid="41"/>
-                                        </p:tgtEl>
-                                        <p:attrNameLst>
-                                          <p:attrName>style.visibility</p:attrName>
-                                        </p:attrNameLst>
-                                      </p:cBhvr>
-                                      <p:to>
-                                        <p:strVal val="visible"/>
-                                      </p:to>
-                                    </p:set>
-                                  </p:childTnLst>
-                                </p:cTn>
-                              </p:par>
-                            </p:childTnLst>
-                          </p:cTn>
-                        </p:par>
-                      </p:childTnLst>
-                    </p:cTn>
-                  </p:par>
-                </p:childTnLst>
-              </p:cTn>
-              <p:prevCondLst>
-                <p:cond evt="onPrev" delay="0">
-                  <p:tgtEl>
-                    <p:sldTgt/>
-                  </p:tgtEl>
-                </p:cond>
-              </p:prevCondLst>
-              <p:nextCondLst>
-                <p:cond evt="onNext" delay="0">
-                  <p:tgtEl>
-                    <p:sldTgt/>
-                  </p:tgtEl>
-                </p:cond>
-              </p:nextCondLst>
-            </p:seq>
-          </p:childTnLst>
-        </p:cTn>
-      </p:par>
-    </p:tnLst>
-    <p:bldLst>
-      <p:bldP spid="20" grpId="0"/>
-      <p:bldP spid="37" grpId="0" animBg="1"/>
-      <p:bldP spid="39" grpId="0" animBg="1"/>
-      <p:bldP spid="41" grpId="0"/>
-    </p:bldLst>
-  </p:timing>
-</p:sld>
-</file>
-
-<file path=ppt/slides/slide18.xml><?xml version="1.0" encoding="utf-8"?>
-<p:sld xmlns:a="http://schemas.openxmlformats.org/drawingml/2006/main" xmlns:r="http://schemas.openxmlformats.org/officeDocument/2006/relationships" xmlns:p="http://schemas.openxmlformats.org/presentationml/2006/main">
-  <p:cSld>
-    <p:spTree>
-      <p:nvGrpSpPr>
-        <p:cNvPr id="1" name=""/>
-        <p:cNvGrpSpPr/>
-        <p:nvPr/>
-      </p:nvGrpSpPr>
-      <p:grpSpPr>
-        <a:xfrm>
-          <a:off x="0" y="0"/>
-          <a:ext cx="0" cy="0"/>
-          <a:chOff x="0" y="0"/>
-          <a:chExt cx="0" cy="0"/>
-        </a:xfrm>
-      </p:grpSpPr>
-      <p:sp>
-        <p:nvSpPr>
-          <p:cNvPr id="2" name="Title 1">
-            <a:extLst>
-              <a:ext uri="{FF2B5EF4-FFF2-40B4-BE49-F238E27FC236}">
-                <a16:creationId xmlns:a16="http://schemas.microsoft.com/office/drawing/2014/main" id="{33393F2D-0C5F-4A34-8D13-AF2214DDA7C4}"/>
-              </a:ext>
-            </a:extLst>
-          </p:cNvPr>
-          <p:cNvSpPr>
-            <a:spLocks noGrp="1"/>
-          </p:cNvSpPr>
-          <p:nvPr>
-            <p:ph type="title"/>
-          </p:nvPr>
-        </p:nvSpPr>
-        <p:spPr/>
-        <p:txBody>
-          <a:bodyPr/>
-          <a:lstStyle/>
-          <a:p>
-            <a:r>
-              <a:rPr lang="en-US" dirty="0"/>
-              <a:t>Most real-world networks are sparse</a:t>
-            </a:r>
-          </a:p>
-        </p:txBody>
-      </p:sp>
-      <p:pic>
-        <p:nvPicPr>
-          <p:cNvPr id="5" name="Picture 4">
-            <a:extLst>
-              <a:ext uri="{FF2B5EF4-FFF2-40B4-BE49-F238E27FC236}">
-                <a16:creationId xmlns:a16="http://schemas.microsoft.com/office/drawing/2014/main" id="{F620E2F1-A311-4376-B2AE-09F0405EEE9E}"/>
-              </a:ext>
-            </a:extLst>
-          </p:cNvPr>
-          <p:cNvPicPr>
-            <a:picLocks noChangeAspect="1"/>
-          </p:cNvPicPr>
-          <p:nvPr/>
-        </p:nvPicPr>
-        <p:blipFill>
-          <a:blip r:embed="rId2"/>
-          <a:stretch>
-            <a:fillRect/>
-          </a:stretch>
-        </p:blipFill>
-        <p:spPr>
-          <a:xfrm>
-            <a:off x="243700" y="941986"/>
-            <a:ext cx="8640993" cy="5435970"/>
-          </a:xfrm>
-          <a:prstGeom prst="rect">
-            <a:avLst/>
-          </a:prstGeom>
-        </p:spPr>
-      </p:pic>
-      <p:sp>
-        <p:nvSpPr>
-          <p:cNvPr id="7" name="TextBox 6">
-            <a:extLst>
-              <a:ext uri="{FF2B5EF4-FFF2-40B4-BE49-F238E27FC236}">
-                <a16:creationId xmlns:a16="http://schemas.microsoft.com/office/drawing/2014/main" id="{2746F67F-D7DE-46F9-A70A-9A02A48A7CFB}"/>
-              </a:ext>
-            </a:extLst>
-          </p:cNvPr>
-          <p:cNvSpPr txBox="1"/>
-          <p:nvPr/>
-        </p:nvSpPr>
-        <p:spPr bwMode="gray">
-          <a:xfrm>
-            <a:off x="9279803" y="5177627"/>
-            <a:ext cx="2797520" cy="1200329"/>
-          </a:xfrm>
-          <a:prstGeom prst="rect">
-            <a:avLst/>
-          </a:prstGeom>
-          <a:noFill/>
-        </p:spPr>
-        <p:txBody>
-          <a:bodyPr wrap="square">
-            <a:spAutoFit/>
-          </a:bodyPr>
-          <a:lstStyle/>
-          <a:p>
-            <a:r>
-              <a:rPr lang="en-US" sz="1200" u="sng" dirty="0"/>
-              <a:t>source</a:t>
-            </a:r>
-            <a:r>
-              <a:rPr lang="en-US" sz="1200" dirty="0"/>
-              <a:t> :Leskovec, J., et al. "Community structure in large networks: Natural cluster sizes and the absence of large well-defined clusters." </a:t>
-            </a:r>
-            <a:r>
-              <a:rPr lang="en-US" sz="1200" i="1" dirty="0"/>
-              <a:t>Internet Mathematics</a:t>
-            </a:r>
-            <a:r>
-              <a:rPr lang="en-US" sz="1200" dirty="0"/>
-              <a:t> 6.1 (2009): 29-123.</a:t>
-            </a:r>
-          </a:p>
-        </p:txBody>
-      </p:sp>
-      <p:sp>
-        <p:nvSpPr>
-          <p:cNvPr id="8" name="Rectangle 7">
-            <a:extLst>
-              <a:ext uri="{FF2B5EF4-FFF2-40B4-BE49-F238E27FC236}">
-                <a16:creationId xmlns:a16="http://schemas.microsoft.com/office/drawing/2014/main" id="{7C527963-E36A-4332-BEE1-C9EC20211B46}"/>
-              </a:ext>
-            </a:extLst>
-          </p:cNvPr>
-          <p:cNvSpPr/>
-          <p:nvPr/>
-        </p:nvSpPr>
-        <p:spPr bwMode="gray">
-          <a:xfrm>
-            <a:off x="4653481" y="941986"/>
-            <a:ext cx="669957" cy="5549349"/>
-          </a:xfrm>
-          <a:prstGeom prst="rect">
-            <a:avLst/>
-          </a:prstGeom>
-          <a:solidFill>
-            <a:srgbClr val="B1063A">
-              <a:alpha val="10196"/>
-            </a:srgbClr>
-          </a:solidFill>
-          <a:ln>
-            <a:noFill/>
-          </a:ln>
-        </p:spPr>
-        <p:style>
-          <a:lnRef idx="2">
-            <a:schemeClr val="accent1">
-              <a:shade val="50000"/>
-            </a:schemeClr>
-          </a:lnRef>
-          <a:fillRef idx="1">
-            <a:schemeClr val="accent1"/>
-          </a:fillRef>
-          <a:effectRef idx="0">
-            <a:schemeClr val="accent1"/>
-          </a:effectRef>
-          <a:fontRef idx="minor">
-            <a:schemeClr val="lt1"/>
-          </a:fontRef>
-        </p:style>
-        <p:txBody>
-          <a:bodyPr rot="0" spcFirstLastPara="0" vertOverflow="overflow" horzOverflow="overflow" vert="horz" wrap="square" lIns="108000" tIns="72000" rIns="108000" bIns="72000" numCol="1" spcCol="0" rtlCol="0" fromWordArt="0" anchor="ctr" anchorCtr="0" forceAA="0" compatLnSpc="1">
-            <a:prstTxWarp prst="textNoShape">
-              <a:avLst/>
-            </a:prstTxWarp>
-            <a:noAutofit/>
-          </a:bodyPr>
-          <a:lstStyle/>
-          <a:p>
-            <a:pPr algn="ctr">
-              <a:spcBef>
-                <a:spcPts val="300"/>
-              </a:spcBef>
-              <a:spcAft>
-                <a:spcPts val="300"/>
-              </a:spcAft>
-            </a:pPr>
-            <a:endParaRPr lang="en-US" sz="1200" b="1" dirty="0" err="1">
-              <a:solidFill>
-                <a:schemeClr val="bg1"/>
-              </a:solidFill>
-            </a:endParaRPr>
-          </a:p>
-        </p:txBody>
-      </p:sp>
-      <mc:AlternateContent xmlns:mc="http://schemas.openxmlformats.org/markup-compatibility/2006" xmlns:a14="http://schemas.microsoft.com/office/drawing/2010/main">
-        <mc:Choice Requires="a14">
-          <p:sp>
-            <p:nvSpPr>
-              <p:cNvPr id="9" name="TextBox 8">
-                <a:extLst>
-                  <a:ext uri="{FF2B5EF4-FFF2-40B4-BE49-F238E27FC236}">
-                    <a16:creationId xmlns:a16="http://schemas.microsoft.com/office/drawing/2014/main" id="{6553CA03-D0DE-414A-99C5-822A1C6DF3F0}"/>
-                  </a:ext>
-                </a:extLst>
-              </p:cNvPr>
-              <p:cNvSpPr txBox="1"/>
-              <p:nvPr/>
-            </p:nvSpPr>
-            <p:spPr bwMode="gray">
-              <a:xfrm>
-                <a:off x="9329823" y="1165806"/>
-                <a:ext cx="3066105" cy="3132656"/>
-              </a:xfrm>
-              <a:prstGeom prst="rect">
-                <a:avLst/>
-              </a:prstGeom>
-              <a:noFill/>
-            </p:spPr>
-            <p:txBody>
-              <a:bodyPr wrap="square" lIns="0" tIns="0" rIns="0" bIns="0" rtlCol="0">
-                <a:noAutofit/>
-              </a:bodyPr>
-              <a:lstStyle/>
-              <a:p>
-                <a:pPr>
-                  <a:spcBef>
-                    <a:spcPts val="300"/>
-                  </a:spcBef>
-                  <a:spcAft>
-                    <a:spcPts val="300"/>
-                  </a:spcAft>
-                  <a:buClr>
-                    <a:schemeClr val="accent1"/>
-                  </a:buClr>
-                  <a:buSzPct val="90000"/>
-                </a:pPr>
-                <a:r>
-                  <a:rPr lang="en-US" sz="2000" dirty="0">
-                    <a:effectLst/>
-                    <a:latin typeface="Times New Roman" panose="02020603050405020304" pitchFamily="18" charset="0"/>
-                  </a:rPr>
-                  <a:t>N = number of nodes</a:t>
-                </a:r>
-              </a:p>
-              <a:p>
-                <a:pPr>
-                  <a:spcBef>
-                    <a:spcPts val="300"/>
-                  </a:spcBef>
-                  <a:spcAft>
-                    <a:spcPts val="300"/>
-                  </a:spcAft>
-                  <a:buClr>
-                    <a:schemeClr val="accent1"/>
-                  </a:buClr>
-                  <a:buSzPct val="90000"/>
-                </a:pPr>
-                <a:r>
-                  <a:rPr lang="en-US" sz="2000" dirty="0">
-                    <a:latin typeface="Times New Roman" panose="02020603050405020304" pitchFamily="18" charset="0"/>
-                  </a:rPr>
-                  <a:t>E=</a:t>
-                </a:r>
-                <a:r>
-                  <a:rPr lang="en-US" sz="2000" dirty="0">
-                    <a:effectLst/>
-                    <a:latin typeface="Times New Roman" panose="02020603050405020304" pitchFamily="18" charset="0"/>
-                  </a:rPr>
-                  <a:t> number of edges</a:t>
-                </a:r>
-              </a:p>
-              <a:p>
-                <a:pPr>
-                  <a:spcBef>
-                    <a:spcPts val="300"/>
-                  </a:spcBef>
-                  <a:spcAft>
-                    <a:spcPts val="300"/>
-                  </a:spcAft>
-                  <a:buClr>
-                    <a:schemeClr val="accent1"/>
-                  </a:buClr>
-                  <a:buSzPct val="90000"/>
-                </a:pPr>
-                <a:r>
-                  <a:rPr lang="en-US" sz="2000" dirty="0">
-                    <a:latin typeface="Times New Roman" panose="02020603050405020304" pitchFamily="18" charset="0"/>
-                  </a:rPr>
-                  <a:t>N</a:t>
-                </a:r>
-                <a:r>
-                  <a:rPr lang="en-US" sz="2000" baseline="-25000" dirty="0">
-                    <a:latin typeface="Times New Roman" panose="02020603050405020304" pitchFamily="18" charset="0"/>
-                  </a:rPr>
-                  <a:t>b </a:t>
-                </a:r>
-                <a:r>
-                  <a:rPr lang="en-US" sz="2000" dirty="0">
-                    <a:latin typeface="Times New Roman" panose="02020603050405020304" pitchFamily="18" charset="0"/>
-                  </a:rPr>
-                  <a:t>=</a:t>
-                </a:r>
-                <a:r>
-                  <a:rPr lang="en-US" sz="2000" dirty="0">
-                    <a:effectLst/>
-                    <a:latin typeface="Times New Roman" panose="02020603050405020304" pitchFamily="18" charset="0"/>
-                  </a:rPr>
-                  <a:t> fraction nodes not in whiskers (size of largest biconnected component)</a:t>
-                </a:r>
-                <a:endParaRPr lang="en-US" sz="2000" dirty="0">
-                  <a:effectLst/>
-                  <a:latin typeface="Arial" panose="020B0604020202020204" pitchFamily="34" charset="0"/>
-                </a:endParaRPr>
-              </a:p>
-              <a:p>
-                <a:pPr>
-                  <a:spcBef>
-                    <a:spcPts val="300"/>
-                  </a:spcBef>
-                  <a:spcAft>
-                    <a:spcPts val="300"/>
-                  </a:spcAft>
-                  <a:buClr>
-                    <a:schemeClr val="accent1"/>
-                  </a:buClr>
-                  <a:buSzPct val="90000"/>
-                </a:pPr>
-                <a:r>
-                  <a:rPr lang="en-US" sz="2000" dirty="0">
-                    <a:latin typeface="Times New Roman" panose="02020603050405020304" pitchFamily="18" charset="0"/>
-                  </a:rPr>
-                  <a:t>E</a:t>
-                </a:r>
-                <a:r>
-                  <a:rPr lang="en-US" sz="2000" baseline="-25000" dirty="0">
-                    <a:latin typeface="Times New Roman" panose="02020603050405020304" pitchFamily="18" charset="0"/>
-                  </a:rPr>
-                  <a:t>b </a:t>
-                </a:r>
-                <a:r>
-                  <a:rPr lang="en-US" sz="2000" dirty="0">
-                    <a:latin typeface="Times New Roman" panose="02020603050405020304" pitchFamily="18" charset="0"/>
-                  </a:rPr>
-                  <a:t>=</a:t>
-                </a:r>
-                <a:r>
-                  <a:rPr lang="en-US" sz="2000" dirty="0">
-                    <a:effectLst/>
-                    <a:latin typeface="Times New Roman" panose="02020603050405020304" pitchFamily="18" charset="0"/>
-                  </a:rPr>
-                  <a:t> fraction of edges in biconnected component</a:t>
-                </a:r>
-              </a:p>
-              <a:p>
-                <a:pPr>
-                  <a:spcBef>
-                    <a:spcPts val="300"/>
-                  </a:spcBef>
-                  <a:spcAft>
-                    <a:spcPts val="300"/>
-                  </a:spcAft>
-                  <a:buClr>
-                    <a:schemeClr val="accent1"/>
-                  </a:buClr>
-                  <a:buSzPct val="90000"/>
-                </a:pPr>
-                <a14:m>
-                  <m:oMath xmlns:m="http://schemas.openxmlformats.org/officeDocument/2006/math">
-                    <m:acc>
-                      <m:accPr>
-                        <m:chr m:val="̅"/>
-                        <m:ctrlPr>
-                          <a:rPr lang="en-US" sz="2000" b="0" i="1" smtClean="0">
-                            <a:latin typeface="Cambria Math" panose="02040503050406030204" pitchFamily="18" charset="0"/>
-                          </a:rPr>
-                        </m:ctrlPr>
-                      </m:accPr>
-                      <m:e>
-                        <m:r>
-                          <a:rPr lang="en-US" sz="2000" b="0" i="1" smtClean="0">
-                            <a:latin typeface="Cambria Math" panose="02040503050406030204" pitchFamily="18" charset="0"/>
-                          </a:rPr>
-                          <m:t>𝑑</m:t>
-                        </m:r>
-                      </m:e>
-                    </m:acc>
-                    <m:r>
-                      <a:rPr lang="en-US" sz="2000" b="0" i="1" smtClean="0">
-                        <a:latin typeface="Cambria Math" panose="02040503050406030204" pitchFamily="18" charset="0"/>
-                      </a:rPr>
-                      <m:t>=</m:t>
-                    </m:r>
-                  </m:oMath>
-                </a14:m>
-                <a:r>
-                  <a:rPr lang="en-US" sz="2000" dirty="0"/>
-                  <a:t> </a:t>
-                </a:r>
-                <a14:m>
-                  <m:oMath xmlns:m="http://schemas.openxmlformats.org/officeDocument/2006/math">
-                    <m:acc>
-                      <m:accPr>
-                        <m:chr m:val="̅"/>
-                        <m:ctrlPr>
-                          <a:rPr lang="en-US" sz="2000" i="1">
-                            <a:latin typeface="Cambria Math" panose="02040503050406030204" pitchFamily="18" charset="0"/>
-                          </a:rPr>
-                        </m:ctrlPr>
-                      </m:accPr>
-                      <m:e>
-                        <m:r>
-                          <a:rPr lang="en-US" sz="2000" b="0" i="1" smtClean="0">
-                            <a:latin typeface="Cambria Math" panose="02040503050406030204" pitchFamily="18" charset="0"/>
-                          </a:rPr>
-                          <m:t>𝑘</m:t>
-                        </m:r>
-                      </m:e>
-                    </m:acc>
-                    <m:r>
-                      <a:rPr lang="en-US" sz="2000" b="0" i="1" smtClean="0">
-                        <a:latin typeface="Cambria Math" panose="02040503050406030204" pitchFamily="18" charset="0"/>
-                      </a:rPr>
-                      <m:t>=</m:t>
-                    </m:r>
-                    <m:r>
-                      <a:rPr lang="en-US" sz="2000" b="0" i="1" smtClean="0">
-                        <a:latin typeface="Cambria Math" panose="02040503050406030204" pitchFamily="18" charset="0"/>
-                      </a:rPr>
-                      <m:t>𝑎𝑣𝑒𝑟𝑎𝑔𝑒</m:t>
-                    </m:r>
-                    <m:r>
-                      <a:rPr lang="en-US" sz="2000" b="0" i="1" smtClean="0">
-                        <a:latin typeface="Cambria Math" panose="02040503050406030204" pitchFamily="18" charset="0"/>
-                      </a:rPr>
-                      <m:t> </m:t>
-                    </m:r>
-                    <m:r>
-                      <a:rPr lang="en-US" sz="2000" b="0" i="1" smtClean="0">
-                        <a:latin typeface="Cambria Math" panose="02040503050406030204" pitchFamily="18" charset="0"/>
-                      </a:rPr>
-                      <m:t>𝑑𝑒𝑔𝑟𝑒𝑒</m:t>
-                    </m:r>
-                  </m:oMath>
-                </a14:m>
-                <a:endParaRPr lang="en-US" sz="2000" b="0" dirty="0"/>
-              </a:p>
-              <a:p>
-                <a:pPr>
-                  <a:spcBef>
-                    <a:spcPts val="300"/>
-                  </a:spcBef>
-                  <a:spcAft>
-                    <a:spcPts val="300"/>
-                  </a:spcAft>
-                  <a:buClr>
-                    <a:schemeClr val="accent1"/>
-                  </a:buClr>
-                  <a:buSzPct val="90000"/>
-                </a:pPr>
-                <a:endParaRPr lang="en-US" sz="2000" baseline="-25000" dirty="0"/>
-              </a:p>
-            </p:txBody>
-          </p:sp>
-        </mc:Choice>
-        <mc:Fallback xmlns="">
-          <p:sp>
-            <p:nvSpPr>
-              <p:cNvPr id="9" name="TextBox 8">
-                <a:extLst>
-                  <a:ext uri="{FF2B5EF4-FFF2-40B4-BE49-F238E27FC236}">
-                    <a16:creationId xmlns:a16="http://schemas.microsoft.com/office/drawing/2014/main" id="{6553CA03-D0DE-414A-99C5-822A1C6DF3F0}"/>
-                  </a:ext>
-                </a:extLst>
-              </p:cNvPr>
-              <p:cNvSpPr txBox="1">
-                <a:spLocks noRot="1" noChangeAspect="1" noMove="1" noResize="1" noEditPoints="1" noAdjustHandles="1" noChangeArrowheads="1" noChangeShapeType="1" noTextEdit="1"/>
-              </p:cNvSpPr>
-              <p:nvPr/>
-            </p:nvSpPr>
-            <p:spPr bwMode="gray">
-              <a:xfrm>
-                <a:off x="9329823" y="1165806"/>
-                <a:ext cx="3066105" cy="3132656"/>
-              </a:xfrm>
-              <a:prstGeom prst="rect">
-                <a:avLst/>
-              </a:prstGeom>
-              <a:blipFill>
-                <a:blip r:embed="rId3"/>
-                <a:stretch>
-                  <a:fillRect l="-4970" t="-2529"/>
-                </a:stretch>
-              </a:blipFill>
-            </p:spPr>
-            <p:txBody>
-              <a:bodyPr/>
-              <a:lstStyle/>
-              <a:p>
-                <a:r>
-                  <a:rPr lang="en-US">
-                    <a:noFill/>
-                  </a:rPr>
-                  <a:t> </a:t>
-                </a:r>
-              </a:p>
-            </p:txBody>
-          </p:sp>
-        </mc:Fallback>
-      </mc:AlternateContent>
-    </p:spTree>
-    <p:extLst>
-      <p:ext uri="{BB962C8B-B14F-4D97-AF65-F5344CB8AC3E}">
-        <p14:creationId xmlns:p14="http://schemas.microsoft.com/office/powerpoint/2010/main" val="2146295482"/>
-      </p:ext>
-    </p:extLst>
-  </p:cSld>
-  <p:clrMapOvr>
-    <a:masterClrMapping/>
-  </p:clrMapOvr>
-</p:sld>
-</file>
-
-<file path=ppt/slides/slide19.xml><?xml version="1.0" encoding="utf-8"?>
-<p:sld xmlns:a="http://schemas.openxmlformats.org/drawingml/2006/main" xmlns:r="http://schemas.openxmlformats.org/officeDocument/2006/relationships" xmlns:p="http://schemas.openxmlformats.org/presentationml/2006/main">
-  <p:cSld>
-    <p:spTree>
-      <p:nvGrpSpPr>
-        <p:cNvPr id="1" name=""/>
-        <p:cNvGrpSpPr/>
-        <p:nvPr/>
-      </p:nvGrpSpPr>
-      <p:grpSpPr>
-        <a:xfrm>
-          <a:off x="0" y="0"/>
-          <a:ext cx="0" cy="0"/>
-          <a:chOff x="0" y="0"/>
-          <a:chExt cx="0" cy="0"/>
-        </a:xfrm>
-      </p:grpSpPr>
-      <p:sp>
-        <p:nvSpPr>
-          <p:cNvPr id="4" name="Title 3">
-            <a:extLst>
-              <a:ext uri="{FF2B5EF4-FFF2-40B4-BE49-F238E27FC236}">
                 <a16:creationId xmlns:a16="http://schemas.microsoft.com/office/drawing/2014/main" id="{E7EBB6C5-1871-444B-AD84-356DE1BC2905}"/>
               </a:ext>
             </a:extLst>
